--- a/Introduce/NFrame_Introduction_CHS.pptx
+++ b/Introduce/NFrame_Introduction_CHS.pptx
@@ -281,7 +281,7 @@
           <a:p>
             <a:fld id="{6D2B91B4-868A-4647-89A6-979C8F299A21}" type="datetimeFigureOut">
               <a:rPr lang="zh-CN" altLang="en-US" smtClean="0"/>
-              <a:t>2015/3/20</a:t>
+              <a:t>2015/8/26</a:t>
             </a:fld>
             <a:endParaRPr lang="zh-CN" altLang="en-US"/>
           </a:p>
@@ -451,7 +451,7 @@
           <a:p>
             <a:fld id="{6D2B91B4-868A-4647-89A6-979C8F299A21}" type="datetimeFigureOut">
               <a:rPr lang="zh-CN" altLang="en-US" smtClean="0"/>
-              <a:t>2015/3/20</a:t>
+              <a:t>2015/8/26</a:t>
             </a:fld>
             <a:endParaRPr lang="zh-CN" altLang="en-US"/>
           </a:p>
@@ -631,7 +631,7 @@
           <a:p>
             <a:fld id="{6D2B91B4-868A-4647-89A6-979C8F299A21}" type="datetimeFigureOut">
               <a:rPr lang="zh-CN" altLang="en-US" smtClean="0"/>
-              <a:t>2015/3/20</a:t>
+              <a:t>2015/8/26</a:t>
             </a:fld>
             <a:endParaRPr lang="zh-CN" altLang="en-US"/>
           </a:p>
@@ -801,7 +801,7 @@
           <a:p>
             <a:fld id="{6D2B91B4-868A-4647-89A6-979C8F299A21}" type="datetimeFigureOut">
               <a:rPr lang="zh-CN" altLang="en-US" smtClean="0"/>
-              <a:t>2015/3/20</a:t>
+              <a:t>2015/8/26</a:t>
             </a:fld>
             <a:endParaRPr lang="zh-CN" altLang="en-US"/>
           </a:p>
@@ -1047,7 +1047,7 @@
           <a:p>
             <a:fld id="{6D2B91B4-868A-4647-89A6-979C8F299A21}" type="datetimeFigureOut">
               <a:rPr lang="zh-CN" altLang="en-US" smtClean="0"/>
-              <a:t>2015/3/20</a:t>
+              <a:t>2015/8/26</a:t>
             </a:fld>
             <a:endParaRPr lang="zh-CN" altLang="en-US"/>
           </a:p>
@@ -1279,7 +1279,7 @@
           <a:p>
             <a:fld id="{6D2B91B4-868A-4647-89A6-979C8F299A21}" type="datetimeFigureOut">
               <a:rPr lang="zh-CN" altLang="en-US" smtClean="0"/>
-              <a:t>2015/3/20</a:t>
+              <a:t>2015/8/26</a:t>
             </a:fld>
             <a:endParaRPr lang="zh-CN" altLang="en-US"/>
           </a:p>
@@ -1646,7 +1646,7 @@
           <a:p>
             <a:fld id="{6D2B91B4-868A-4647-89A6-979C8F299A21}" type="datetimeFigureOut">
               <a:rPr lang="zh-CN" altLang="en-US" smtClean="0"/>
-              <a:t>2015/3/20</a:t>
+              <a:t>2015/8/26</a:t>
             </a:fld>
             <a:endParaRPr lang="zh-CN" altLang="en-US"/>
           </a:p>
@@ -1764,7 +1764,7 @@
           <a:p>
             <a:fld id="{6D2B91B4-868A-4647-89A6-979C8F299A21}" type="datetimeFigureOut">
               <a:rPr lang="zh-CN" altLang="en-US" smtClean="0"/>
-              <a:t>2015/3/20</a:t>
+              <a:t>2015/8/26</a:t>
             </a:fld>
             <a:endParaRPr lang="zh-CN" altLang="en-US"/>
           </a:p>
@@ -1859,7 +1859,7 @@
           <a:p>
             <a:fld id="{6D2B91B4-868A-4647-89A6-979C8F299A21}" type="datetimeFigureOut">
               <a:rPr lang="zh-CN" altLang="en-US" smtClean="0"/>
-              <a:t>2015/3/20</a:t>
+              <a:t>2015/8/26</a:t>
             </a:fld>
             <a:endParaRPr lang="zh-CN" altLang="en-US"/>
           </a:p>
@@ -2136,7 +2136,7 @@
           <a:p>
             <a:fld id="{6D2B91B4-868A-4647-89A6-979C8F299A21}" type="datetimeFigureOut">
               <a:rPr lang="zh-CN" altLang="en-US" smtClean="0"/>
-              <a:t>2015/3/20</a:t>
+              <a:t>2015/8/26</a:t>
             </a:fld>
             <a:endParaRPr lang="zh-CN" altLang="en-US"/>
           </a:p>
@@ -2389,7 +2389,7 @@
           <a:p>
             <a:fld id="{6D2B91B4-868A-4647-89A6-979C8F299A21}" type="datetimeFigureOut">
               <a:rPr lang="zh-CN" altLang="en-US" smtClean="0"/>
-              <a:t>2015/3/20</a:t>
+              <a:t>2015/8/26</a:t>
             </a:fld>
             <a:endParaRPr lang="zh-CN" altLang="en-US"/>
           </a:p>
@@ -2611,7 +2611,7 @@
           <a:p>
             <a:fld id="{6D2B91B4-868A-4647-89A6-979C8F299A21}" type="datetimeFigureOut">
               <a:rPr lang="zh-CN" altLang="en-US" smtClean="0"/>
-              <a:t>2015/3/20</a:t>
+              <a:t>2015/8/26</a:t>
             </a:fld>
             <a:endParaRPr lang="zh-CN" altLang="en-US"/>
           </a:p>
@@ -4671,20 +4671,21 @@
                 <a:latin typeface="微软雅黑" panose="020B0503020204020204" pitchFamily="34" charset="-122"/>
                 <a:ea typeface="微软雅黑" panose="020B0503020204020204" pitchFamily="34" charset="-122"/>
               </a:rPr>
-              <a:t>由于设计上的分层独立从而使得架构上本身就性能较高。同时在网络通信上使用了</a:t>
-            </a:r>
-            <a:endParaRPr lang="en-US" altLang="zh-CN" dirty="0" smtClean="0">
-              <a:latin typeface="微软雅黑" panose="020B0503020204020204" pitchFamily="34" charset="-122"/>
-              <a:ea typeface="微软雅黑" panose="020B0503020204020204" pitchFamily="34" charset="-122"/>
-            </a:endParaRPr>
-          </a:p>
-          <a:p>
-            <a:r>
-              <a:rPr lang="zh-CN" altLang="en-US" dirty="0" smtClean="0">
-                <a:latin typeface="微软雅黑" panose="020B0503020204020204" pitchFamily="34" charset="-122"/>
-                <a:ea typeface="微软雅黑" panose="020B0503020204020204" pitchFamily="34" charset="-122"/>
-              </a:rPr>
-              <a:t>久经考验的</a:t>
+              <a:t>由于设计上的分层独立从而使得架构上本身就性能较高。同时在网络通信上使用</a:t>
+            </a:r>
+            <a:r>
+              <a:rPr lang="zh-CN" altLang="en-US" dirty="0" smtClean="0">
+                <a:latin typeface="微软雅黑" panose="020B0503020204020204" pitchFamily="34" charset="-122"/>
+                <a:ea typeface="微软雅黑" panose="020B0503020204020204" pitchFamily="34" charset="-122"/>
+              </a:rPr>
+              <a:t>了久经考验</a:t>
+            </a:r>
+            <a:r>
+              <a:rPr lang="zh-CN" altLang="en-US" dirty="0" smtClean="0">
+                <a:latin typeface="微软雅黑" panose="020B0503020204020204" pitchFamily="34" charset="-122"/>
+                <a:ea typeface="微软雅黑" panose="020B0503020204020204" pitchFamily="34" charset="-122"/>
+              </a:rPr>
+              <a:t>的</a:t>
             </a:r>
             <a:r>
               <a:rPr lang="en-US" altLang="zh-CN" dirty="0" smtClean="0">
@@ -6430,30 +6431,6 @@
           <a:chExt cx="0" cy="0"/>
         </a:xfrm>
       </p:grpSpPr>
-      <p:pic>
-        <p:nvPicPr>
-          <p:cNvPr id="4" name="图片 3"/>
-          <p:cNvPicPr>
-            <a:picLocks noChangeAspect="1"/>
-          </p:cNvPicPr>
-          <p:nvPr/>
-        </p:nvPicPr>
-        <p:blipFill>
-          <a:blip r:embed="rId2"/>
-          <a:stretch>
-            <a:fillRect/>
-          </a:stretch>
-        </p:blipFill>
-        <p:spPr>
-          <a:xfrm>
-            <a:off x="323659" y="992644"/>
-            <a:ext cx="6448425" cy="4210050"/>
-          </a:xfrm>
-          <a:prstGeom prst="rect">
-            <a:avLst/>
-          </a:prstGeom>
-        </p:spPr>
-      </p:pic>
       <p:sp>
         <p:nvSpPr>
           <p:cNvPr id="5" name="文本框 4"/>
@@ -6505,8 +6482,8 @@
         </p:nvSpPr>
         <p:spPr>
           <a:xfrm>
-            <a:off x="6867269" y="1423782"/>
-            <a:ext cx="5228483" cy="2031325"/>
+            <a:off x="5314275" y="1153510"/>
+            <a:ext cx="5514330" cy="3139321"/>
           </a:xfrm>
           <a:prstGeom prst="rect">
             <a:avLst/>
@@ -6527,7 +6504,7 @@
               <a:t>为方便与非编程人员合作，</a:t>
             </a:r>
             <a:r>
-              <a:rPr lang="en-US" altLang="zh-CN" dirty="0" smtClean="0">
+              <a:rPr lang="en-US" altLang="zh-CN" dirty="0" err="1" smtClean="0">
                 <a:latin typeface="微软雅黑" panose="020B0503020204020204" pitchFamily="34" charset="-122"/>
                 <a:ea typeface="微软雅黑" panose="020B0503020204020204" pitchFamily="34" charset="-122"/>
               </a:rPr>
@@ -6538,7 +6515,7 @@
                 <a:latin typeface="微软雅黑" panose="020B0503020204020204" pitchFamily="34" charset="-122"/>
                 <a:ea typeface="微软雅黑" panose="020B0503020204020204" pitchFamily="34" charset="-122"/>
               </a:rPr>
-              <a:t>支持使用</a:t>
+              <a:t>支持被广泛</a:t>
             </a:r>
             <a:endParaRPr lang="en-US" altLang="zh-CN" dirty="0" smtClean="0">
               <a:latin typeface="微软雅黑" panose="020B0503020204020204" pitchFamily="34" charset="-122"/>
@@ -6551,7 +6528,14 @@
                 <a:latin typeface="微软雅黑" panose="020B0503020204020204" pitchFamily="34" charset="-122"/>
                 <a:ea typeface="微软雅黑" panose="020B0503020204020204" pitchFamily="34" charset="-122"/>
               </a:rPr>
-              <a:t>广泛使用的</a:t>
+              <a:t>使用</a:t>
+            </a:r>
+            <a:r>
+              <a:rPr lang="zh-CN" altLang="en-US" dirty="0" smtClean="0">
+                <a:latin typeface="微软雅黑" panose="020B0503020204020204" pitchFamily="34" charset="-122"/>
+                <a:ea typeface="微软雅黑" panose="020B0503020204020204" pitchFamily="34" charset="-122"/>
+              </a:rPr>
+              <a:t>的</a:t>
             </a:r>
             <a:r>
               <a:rPr lang="en-US" altLang="zh-CN" b="1" dirty="0" smtClean="0">
@@ -6602,6 +6586,72 @@
             </a:endParaRPr>
           </a:p>
           <a:p>
+            <a:endParaRPr lang="en-US" altLang="zh-CN" dirty="0" smtClean="0">
+              <a:latin typeface="微软雅黑" panose="020B0503020204020204" pitchFamily="34" charset="-122"/>
+              <a:ea typeface="微软雅黑" panose="020B0503020204020204" pitchFamily="34" charset="-122"/>
+            </a:endParaRPr>
+          </a:p>
+          <a:p>
+            <a:r>
+              <a:rPr lang="zh-CN" altLang="en-US" dirty="0" smtClean="0">
+                <a:latin typeface="微软雅黑" panose="020B0503020204020204" pitchFamily="34" charset="-122"/>
+                <a:ea typeface="微软雅黑" panose="020B0503020204020204" pitchFamily="34" charset="-122"/>
+              </a:rPr>
+              <a:t>为方便数据库存储，我们提供将数据格式转换成</a:t>
+            </a:r>
+            <a:endParaRPr lang="en-US" altLang="zh-CN" dirty="0" smtClean="0">
+              <a:latin typeface="微软雅黑" panose="020B0503020204020204" pitchFamily="34" charset="-122"/>
+              <a:ea typeface="微软雅黑" panose="020B0503020204020204" pitchFamily="34" charset="-122"/>
+            </a:endParaRPr>
+          </a:p>
+          <a:p>
+            <a:r>
+              <a:rPr lang="en-US" altLang="zh-CN" dirty="0" smtClean="0">
+                <a:latin typeface="微软雅黑" panose="020B0503020204020204" pitchFamily="34" charset="-122"/>
+                <a:ea typeface="微软雅黑" panose="020B0503020204020204" pitchFamily="34" charset="-122"/>
+              </a:rPr>
+              <a:t>MySQL</a:t>
+            </a:r>
+            <a:r>
+              <a:rPr lang="zh-CN" altLang="en-US" dirty="0" smtClean="0">
+                <a:latin typeface="微软雅黑" panose="020B0503020204020204" pitchFamily="34" charset="-122"/>
+                <a:ea typeface="微软雅黑" panose="020B0503020204020204" pitchFamily="34" charset="-122"/>
+              </a:rPr>
+              <a:t>的功能，</a:t>
+            </a:r>
+            <a:endParaRPr lang="en-US" altLang="zh-CN" dirty="0" smtClean="0">
+              <a:latin typeface="微软雅黑" panose="020B0503020204020204" pitchFamily="34" charset="-122"/>
+              <a:ea typeface="微软雅黑" panose="020B0503020204020204" pitchFamily="34" charset="-122"/>
+            </a:endParaRPr>
+          </a:p>
+          <a:p>
+            <a:r>
+              <a:rPr lang="zh-CN" altLang="en-US" dirty="0" smtClean="0">
+                <a:latin typeface="微软雅黑" panose="020B0503020204020204" pitchFamily="34" charset="-122"/>
+                <a:ea typeface="微软雅黑" panose="020B0503020204020204" pitchFamily="34" charset="-122"/>
+              </a:rPr>
+              <a:t>方便数据结构转换成</a:t>
+            </a:r>
+            <a:r>
+              <a:rPr lang="en-US" altLang="zh-CN" dirty="0" smtClean="0">
+                <a:latin typeface="微软雅黑" panose="020B0503020204020204" pitchFamily="34" charset="-122"/>
+                <a:ea typeface="微软雅黑" panose="020B0503020204020204" pitchFamily="34" charset="-122"/>
+              </a:rPr>
+              <a:t>SQL</a:t>
+            </a:r>
+            <a:r>
+              <a:rPr lang="zh-CN" altLang="en-US" dirty="0" smtClean="0">
+                <a:latin typeface="微软雅黑" panose="020B0503020204020204" pitchFamily="34" charset="-122"/>
+                <a:ea typeface="微软雅黑" panose="020B0503020204020204" pitchFamily="34" charset="-122"/>
+              </a:rPr>
+              <a:t>语句。</a:t>
+            </a:r>
+            <a:endParaRPr lang="en-US" altLang="zh-CN" dirty="0" smtClean="0">
+              <a:latin typeface="微软雅黑" panose="020B0503020204020204" pitchFamily="34" charset="-122"/>
+              <a:ea typeface="微软雅黑" panose="020B0503020204020204" pitchFamily="34" charset="-122"/>
+            </a:endParaRPr>
+          </a:p>
+          <a:p>
             <a:endParaRPr lang="en-US" altLang="zh-CN" dirty="0">
               <a:latin typeface="微软雅黑" panose="020B0503020204020204" pitchFamily="34" charset="-122"/>
               <a:ea typeface="微软雅黑" panose="020B0503020204020204" pitchFamily="34" charset="-122"/>
@@ -6613,7 +6663,14 @@
                 <a:latin typeface="微软雅黑" panose="020B0503020204020204" pitchFamily="34" charset="-122"/>
                 <a:ea typeface="微软雅黑" panose="020B0503020204020204" pitchFamily="34" charset="-122"/>
               </a:rPr>
-              <a:t>同时我们提供</a:t>
+              <a:t>我们</a:t>
+            </a:r>
+            <a:r>
+              <a:rPr lang="zh-CN" altLang="en-US" dirty="0" smtClean="0">
+                <a:latin typeface="微软雅黑" panose="020B0503020204020204" pitchFamily="34" charset="-122"/>
+                <a:ea typeface="微软雅黑" panose="020B0503020204020204" pitchFamily="34" charset="-122"/>
+              </a:rPr>
+              <a:t>提供</a:t>
             </a:r>
             <a:r>
               <a:rPr lang="en-US" altLang="zh-CN" dirty="0" smtClean="0">
@@ -6660,7 +6717,14 @@
                 <a:latin typeface="微软雅黑" panose="020B0503020204020204" pitchFamily="34" charset="-122"/>
                 <a:ea typeface="微软雅黑" panose="020B0503020204020204" pitchFamily="34" charset="-122"/>
               </a:rPr>
-              <a:t>，方便程序</a:t>
+              <a:t>，方便</a:t>
+            </a:r>
+            <a:r>
+              <a:rPr lang="zh-CN" altLang="en-US" dirty="0" smtClean="0">
+                <a:latin typeface="微软雅黑" panose="020B0503020204020204" pitchFamily="34" charset="-122"/>
+                <a:ea typeface="微软雅黑" panose="020B0503020204020204" pitchFamily="34" charset="-122"/>
+              </a:rPr>
+              <a:t>程序开发人员</a:t>
             </a:r>
             <a:endParaRPr lang="en-US" altLang="zh-CN" dirty="0" smtClean="0">
               <a:latin typeface="微软雅黑" panose="020B0503020204020204" pitchFamily="34" charset="-122"/>
@@ -6673,7 +6737,14 @@
                 <a:latin typeface="微软雅黑" panose="020B0503020204020204" pitchFamily="34" charset="-122"/>
                 <a:ea typeface="微软雅黑" panose="020B0503020204020204" pitchFamily="34" charset="-122"/>
               </a:rPr>
-              <a:t>内部使用，降低程序读取配置的难度。</a:t>
+              <a:t>使用</a:t>
+            </a:r>
+            <a:r>
+              <a:rPr lang="zh-CN" altLang="en-US" dirty="0" smtClean="0">
+                <a:latin typeface="微软雅黑" panose="020B0503020204020204" pitchFamily="34" charset="-122"/>
+                <a:ea typeface="微软雅黑" panose="020B0503020204020204" pitchFamily="34" charset="-122"/>
+              </a:rPr>
+              <a:t>，降低程序读取配置的难度。</a:t>
             </a:r>
             <a:endParaRPr lang="zh-CN" altLang="en-US" dirty="0">
               <a:latin typeface="微软雅黑" panose="020B0503020204020204" pitchFamily="34" charset="-122"/>
@@ -6682,6 +6753,30 @@
           </a:p>
         </p:txBody>
       </p:sp>
+      <p:pic>
+        <p:nvPicPr>
+          <p:cNvPr id="2" name="图片 1"/>
+          <p:cNvPicPr>
+            <a:picLocks noChangeAspect="1"/>
+          </p:cNvPicPr>
+          <p:nvPr/>
+        </p:nvPicPr>
+        <p:blipFill>
+          <a:blip r:embed="rId2"/>
+          <a:stretch>
+            <a:fillRect/>
+          </a:stretch>
+        </p:blipFill>
+        <p:spPr>
+          <a:xfrm>
+            <a:off x="1327588" y="1275370"/>
+            <a:ext cx="3467100" cy="2895600"/>
+          </a:xfrm>
+          <a:prstGeom prst="rect">
+            <a:avLst/>
+          </a:prstGeom>
+        </p:spPr>
+      </p:pic>
     </p:spTree>
     <p:extLst>
       <p:ext uri="{BB962C8B-B14F-4D97-AF65-F5344CB8AC3E}">
@@ -6695,121 +6790,7 @@
   <p:timing>
     <p:tnLst>
       <p:par>
-        <p:cTn id="1" dur="indefinite" restart="never" nodeType="tmRoot">
-          <p:childTnLst>
-            <p:seq concurrent="1" nextAc="seek">
-              <p:cTn id="2" dur="indefinite" nodeType="mainSeq">
-                <p:childTnLst>
-                  <p:par>
-                    <p:cTn id="3" fill="hold">
-                      <p:stCondLst>
-                        <p:cond delay="indefinite"/>
-                      </p:stCondLst>
-                      <p:childTnLst>
-                        <p:par>
-                          <p:cTn id="4" fill="hold">
-                            <p:stCondLst>
-                              <p:cond delay="0"/>
-                            </p:stCondLst>
-                            <p:childTnLst>
-                              <p:par>
-                                <p:cTn id="5" presetID="2" presetClass="entr" presetSubtype="8" fill="hold" nodeType="clickEffect">
-                                  <p:stCondLst>
-                                    <p:cond delay="0"/>
-                                  </p:stCondLst>
-                                  <p:childTnLst>
-                                    <p:set>
-                                      <p:cBhvr>
-                                        <p:cTn id="6" dur="1" fill="hold">
-                                          <p:stCondLst>
-                                            <p:cond delay="0"/>
-                                          </p:stCondLst>
-                                        </p:cTn>
-                                        <p:tgtEl>
-                                          <p:spTgt spid="4"/>
-                                        </p:tgtEl>
-                                        <p:attrNameLst>
-                                          <p:attrName>style.visibility</p:attrName>
-                                        </p:attrNameLst>
-                                      </p:cBhvr>
-                                      <p:to>
-                                        <p:strVal val="visible"/>
-                                      </p:to>
-                                    </p:set>
-                                    <p:anim calcmode="lin" valueType="num">
-                                      <p:cBhvr additive="base">
-                                        <p:cTn id="7" dur="500" fill="hold"/>
-                                        <p:tgtEl>
-                                          <p:spTgt spid="4"/>
-                                        </p:tgtEl>
-                                        <p:attrNameLst>
-                                          <p:attrName>ppt_x</p:attrName>
-                                        </p:attrNameLst>
-                                      </p:cBhvr>
-                                      <p:tavLst>
-                                        <p:tav tm="0">
-                                          <p:val>
-                                            <p:strVal val="0-#ppt_w/2"/>
-                                          </p:val>
-                                        </p:tav>
-                                        <p:tav tm="100000">
-                                          <p:val>
-                                            <p:strVal val="#ppt_x"/>
-                                          </p:val>
-                                        </p:tav>
-                                      </p:tavLst>
-                                    </p:anim>
-                                    <p:anim calcmode="lin" valueType="num">
-                                      <p:cBhvr additive="base">
-                                        <p:cTn id="8" dur="500" fill="hold"/>
-                                        <p:tgtEl>
-                                          <p:spTgt spid="4"/>
-                                        </p:tgtEl>
-                                        <p:attrNameLst>
-                                          <p:attrName>ppt_y</p:attrName>
-                                        </p:attrNameLst>
-                                      </p:cBhvr>
-                                      <p:tavLst>
-                                        <p:tav tm="0">
-                                          <p:val>
-                                            <p:strVal val="#ppt_y"/>
-                                          </p:val>
-                                        </p:tav>
-                                        <p:tav tm="100000">
-                                          <p:val>
-                                            <p:strVal val="#ppt_y"/>
-                                          </p:val>
-                                        </p:tav>
-                                      </p:tavLst>
-                                    </p:anim>
-                                  </p:childTnLst>
-                                </p:cTn>
-                              </p:par>
-                            </p:childTnLst>
-                          </p:cTn>
-                        </p:par>
-                      </p:childTnLst>
-                    </p:cTn>
-                  </p:par>
-                </p:childTnLst>
-              </p:cTn>
-              <p:prevCondLst>
-                <p:cond evt="onPrev" delay="0">
-                  <p:tgtEl>
-                    <p:sldTgt/>
-                  </p:tgtEl>
-                </p:cond>
-              </p:prevCondLst>
-              <p:nextCondLst>
-                <p:cond evt="onNext" delay="0">
-                  <p:tgtEl>
-                    <p:sldTgt/>
-                  </p:tgtEl>
-                </p:cond>
-              </p:nextCondLst>
-            </p:seq>
-          </p:childTnLst>
-        </p:cTn>
+        <p:cTn id="1" dur="indefinite" restart="never" nodeType="tmRoot"/>
       </p:par>
     </p:tnLst>
   </p:timing>
@@ -6872,7 +6853,7 @@
         <p:spPr>
           <a:xfrm>
             <a:off x="0" y="0"/>
-            <a:ext cx="2749471" cy="707886"/>
+            <a:ext cx="3775393" cy="707886"/>
           </a:xfrm>
           <a:prstGeom prst="rect">
             <a:avLst/>
@@ -6890,8 +6871,19 @@
                 <a:latin typeface="方正兰亭粗黑简体" panose="02000000000000000000" pitchFamily="2" charset="-122"/>
                 <a:ea typeface="方正兰亭粗黑简体" panose="02000000000000000000" pitchFamily="2" charset="-122"/>
               </a:rPr>
-              <a:t>配套客户端</a:t>
-            </a:r>
+              <a:t>配套</a:t>
+            </a:r>
+            <a:r>
+              <a:rPr lang="zh-CN" altLang="en-US" sz="4000" dirty="0" smtClean="0">
+                <a:latin typeface="方正兰亭粗黑简体" panose="02000000000000000000" pitchFamily="2" charset="-122"/>
+                <a:ea typeface="方正兰亭粗黑简体" panose="02000000000000000000" pitchFamily="2" charset="-122"/>
+              </a:rPr>
+              <a:t>客户端展示</a:t>
+            </a:r>
+            <a:endParaRPr lang="zh-CN" altLang="en-US" sz="4000" dirty="0">
+              <a:latin typeface="方正兰亭粗黑简体" panose="02000000000000000000" pitchFamily="2" charset="-122"/>
+              <a:ea typeface="方正兰亭粗黑简体" panose="02000000000000000000" pitchFamily="2" charset="-122"/>
+            </a:endParaRPr>
           </a:p>
         </p:txBody>
       </p:sp>

--- a/Introduce/NFrame_Introduction_CHS.pptx
+++ b/Introduce/NFrame_Introduction_CHS.pptx
@@ -13,26 +13,27 @@
     <p:sldId id="263" r:id="rId7"/>
     <p:sldId id="265" r:id="rId8"/>
     <p:sldId id="266" r:id="rId9"/>
-    <p:sldId id="272" r:id="rId10"/>
-    <p:sldId id="280" r:id="rId11"/>
-    <p:sldId id="278" r:id="rId12"/>
-    <p:sldId id="284" r:id="rId13"/>
-    <p:sldId id="267" r:id="rId14"/>
-    <p:sldId id="269" r:id="rId15"/>
-    <p:sldId id="270" r:id="rId16"/>
-    <p:sldId id="271" r:id="rId17"/>
-    <p:sldId id="273" r:id="rId18"/>
-    <p:sldId id="283" r:id="rId19"/>
-    <p:sldId id="274" r:id="rId20"/>
-    <p:sldId id="268" r:id="rId21"/>
-    <p:sldId id="275" r:id="rId22"/>
-    <p:sldId id="285" r:id="rId23"/>
-    <p:sldId id="276" r:id="rId24"/>
-    <p:sldId id="279" r:id="rId25"/>
-    <p:sldId id="277" r:id="rId26"/>
-    <p:sldId id="281" r:id="rId27"/>
-    <p:sldId id="282" r:id="rId28"/>
-    <p:sldId id="260" r:id="rId29"/>
+    <p:sldId id="286" r:id="rId10"/>
+    <p:sldId id="272" r:id="rId11"/>
+    <p:sldId id="280" r:id="rId12"/>
+    <p:sldId id="278" r:id="rId13"/>
+    <p:sldId id="284" r:id="rId14"/>
+    <p:sldId id="267" r:id="rId15"/>
+    <p:sldId id="269" r:id="rId16"/>
+    <p:sldId id="270" r:id="rId17"/>
+    <p:sldId id="271" r:id="rId18"/>
+    <p:sldId id="273" r:id="rId19"/>
+    <p:sldId id="283" r:id="rId20"/>
+    <p:sldId id="274" r:id="rId21"/>
+    <p:sldId id="268" r:id="rId22"/>
+    <p:sldId id="275" r:id="rId23"/>
+    <p:sldId id="285" r:id="rId24"/>
+    <p:sldId id="276" r:id="rId25"/>
+    <p:sldId id="279" r:id="rId26"/>
+    <p:sldId id="277" r:id="rId27"/>
+    <p:sldId id="281" r:id="rId28"/>
+    <p:sldId id="282" r:id="rId29"/>
+    <p:sldId id="260" r:id="rId30"/>
   </p:sldIdLst>
   <p:sldSz cx="12192000" cy="6858000"/>
   <p:notesSz cx="6858000" cy="9144000"/>
@@ -281,7 +282,7 @@
           <a:p>
             <a:fld id="{6D2B91B4-868A-4647-89A6-979C8F299A21}" type="datetimeFigureOut">
               <a:rPr lang="zh-CN" altLang="en-US" smtClean="0"/>
-              <a:t>2015/8/26</a:t>
+              <a:t>2015/9/11</a:t>
             </a:fld>
             <a:endParaRPr lang="zh-CN" altLang="en-US"/>
           </a:p>
@@ -451,7 +452,7 @@
           <a:p>
             <a:fld id="{6D2B91B4-868A-4647-89A6-979C8F299A21}" type="datetimeFigureOut">
               <a:rPr lang="zh-CN" altLang="en-US" smtClean="0"/>
-              <a:t>2015/8/26</a:t>
+              <a:t>2015/9/11</a:t>
             </a:fld>
             <a:endParaRPr lang="zh-CN" altLang="en-US"/>
           </a:p>
@@ -631,7 +632,7 @@
           <a:p>
             <a:fld id="{6D2B91B4-868A-4647-89A6-979C8F299A21}" type="datetimeFigureOut">
               <a:rPr lang="zh-CN" altLang="en-US" smtClean="0"/>
-              <a:t>2015/8/26</a:t>
+              <a:t>2015/9/11</a:t>
             </a:fld>
             <a:endParaRPr lang="zh-CN" altLang="en-US"/>
           </a:p>
@@ -801,7 +802,7 @@
           <a:p>
             <a:fld id="{6D2B91B4-868A-4647-89A6-979C8F299A21}" type="datetimeFigureOut">
               <a:rPr lang="zh-CN" altLang="en-US" smtClean="0"/>
-              <a:t>2015/8/26</a:t>
+              <a:t>2015/9/11</a:t>
             </a:fld>
             <a:endParaRPr lang="zh-CN" altLang="en-US"/>
           </a:p>
@@ -1047,7 +1048,7 @@
           <a:p>
             <a:fld id="{6D2B91B4-868A-4647-89A6-979C8F299A21}" type="datetimeFigureOut">
               <a:rPr lang="zh-CN" altLang="en-US" smtClean="0"/>
-              <a:t>2015/8/26</a:t>
+              <a:t>2015/9/11</a:t>
             </a:fld>
             <a:endParaRPr lang="zh-CN" altLang="en-US"/>
           </a:p>
@@ -1279,7 +1280,7 @@
           <a:p>
             <a:fld id="{6D2B91B4-868A-4647-89A6-979C8F299A21}" type="datetimeFigureOut">
               <a:rPr lang="zh-CN" altLang="en-US" smtClean="0"/>
-              <a:t>2015/8/26</a:t>
+              <a:t>2015/9/11</a:t>
             </a:fld>
             <a:endParaRPr lang="zh-CN" altLang="en-US"/>
           </a:p>
@@ -1646,7 +1647,7 @@
           <a:p>
             <a:fld id="{6D2B91B4-868A-4647-89A6-979C8F299A21}" type="datetimeFigureOut">
               <a:rPr lang="zh-CN" altLang="en-US" smtClean="0"/>
-              <a:t>2015/8/26</a:t>
+              <a:t>2015/9/11</a:t>
             </a:fld>
             <a:endParaRPr lang="zh-CN" altLang="en-US"/>
           </a:p>
@@ -1764,7 +1765,7 @@
           <a:p>
             <a:fld id="{6D2B91B4-868A-4647-89A6-979C8F299A21}" type="datetimeFigureOut">
               <a:rPr lang="zh-CN" altLang="en-US" smtClean="0"/>
-              <a:t>2015/8/26</a:t>
+              <a:t>2015/9/11</a:t>
             </a:fld>
             <a:endParaRPr lang="zh-CN" altLang="en-US"/>
           </a:p>
@@ -1859,7 +1860,7 @@
           <a:p>
             <a:fld id="{6D2B91B4-868A-4647-89A6-979C8F299A21}" type="datetimeFigureOut">
               <a:rPr lang="zh-CN" altLang="en-US" smtClean="0"/>
-              <a:t>2015/8/26</a:t>
+              <a:t>2015/9/11</a:t>
             </a:fld>
             <a:endParaRPr lang="zh-CN" altLang="en-US"/>
           </a:p>
@@ -2136,7 +2137,7 @@
           <a:p>
             <a:fld id="{6D2B91B4-868A-4647-89A6-979C8F299A21}" type="datetimeFigureOut">
               <a:rPr lang="zh-CN" altLang="en-US" smtClean="0"/>
-              <a:t>2015/8/26</a:t>
+              <a:t>2015/9/11</a:t>
             </a:fld>
             <a:endParaRPr lang="zh-CN" altLang="en-US"/>
           </a:p>
@@ -2389,7 +2390,7 @@
           <a:p>
             <a:fld id="{6D2B91B4-868A-4647-89A6-979C8F299A21}" type="datetimeFigureOut">
               <a:rPr lang="zh-CN" altLang="en-US" smtClean="0"/>
-              <a:t>2015/8/26</a:t>
+              <a:t>2015/9/11</a:t>
             </a:fld>
             <a:endParaRPr lang="zh-CN" altLang="en-US"/>
           </a:p>
@@ -2611,7 +2612,7 @@
           <a:p>
             <a:fld id="{6D2B91B4-868A-4647-89A6-979C8F299A21}" type="datetimeFigureOut">
               <a:rPr lang="zh-CN" altLang="en-US" smtClean="0"/>
-              <a:t>2015/8/26</a:t>
+              <a:t>2015/9/11</a:t>
             </a:fld>
             <a:endParaRPr lang="zh-CN" altLang="en-US"/>
           </a:p>
@@ -3216,6 +3217,758 @@
       </p:grpSpPr>
       <p:sp>
         <p:nvSpPr>
+          <p:cNvPr id="4" name="文本框 3"/>
+          <p:cNvSpPr txBox="1"/>
+          <p:nvPr/>
+        </p:nvSpPr>
+        <p:spPr>
+          <a:xfrm>
+            <a:off x="0" y="170688"/>
+            <a:ext cx="5920210" cy="707886"/>
+          </a:xfrm>
+          <a:prstGeom prst="rect">
+            <a:avLst/>
+          </a:prstGeom>
+          <a:noFill/>
+        </p:spPr>
+        <p:txBody>
+          <a:bodyPr wrap="none" rtlCol="0">
+            <a:spAutoFit/>
+          </a:bodyPr>
+          <a:lstStyle/>
+          <a:p>
+            <a:r>
+              <a:rPr lang="zh-CN" altLang="en-US" sz="4000" dirty="0" smtClean="0">
+                <a:latin typeface="方正兰亭粗黑简体" panose="02000000000000000000" pitchFamily="2" charset="-122"/>
+                <a:ea typeface="方正兰亭粗黑简体" panose="02000000000000000000" pitchFamily="2" charset="-122"/>
+              </a:rPr>
+              <a:t>事件驱动</a:t>
+            </a:r>
+            <a:r>
+              <a:rPr lang="en-US" altLang="zh-CN" sz="4000" dirty="0" smtClean="0">
+                <a:latin typeface="方正兰亭粗黑简体" panose="02000000000000000000" pitchFamily="2" charset="-122"/>
+                <a:ea typeface="方正兰亭粗黑简体" panose="02000000000000000000" pitchFamily="2" charset="-122"/>
+              </a:rPr>
+              <a:t>(EventDriver)</a:t>
+            </a:r>
+            <a:endParaRPr lang="zh-CN" altLang="en-US" sz="4000" dirty="0">
+              <a:latin typeface="方正兰亭粗黑简体" panose="02000000000000000000" pitchFamily="2" charset="-122"/>
+              <a:ea typeface="方正兰亭粗黑简体" panose="02000000000000000000" pitchFamily="2" charset="-122"/>
+            </a:endParaRPr>
+          </a:p>
+        </p:txBody>
+      </p:sp>
+      <p:sp>
+        <p:nvSpPr>
+          <p:cNvPr id="2" name="文本框 1"/>
+          <p:cNvSpPr txBox="1"/>
+          <p:nvPr/>
+        </p:nvSpPr>
+        <p:spPr>
+          <a:xfrm>
+            <a:off x="1104900" y="952500"/>
+            <a:ext cx="9801225" cy="4081117"/>
+          </a:xfrm>
+          <a:prstGeom prst="rect">
+            <a:avLst/>
+          </a:prstGeom>
+          <a:noFill/>
+        </p:spPr>
+        <p:txBody>
+          <a:bodyPr wrap="square" rtlCol="0">
+            <a:spAutoFit/>
+          </a:bodyPr>
+          <a:lstStyle/>
+          <a:p>
+            <a:pPr>
+              <a:lnSpc>
+                <a:spcPct val="90000"/>
+              </a:lnSpc>
+            </a:pPr>
+            <a:r>
+              <a:rPr lang="zh-CN" altLang="en-US" dirty="0" smtClean="0">
+                <a:latin typeface="微软雅黑" panose="020B0503020204020204" pitchFamily="34" charset="-122"/>
+                <a:ea typeface="微软雅黑" panose="020B0503020204020204" pitchFamily="34" charset="-122"/>
+              </a:rPr>
+              <a:t>事件驱动灵感</a:t>
+            </a:r>
+            <a:r>
+              <a:rPr lang="zh-CN" altLang="en-US" dirty="0">
+                <a:latin typeface="微软雅黑" panose="020B0503020204020204" pitchFamily="34" charset="-122"/>
+                <a:ea typeface="微软雅黑" panose="020B0503020204020204" pitchFamily="34" charset="-122"/>
+              </a:rPr>
+              <a:t>来源与处理器的处理流程，旨为只提供流水线式的处理逻辑模块，而本身不保存和涉留对象的</a:t>
+            </a:r>
+            <a:r>
+              <a:rPr lang="zh-CN" altLang="en-US" dirty="0" smtClean="0">
+                <a:latin typeface="微软雅黑" panose="020B0503020204020204" pitchFamily="34" charset="-122"/>
+                <a:ea typeface="微软雅黑" panose="020B0503020204020204" pitchFamily="34" charset="-122"/>
+              </a:rPr>
+              <a:t>数据</a:t>
+            </a:r>
+            <a:endParaRPr lang="en-US" altLang="zh-CN" dirty="0" smtClean="0">
+              <a:latin typeface="微软雅黑" panose="020B0503020204020204" pitchFamily="34" charset="-122"/>
+              <a:ea typeface="微软雅黑" panose="020B0503020204020204" pitchFamily="34" charset="-122"/>
+            </a:endParaRPr>
+          </a:p>
+          <a:p>
+            <a:pPr>
+              <a:lnSpc>
+                <a:spcPct val="90000"/>
+              </a:lnSpc>
+            </a:pPr>
+            <a:endParaRPr lang="en-AU" altLang="en-US" dirty="0" smtClean="0">
+              <a:latin typeface="微软雅黑" panose="020B0503020204020204" pitchFamily="34" charset="-122"/>
+              <a:ea typeface="微软雅黑" panose="020B0503020204020204" pitchFamily="34" charset="-122"/>
+            </a:endParaRPr>
+          </a:p>
+          <a:p>
+            <a:pPr>
+              <a:lnSpc>
+                <a:spcPct val="90000"/>
+              </a:lnSpc>
+            </a:pPr>
+            <a:r>
+              <a:rPr lang="zh-CN" altLang="en-US" dirty="0" smtClean="0">
+                <a:latin typeface="微软雅黑" panose="020B0503020204020204" pitchFamily="34" charset="-122"/>
+                <a:ea typeface="微软雅黑" panose="020B0503020204020204" pitchFamily="34" charset="-122"/>
+              </a:rPr>
+              <a:t>事件驱动包含：</a:t>
+            </a:r>
+            <a:r>
+              <a:rPr lang="en-US" altLang="zh-CN" dirty="0" smtClean="0">
+                <a:latin typeface="微软雅黑" panose="020B0503020204020204" pitchFamily="34" charset="-122"/>
+                <a:ea typeface="微软雅黑" panose="020B0503020204020204" pitchFamily="34" charset="-122"/>
+              </a:rPr>
+              <a:t>Property</a:t>
+            </a:r>
+            <a:r>
+              <a:rPr lang="zh-CN" altLang="en-US" dirty="0" smtClean="0">
+                <a:latin typeface="微软雅黑" panose="020B0503020204020204" pitchFamily="34" charset="-122"/>
+                <a:ea typeface="微软雅黑" panose="020B0503020204020204" pitchFamily="34" charset="-122"/>
+              </a:rPr>
+              <a:t>驱动，</a:t>
+            </a:r>
+            <a:r>
+              <a:rPr lang="en-US" altLang="zh-CN" dirty="0" smtClean="0">
+                <a:latin typeface="微软雅黑" panose="020B0503020204020204" pitchFamily="34" charset="-122"/>
+                <a:ea typeface="微软雅黑" panose="020B0503020204020204" pitchFamily="34" charset="-122"/>
+              </a:rPr>
+              <a:t>Record</a:t>
+            </a:r>
+            <a:r>
+              <a:rPr lang="zh-CN" altLang="en-US" dirty="0" smtClean="0">
+                <a:latin typeface="微软雅黑" panose="020B0503020204020204" pitchFamily="34" charset="-122"/>
+                <a:ea typeface="微软雅黑" panose="020B0503020204020204" pitchFamily="34" charset="-122"/>
+              </a:rPr>
+              <a:t>驱动，</a:t>
+            </a:r>
+            <a:r>
+              <a:rPr lang="en-US" altLang="zh-CN" dirty="0" smtClean="0">
+                <a:latin typeface="微软雅黑" panose="020B0503020204020204" pitchFamily="34" charset="-122"/>
+                <a:ea typeface="微软雅黑" panose="020B0503020204020204" pitchFamily="34" charset="-122"/>
+              </a:rPr>
+              <a:t>Event</a:t>
+            </a:r>
+            <a:r>
+              <a:rPr lang="zh-CN" altLang="en-US" dirty="0" smtClean="0">
+                <a:latin typeface="微软雅黑" panose="020B0503020204020204" pitchFamily="34" charset="-122"/>
+                <a:ea typeface="微软雅黑" panose="020B0503020204020204" pitchFamily="34" charset="-122"/>
+              </a:rPr>
+              <a:t>驱动，</a:t>
+            </a:r>
+            <a:r>
+              <a:rPr lang="en-US" altLang="zh-CN" dirty="0" smtClean="0">
+                <a:latin typeface="微软雅黑" panose="020B0503020204020204" pitchFamily="34" charset="-122"/>
+                <a:ea typeface="微软雅黑" panose="020B0503020204020204" pitchFamily="34" charset="-122"/>
+              </a:rPr>
+              <a:t>Heartbeat</a:t>
+            </a:r>
+            <a:r>
+              <a:rPr lang="zh-CN" altLang="en-US" dirty="0" smtClean="0">
+                <a:latin typeface="微软雅黑" panose="020B0503020204020204" pitchFamily="34" charset="-122"/>
+                <a:ea typeface="微软雅黑" panose="020B0503020204020204" pitchFamily="34" charset="-122"/>
+              </a:rPr>
+              <a:t>驱动</a:t>
+            </a:r>
+            <a:endParaRPr lang="en-AU" altLang="en-US" dirty="0" smtClean="0">
+              <a:latin typeface="微软雅黑" panose="020B0503020204020204" pitchFamily="34" charset="-122"/>
+              <a:ea typeface="微软雅黑" panose="020B0503020204020204" pitchFamily="34" charset="-122"/>
+            </a:endParaRPr>
+          </a:p>
+          <a:p>
+            <a:pPr>
+              <a:lnSpc>
+                <a:spcPct val="90000"/>
+              </a:lnSpc>
+            </a:pPr>
+            <a:endParaRPr lang="en-AU" altLang="en-US" dirty="0">
+              <a:latin typeface="微软雅黑" panose="020B0503020204020204" pitchFamily="34" charset="-122"/>
+              <a:ea typeface="微软雅黑" panose="020B0503020204020204" pitchFamily="34" charset="-122"/>
+            </a:endParaRPr>
+          </a:p>
+          <a:p>
+            <a:pPr>
+              <a:lnSpc>
+                <a:spcPct val="90000"/>
+              </a:lnSpc>
+            </a:pPr>
+            <a:r>
+              <a:rPr lang="zh-CN" altLang="en-US" dirty="0">
+                <a:latin typeface="微软雅黑" panose="020B0503020204020204" pitchFamily="34" charset="-122"/>
+                <a:ea typeface="微软雅黑" panose="020B0503020204020204" pitchFamily="34" charset="-122"/>
+              </a:rPr>
+              <a:t>通过Property Driver，所有只要注册过属性观测者</a:t>
+            </a:r>
+            <a:r>
+              <a:rPr lang="zh-CN" altLang="en-US" dirty="0" smtClean="0">
+                <a:latin typeface="微软雅黑" panose="020B0503020204020204" pitchFamily="34" charset="-122"/>
+                <a:ea typeface="微软雅黑" panose="020B0503020204020204" pitchFamily="34" charset="-122"/>
+              </a:rPr>
+              <a:t>的</a:t>
+            </a:r>
+            <a:r>
+              <a:rPr lang="en-US" altLang="zh-CN" dirty="0">
+                <a:latin typeface="微软雅黑" panose="020B0503020204020204" pitchFamily="34" charset="-122"/>
+                <a:ea typeface="微软雅黑" panose="020B0503020204020204" pitchFamily="34" charset="-122"/>
+              </a:rPr>
+              <a:t>P</a:t>
+            </a:r>
+            <a:r>
+              <a:rPr lang="zh-CN" altLang="en-US" dirty="0">
+                <a:latin typeface="微软雅黑" panose="020B0503020204020204" pitchFamily="34" charset="-122"/>
+                <a:ea typeface="微软雅黑" panose="020B0503020204020204" pitchFamily="34" charset="-122"/>
+              </a:rPr>
+              <a:t>rocesser </a:t>
+            </a:r>
+            <a:r>
+              <a:rPr lang="en-US" altLang="zh-CN" dirty="0">
+                <a:latin typeface="微软雅黑" panose="020B0503020204020204" pitchFamily="34" charset="-122"/>
+                <a:ea typeface="微软雅黑" panose="020B0503020204020204" pitchFamily="34" charset="-122"/>
+              </a:rPr>
+              <a:t>F</a:t>
+            </a:r>
+            <a:r>
+              <a:rPr lang="zh-CN" altLang="en-US" dirty="0">
+                <a:latin typeface="微软雅黑" panose="020B0503020204020204" pitchFamily="34" charset="-122"/>
+                <a:ea typeface="微软雅黑" panose="020B0503020204020204" pitchFamily="34" charset="-122"/>
+              </a:rPr>
+              <a:t>unction</a:t>
+            </a:r>
+            <a:r>
+              <a:rPr lang="zh-CN" altLang="en-US" dirty="0" smtClean="0">
+                <a:latin typeface="微软雅黑" panose="020B0503020204020204" pitchFamily="34" charset="-122"/>
+                <a:ea typeface="微软雅黑" panose="020B0503020204020204" pitchFamily="34" charset="-122"/>
+              </a:rPr>
+              <a:t>均</a:t>
+            </a:r>
+            <a:r>
+              <a:rPr lang="zh-CN" altLang="en-US" dirty="0">
+                <a:latin typeface="微软雅黑" panose="020B0503020204020204" pitchFamily="34" charset="-122"/>
+                <a:ea typeface="微软雅黑" panose="020B0503020204020204" pitchFamily="34" charset="-122"/>
+              </a:rPr>
+              <a:t>会得到所</a:t>
+            </a:r>
+            <a:r>
+              <a:rPr lang="zh-CN" altLang="en-US" dirty="0" smtClean="0">
+                <a:latin typeface="微软雅黑" panose="020B0503020204020204" pitchFamily="34" charset="-122"/>
+                <a:ea typeface="微软雅黑" panose="020B0503020204020204" pitchFamily="34" charset="-122"/>
+              </a:rPr>
+              <a:t>关注Property</a:t>
+            </a:r>
+            <a:r>
+              <a:rPr lang="zh-CN" altLang="en-US" dirty="0">
+                <a:latin typeface="微软雅黑" panose="020B0503020204020204" pitchFamily="34" charset="-122"/>
+                <a:ea typeface="微软雅黑" panose="020B0503020204020204" pitchFamily="34" charset="-122"/>
+              </a:rPr>
+              <a:t>的</a:t>
+            </a:r>
+            <a:r>
+              <a:rPr lang="zh-CN" altLang="en-US" dirty="0" smtClean="0">
+                <a:latin typeface="微软雅黑" panose="020B0503020204020204" pitchFamily="34" charset="-122"/>
+                <a:ea typeface="微软雅黑" panose="020B0503020204020204" pitchFamily="34" charset="-122"/>
+              </a:rPr>
+              <a:t>变化通知，以便做出对应的逻辑处理。</a:t>
+            </a:r>
+            <a:endParaRPr lang="en-US" altLang="zh-CN" dirty="0" smtClean="0">
+              <a:latin typeface="微软雅黑" panose="020B0503020204020204" pitchFamily="34" charset="-122"/>
+              <a:ea typeface="微软雅黑" panose="020B0503020204020204" pitchFamily="34" charset="-122"/>
+            </a:endParaRPr>
+          </a:p>
+          <a:p>
+            <a:pPr>
+              <a:lnSpc>
+                <a:spcPct val="90000"/>
+              </a:lnSpc>
+            </a:pPr>
+            <a:endParaRPr lang="en-US" altLang="zh-CN" dirty="0" smtClean="0">
+              <a:latin typeface="微软雅黑" panose="020B0503020204020204" pitchFamily="34" charset="-122"/>
+              <a:ea typeface="微软雅黑" panose="020B0503020204020204" pitchFamily="34" charset="-122"/>
+            </a:endParaRPr>
+          </a:p>
+          <a:p>
+            <a:pPr>
+              <a:lnSpc>
+                <a:spcPct val="90000"/>
+              </a:lnSpc>
+            </a:pPr>
+            <a:r>
+              <a:rPr lang="zh-CN" altLang="en-US" dirty="0" smtClean="0">
+                <a:latin typeface="微软雅黑" panose="020B0503020204020204" pitchFamily="34" charset="-122"/>
+                <a:ea typeface="微软雅黑" panose="020B0503020204020204" pitchFamily="34" charset="-122"/>
+              </a:rPr>
+              <a:t>通过</a:t>
+            </a:r>
+            <a:r>
+              <a:rPr lang="en-US" altLang="zh-CN" dirty="0" smtClean="0">
+                <a:latin typeface="微软雅黑" panose="020B0503020204020204" pitchFamily="34" charset="-122"/>
+                <a:ea typeface="微软雅黑" panose="020B0503020204020204" pitchFamily="34" charset="-122"/>
+              </a:rPr>
+              <a:t>Record</a:t>
+            </a:r>
+            <a:r>
+              <a:rPr lang="zh-CN" altLang="en-US" dirty="0" smtClean="0">
+                <a:latin typeface="微软雅黑" panose="020B0503020204020204" pitchFamily="34" charset="-122"/>
+                <a:ea typeface="微软雅黑" panose="020B0503020204020204" pitchFamily="34" charset="-122"/>
+              </a:rPr>
+              <a:t> </a:t>
+            </a:r>
+            <a:r>
+              <a:rPr lang="zh-CN" altLang="en-US" dirty="0">
+                <a:latin typeface="微软雅黑" panose="020B0503020204020204" pitchFamily="34" charset="-122"/>
+                <a:ea typeface="微软雅黑" panose="020B0503020204020204" pitchFamily="34" charset="-122"/>
+              </a:rPr>
+              <a:t>Driver，所有只要注册</a:t>
+            </a:r>
+            <a:r>
+              <a:rPr lang="zh-CN" altLang="en-US" dirty="0" smtClean="0">
+                <a:latin typeface="微软雅黑" panose="020B0503020204020204" pitchFamily="34" charset="-122"/>
+                <a:ea typeface="微软雅黑" panose="020B0503020204020204" pitchFamily="34" charset="-122"/>
+              </a:rPr>
+              <a:t>过</a:t>
+            </a:r>
+            <a:r>
+              <a:rPr lang="en-US" altLang="zh-CN" dirty="0" smtClean="0">
+                <a:latin typeface="微软雅黑" panose="020B0503020204020204" pitchFamily="34" charset="-122"/>
+                <a:ea typeface="微软雅黑" panose="020B0503020204020204" pitchFamily="34" charset="-122"/>
+              </a:rPr>
+              <a:t>Record</a:t>
+            </a:r>
+            <a:r>
+              <a:rPr lang="zh-CN" altLang="en-US" dirty="0" smtClean="0">
+                <a:latin typeface="微软雅黑" panose="020B0503020204020204" pitchFamily="34" charset="-122"/>
+                <a:ea typeface="微软雅黑" panose="020B0503020204020204" pitchFamily="34" charset="-122"/>
+              </a:rPr>
+              <a:t>的观测</a:t>
+            </a:r>
+            <a:r>
+              <a:rPr lang="zh-CN" altLang="en-US" dirty="0">
+                <a:latin typeface="微软雅黑" panose="020B0503020204020204" pitchFamily="34" charset="-122"/>
+                <a:ea typeface="微软雅黑" panose="020B0503020204020204" pitchFamily="34" charset="-122"/>
+              </a:rPr>
+              <a:t>者</a:t>
+            </a:r>
+            <a:r>
+              <a:rPr lang="zh-CN" altLang="en-US" dirty="0" smtClean="0">
+                <a:latin typeface="微软雅黑" panose="020B0503020204020204" pitchFamily="34" charset="-122"/>
+                <a:ea typeface="微软雅黑" panose="020B0503020204020204" pitchFamily="34" charset="-122"/>
+              </a:rPr>
+              <a:t>的</a:t>
+            </a:r>
+            <a:r>
+              <a:rPr lang="en-US" altLang="zh-CN" dirty="0" smtClean="0">
+                <a:latin typeface="微软雅黑" panose="020B0503020204020204" pitchFamily="34" charset="-122"/>
+                <a:ea typeface="微软雅黑" panose="020B0503020204020204" pitchFamily="34" charset="-122"/>
+              </a:rPr>
+              <a:t>P</a:t>
+            </a:r>
+            <a:r>
+              <a:rPr lang="zh-CN" altLang="en-US" dirty="0" smtClean="0">
+                <a:latin typeface="微软雅黑" panose="020B0503020204020204" pitchFamily="34" charset="-122"/>
+                <a:ea typeface="微软雅黑" panose="020B0503020204020204" pitchFamily="34" charset="-122"/>
+              </a:rPr>
+              <a:t>rocesser </a:t>
+            </a:r>
+            <a:r>
+              <a:rPr lang="en-US" altLang="zh-CN" dirty="0" smtClean="0">
+                <a:latin typeface="微软雅黑" panose="020B0503020204020204" pitchFamily="34" charset="-122"/>
+                <a:ea typeface="微软雅黑" panose="020B0503020204020204" pitchFamily="34" charset="-122"/>
+              </a:rPr>
+              <a:t>F</a:t>
+            </a:r>
+            <a:r>
+              <a:rPr lang="zh-CN" altLang="en-US" dirty="0" smtClean="0">
+                <a:latin typeface="微软雅黑" panose="020B0503020204020204" pitchFamily="34" charset="-122"/>
+                <a:ea typeface="微软雅黑" panose="020B0503020204020204" pitchFamily="34" charset="-122"/>
+              </a:rPr>
+              <a:t>unction</a:t>
+            </a:r>
+            <a:r>
+              <a:rPr lang="zh-CN" altLang="en-US" dirty="0">
+                <a:latin typeface="微软雅黑" panose="020B0503020204020204" pitchFamily="34" charset="-122"/>
+                <a:ea typeface="微软雅黑" panose="020B0503020204020204" pitchFamily="34" charset="-122"/>
+              </a:rPr>
+              <a:t>均会得到所</a:t>
+            </a:r>
+            <a:r>
+              <a:rPr lang="zh-CN" altLang="en-US" dirty="0" smtClean="0">
+                <a:latin typeface="微软雅黑" panose="020B0503020204020204" pitchFamily="34" charset="-122"/>
+                <a:ea typeface="微软雅黑" panose="020B0503020204020204" pitchFamily="34" charset="-122"/>
+              </a:rPr>
+              <a:t>关注</a:t>
+            </a:r>
+            <a:r>
+              <a:rPr lang="en-US" altLang="zh-CN" dirty="0" smtClean="0">
+                <a:latin typeface="微软雅黑" panose="020B0503020204020204" pitchFamily="34" charset="-122"/>
+                <a:ea typeface="微软雅黑" panose="020B0503020204020204" pitchFamily="34" charset="-122"/>
+              </a:rPr>
+              <a:t>Record</a:t>
+            </a:r>
+            <a:r>
+              <a:rPr lang="zh-CN" altLang="en-US" dirty="0" smtClean="0">
+                <a:latin typeface="微软雅黑" panose="020B0503020204020204" pitchFamily="34" charset="-122"/>
+                <a:ea typeface="微软雅黑" panose="020B0503020204020204" pitchFamily="34" charset="-122"/>
+              </a:rPr>
+              <a:t>的</a:t>
+            </a:r>
+            <a:r>
+              <a:rPr lang="zh-CN" altLang="en-US" dirty="0">
+                <a:latin typeface="微软雅黑" panose="020B0503020204020204" pitchFamily="34" charset="-122"/>
+                <a:ea typeface="微软雅黑" panose="020B0503020204020204" pitchFamily="34" charset="-122"/>
+              </a:rPr>
+              <a:t>变化通知，以便做出对应的逻辑</a:t>
+            </a:r>
+            <a:r>
+              <a:rPr lang="zh-CN" altLang="en-US" dirty="0" smtClean="0">
+                <a:latin typeface="微软雅黑" panose="020B0503020204020204" pitchFamily="34" charset="-122"/>
+                <a:ea typeface="微软雅黑" panose="020B0503020204020204" pitchFamily="34" charset="-122"/>
+              </a:rPr>
+              <a:t>处理。</a:t>
+            </a:r>
+            <a:endParaRPr lang="en-US" altLang="zh-CN" dirty="0" smtClean="0">
+              <a:latin typeface="微软雅黑" panose="020B0503020204020204" pitchFamily="34" charset="-122"/>
+              <a:ea typeface="微软雅黑" panose="020B0503020204020204" pitchFamily="34" charset="-122"/>
+            </a:endParaRPr>
+          </a:p>
+          <a:p>
+            <a:pPr>
+              <a:lnSpc>
+                <a:spcPct val="90000"/>
+              </a:lnSpc>
+            </a:pPr>
+            <a:endParaRPr lang="zh-CN" altLang="en-US" dirty="0">
+              <a:latin typeface="微软雅黑" panose="020B0503020204020204" pitchFamily="34" charset="-122"/>
+              <a:ea typeface="微软雅黑" panose="020B0503020204020204" pitchFamily="34" charset="-122"/>
+            </a:endParaRPr>
+          </a:p>
+          <a:p>
+            <a:pPr>
+              <a:lnSpc>
+                <a:spcPct val="90000"/>
+              </a:lnSpc>
+            </a:pPr>
+            <a:r>
+              <a:rPr lang="zh-CN" altLang="en-US" dirty="0" smtClean="0">
+                <a:latin typeface="微软雅黑" panose="020B0503020204020204" pitchFamily="34" charset="-122"/>
+                <a:ea typeface="微软雅黑" panose="020B0503020204020204" pitchFamily="34" charset="-122"/>
+              </a:rPr>
+              <a:t>通过</a:t>
+            </a:r>
+            <a:r>
+              <a:rPr lang="en-US" altLang="zh-CN" dirty="0" smtClean="0">
+                <a:latin typeface="微软雅黑" panose="020B0503020204020204" pitchFamily="34" charset="-122"/>
+                <a:ea typeface="微软雅黑" panose="020B0503020204020204" pitchFamily="34" charset="-122"/>
+              </a:rPr>
+              <a:t>E</a:t>
+            </a:r>
+            <a:r>
+              <a:rPr lang="zh-CN" altLang="en-US" dirty="0" smtClean="0">
+                <a:latin typeface="微软雅黑" panose="020B0503020204020204" pitchFamily="34" charset="-122"/>
+                <a:ea typeface="微软雅黑" panose="020B0503020204020204" pitchFamily="34" charset="-122"/>
+              </a:rPr>
+              <a:t>vent </a:t>
+            </a:r>
+            <a:r>
+              <a:rPr lang="en-US" altLang="zh-CN" dirty="0" smtClean="0">
+                <a:latin typeface="微软雅黑" panose="020B0503020204020204" pitchFamily="34" charset="-122"/>
+                <a:ea typeface="微软雅黑" panose="020B0503020204020204" pitchFamily="34" charset="-122"/>
+              </a:rPr>
+              <a:t>S</a:t>
+            </a:r>
+            <a:r>
+              <a:rPr lang="zh-CN" altLang="en-US" dirty="0" smtClean="0">
+                <a:latin typeface="微软雅黑" panose="020B0503020204020204" pitchFamily="34" charset="-122"/>
+                <a:ea typeface="微软雅黑" panose="020B0503020204020204" pitchFamily="34" charset="-122"/>
+              </a:rPr>
+              <a:t>ystem</a:t>
+            </a:r>
+            <a:r>
+              <a:rPr lang="zh-CN" altLang="en-US" dirty="0">
+                <a:latin typeface="微软雅黑" panose="020B0503020204020204" pitchFamily="34" charset="-122"/>
+                <a:ea typeface="微软雅黑" panose="020B0503020204020204" pitchFamily="34" charset="-122"/>
+              </a:rPr>
+              <a:t>，所有只要注册</a:t>
+            </a:r>
+            <a:r>
+              <a:rPr lang="zh-CN" altLang="en-US" dirty="0" smtClean="0">
+                <a:latin typeface="微软雅黑" panose="020B0503020204020204" pitchFamily="34" charset="-122"/>
+                <a:ea typeface="微软雅黑" panose="020B0503020204020204" pitchFamily="34" charset="-122"/>
+              </a:rPr>
+              <a:t>过</a:t>
+            </a:r>
+            <a:r>
+              <a:rPr lang="en-US" altLang="zh-CN" dirty="0" smtClean="0">
+                <a:latin typeface="微软雅黑" panose="020B0503020204020204" pitchFamily="34" charset="-122"/>
+                <a:ea typeface="微软雅黑" panose="020B0503020204020204" pitchFamily="34" charset="-122"/>
+              </a:rPr>
+              <a:t>Event</a:t>
+            </a:r>
+            <a:r>
+              <a:rPr lang="zh-CN" altLang="en-US" dirty="0" smtClean="0">
+                <a:latin typeface="微软雅黑" panose="020B0503020204020204" pitchFamily="34" charset="-122"/>
+                <a:ea typeface="微软雅黑" panose="020B0503020204020204" pitchFamily="34" charset="-122"/>
+              </a:rPr>
+              <a:t>的观测</a:t>
+            </a:r>
+            <a:r>
+              <a:rPr lang="zh-CN" altLang="en-US" dirty="0">
+                <a:latin typeface="微软雅黑" panose="020B0503020204020204" pitchFamily="34" charset="-122"/>
+                <a:ea typeface="微软雅黑" panose="020B0503020204020204" pitchFamily="34" charset="-122"/>
+              </a:rPr>
+              <a:t>者</a:t>
+            </a:r>
+            <a:r>
+              <a:rPr lang="zh-CN" altLang="en-US" dirty="0" smtClean="0">
+                <a:latin typeface="微软雅黑" panose="020B0503020204020204" pitchFamily="34" charset="-122"/>
+                <a:ea typeface="微软雅黑" panose="020B0503020204020204" pitchFamily="34" charset="-122"/>
+              </a:rPr>
+              <a:t>的</a:t>
+            </a:r>
+            <a:r>
+              <a:rPr lang="en-US" altLang="zh-CN" dirty="0">
+                <a:latin typeface="微软雅黑" panose="020B0503020204020204" pitchFamily="34" charset="-122"/>
+                <a:ea typeface="微软雅黑" panose="020B0503020204020204" pitchFamily="34" charset="-122"/>
+              </a:rPr>
+              <a:t>P</a:t>
+            </a:r>
+            <a:r>
+              <a:rPr lang="zh-CN" altLang="en-US" dirty="0">
+                <a:latin typeface="微软雅黑" panose="020B0503020204020204" pitchFamily="34" charset="-122"/>
+                <a:ea typeface="微软雅黑" panose="020B0503020204020204" pitchFamily="34" charset="-122"/>
+              </a:rPr>
+              <a:t>rocesser </a:t>
+            </a:r>
+            <a:r>
+              <a:rPr lang="en-US" altLang="zh-CN" dirty="0">
+                <a:latin typeface="微软雅黑" panose="020B0503020204020204" pitchFamily="34" charset="-122"/>
+                <a:ea typeface="微软雅黑" panose="020B0503020204020204" pitchFamily="34" charset="-122"/>
+              </a:rPr>
+              <a:t>F</a:t>
+            </a:r>
+            <a:r>
+              <a:rPr lang="zh-CN" altLang="en-US" dirty="0">
+                <a:latin typeface="微软雅黑" panose="020B0503020204020204" pitchFamily="34" charset="-122"/>
+                <a:ea typeface="微软雅黑" panose="020B0503020204020204" pitchFamily="34" charset="-122"/>
+              </a:rPr>
+              <a:t>unction</a:t>
+            </a:r>
+            <a:r>
+              <a:rPr lang="zh-CN" altLang="en-US" dirty="0" smtClean="0">
+                <a:latin typeface="微软雅黑" panose="020B0503020204020204" pitchFamily="34" charset="-122"/>
+                <a:ea typeface="微软雅黑" panose="020B0503020204020204" pitchFamily="34" charset="-122"/>
+              </a:rPr>
+              <a:t>均</a:t>
+            </a:r>
+            <a:r>
+              <a:rPr lang="zh-CN" altLang="en-US" dirty="0">
+                <a:latin typeface="微软雅黑" panose="020B0503020204020204" pitchFamily="34" charset="-122"/>
+                <a:ea typeface="微软雅黑" panose="020B0503020204020204" pitchFamily="34" charset="-122"/>
+              </a:rPr>
+              <a:t>会得到所关注的事件</a:t>
+            </a:r>
+            <a:r>
+              <a:rPr lang="zh-CN" altLang="en-US" dirty="0" smtClean="0">
+                <a:latin typeface="微软雅黑" panose="020B0503020204020204" pitchFamily="34" charset="-122"/>
+                <a:ea typeface="微软雅黑" panose="020B0503020204020204" pitchFamily="34" charset="-122"/>
+              </a:rPr>
+              <a:t>通知Processer</a:t>
+            </a:r>
+            <a:r>
+              <a:rPr lang="zh-CN" altLang="en-US" dirty="0">
+                <a:latin typeface="微软雅黑" panose="020B0503020204020204" pitchFamily="34" charset="-122"/>
+                <a:ea typeface="微软雅黑" panose="020B0503020204020204" pitchFamily="34" charset="-122"/>
+              </a:rPr>
+              <a:t>可以产生新的事件或属性驱动，以便驱动其他逻辑</a:t>
+            </a:r>
+            <a:r>
+              <a:rPr lang="zh-CN" altLang="en-US" dirty="0" smtClean="0">
+                <a:latin typeface="微软雅黑" panose="020B0503020204020204" pitchFamily="34" charset="-122"/>
+                <a:ea typeface="微软雅黑" panose="020B0503020204020204" pitchFamily="34" charset="-122"/>
+              </a:rPr>
+              <a:t>模块处理逻辑。</a:t>
+            </a:r>
+            <a:endParaRPr lang="en-US" altLang="zh-CN" dirty="0" smtClean="0">
+              <a:latin typeface="微软雅黑" panose="020B0503020204020204" pitchFamily="34" charset="-122"/>
+              <a:ea typeface="微软雅黑" panose="020B0503020204020204" pitchFamily="34" charset="-122"/>
+            </a:endParaRPr>
+          </a:p>
+          <a:p>
+            <a:pPr>
+              <a:lnSpc>
+                <a:spcPct val="90000"/>
+              </a:lnSpc>
+            </a:pPr>
+            <a:endParaRPr lang="en-US" altLang="zh-CN" dirty="0">
+              <a:latin typeface="微软雅黑" panose="020B0503020204020204" pitchFamily="34" charset="-122"/>
+              <a:ea typeface="微软雅黑" panose="020B0503020204020204" pitchFamily="34" charset="-122"/>
+            </a:endParaRPr>
+          </a:p>
+          <a:p>
+            <a:pPr>
+              <a:lnSpc>
+                <a:spcPct val="90000"/>
+              </a:lnSpc>
+            </a:pPr>
+            <a:r>
+              <a:rPr lang="zh-CN" altLang="en-US" dirty="0" smtClean="0">
+                <a:latin typeface="微软雅黑" panose="020B0503020204020204" pitchFamily="34" charset="-122"/>
+                <a:ea typeface="微软雅黑" panose="020B0503020204020204" pitchFamily="34" charset="-122"/>
+              </a:rPr>
+              <a:t>通过</a:t>
+            </a:r>
+            <a:r>
+              <a:rPr lang="en-US" altLang="zh-CN" dirty="0" smtClean="0">
+                <a:latin typeface="微软雅黑" panose="020B0503020204020204" pitchFamily="34" charset="-122"/>
+                <a:ea typeface="微软雅黑" panose="020B0503020204020204" pitchFamily="34" charset="-122"/>
+              </a:rPr>
+              <a:t>Heartbeat System</a:t>
+            </a:r>
+            <a:r>
+              <a:rPr lang="zh-CN" altLang="en-US" dirty="0" smtClean="0">
+                <a:latin typeface="微软雅黑" panose="020B0503020204020204" pitchFamily="34" charset="-122"/>
+                <a:ea typeface="微软雅黑" panose="020B0503020204020204" pitchFamily="34" charset="-122"/>
+              </a:rPr>
+              <a:t>，</a:t>
+            </a:r>
+            <a:r>
+              <a:rPr lang="zh-CN" altLang="en-US" dirty="0">
+                <a:latin typeface="微软雅黑" panose="020B0503020204020204" pitchFamily="34" charset="-122"/>
+                <a:ea typeface="微软雅黑" panose="020B0503020204020204" pitchFamily="34" charset="-122"/>
+              </a:rPr>
+              <a:t>所有只要注册</a:t>
+            </a:r>
+            <a:r>
+              <a:rPr lang="zh-CN" altLang="en-US" dirty="0" smtClean="0">
+                <a:latin typeface="微软雅黑" panose="020B0503020204020204" pitchFamily="34" charset="-122"/>
+                <a:ea typeface="微软雅黑" panose="020B0503020204020204" pitchFamily="34" charset="-122"/>
+              </a:rPr>
+              <a:t>过同名心跳的观测</a:t>
+            </a:r>
+            <a:r>
+              <a:rPr lang="zh-CN" altLang="en-US" dirty="0">
+                <a:latin typeface="微软雅黑" panose="020B0503020204020204" pitchFamily="34" charset="-122"/>
+                <a:ea typeface="微软雅黑" panose="020B0503020204020204" pitchFamily="34" charset="-122"/>
+              </a:rPr>
+              <a:t>者的</a:t>
+            </a:r>
+            <a:r>
+              <a:rPr lang="en-US" altLang="zh-CN" dirty="0">
+                <a:latin typeface="微软雅黑" panose="020B0503020204020204" pitchFamily="34" charset="-122"/>
+                <a:ea typeface="微软雅黑" panose="020B0503020204020204" pitchFamily="34" charset="-122"/>
+              </a:rPr>
+              <a:t>P</a:t>
+            </a:r>
+            <a:r>
+              <a:rPr lang="zh-CN" altLang="en-US" dirty="0">
+                <a:latin typeface="微软雅黑" panose="020B0503020204020204" pitchFamily="34" charset="-122"/>
+                <a:ea typeface="微软雅黑" panose="020B0503020204020204" pitchFamily="34" charset="-122"/>
+              </a:rPr>
+              <a:t>rocesser </a:t>
+            </a:r>
+            <a:r>
+              <a:rPr lang="en-US" altLang="zh-CN" dirty="0">
+                <a:latin typeface="微软雅黑" panose="020B0503020204020204" pitchFamily="34" charset="-122"/>
+                <a:ea typeface="微软雅黑" panose="020B0503020204020204" pitchFamily="34" charset="-122"/>
+              </a:rPr>
+              <a:t>F</a:t>
+            </a:r>
+            <a:r>
+              <a:rPr lang="zh-CN" altLang="en-US" dirty="0">
+                <a:latin typeface="微软雅黑" panose="020B0503020204020204" pitchFamily="34" charset="-122"/>
+                <a:ea typeface="微软雅黑" panose="020B0503020204020204" pitchFamily="34" charset="-122"/>
+              </a:rPr>
+              <a:t>unction均</a:t>
+            </a:r>
+            <a:r>
+              <a:rPr lang="zh-CN" altLang="en-US" dirty="0" smtClean="0">
+                <a:latin typeface="微软雅黑" panose="020B0503020204020204" pitchFamily="34" charset="-122"/>
+                <a:ea typeface="微软雅黑" panose="020B0503020204020204" pitchFamily="34" charset="-122"/>
+              </a:rPr>
+              <a:t>会定时处理逻辑，以便延时</a:t>
+            </a:r>
+            <a:r>
+              <a:rPr lang="en-US" altLang="zh-CN" dirty="0" smtClean="0">
+                <a:latin typeface="微软雅黑" panose="020B0503020204020204" pitchFamily="34" charset="-122"/>
+                <a:ea typeface="微软雅黑" panose="020B0503020204020204" pitchFamily="34" charset="-122"/>
+              </a:rPr>
+              <a:t>/</a:t>
+            </a:r>
+            <a:r>
+              <a:rPr lang="zh-CN" altLang="en-US" dirty="0" smtClean="0">
+                <a:latin typeface="微软雅黑" panose="020B0503020204020204" pitchFamily="34" charset="-122"/>
+                <a:ea typeface="微软雅黑" panose="020B0503020204020204" pitchFamily="34" charset="-122"/>
+              </a:rPr>
+              <a:t>定时处理</a:t>
+            </a:r>
+            <a:r>
+              <a:rPr lang="zh-CN" altLang="en-US" dirty="0">
+                <a:latin typeface="微软雅黑" panose="020B0503020204020204" pitchFamily="34" charset="-122"/>
+                <a:ea typeface="微软雅黑" panose="020B0503020204020204" pitchFamily="34" charset="-122"/>
+              </a:rPr>
+              <a:t>逻辑。</a:t>
+            </a:r>
+          </a:p>
+        </p:txBody>
+      </p:sp>
+    </p:spTree>
+    <p:extLst>
+      <p:ext uri="{BB962C8B-B14F-4D97-AF65-F5344CB8AC3E}">
+        <p14:creationId xmlns:p14="http://schemas.microsoft.com/office/powerpoint/2010/main" val="1964459251"/>
+      </p:ext>
+    </p:extLst>
+  </p:cSld>
+  <p:clrMapOvr>
+    <a:masterClrMapping/>
+  </p:clrMapOvr>
+  <p:timing>
+    <p:tnLst>
+      <p:par>
+        <p:cTn id="1" dur="indefinite" restart="never" nodeType="tmRoot"/>
+      </p:par>
+    </p:tnLst>
+  </p:timing>
+</p:sld>
+</file>
+
+<file path=ppt/slides/slide11.xml><?xml version="1.0" encoding="utf-8"?>
+<p:sld xmlns:a="http://schemas.openxmlformats.org/drawingml/2006/main" xmlns:r="http://schemas.openxmlformats.org/officeDocument/2006/relationships" xmlns:p="http://schemas.openxmlformats.org/presentationml/2006/main">
+  <p:cSld>
+    <p:spTree>
+      <p:nvGrpSpPr>
+        <p:cNvPr id="1" name=""/>
+        <p:cNvGrpSpPr/>
+        <p:nvPr/>
+      </p:nvGrpSpPr>
+      <p:grpSpPr>
+        <a:xfrm>
+          <a:off x="0" y="0"/>
+          <a:ext cx="0" cy="0"/>
+          <a:chOff x="0" y="0"/>
+          <a:chExt cx="0" cy="0"/>
+        </a:xfrm>
+      </p:grpSpPr>
+      <p:sp>
+        <p:nvSpPr>
           <p:cNvPr id="3" name="文本框 2"/>
           <p:cNvSpPr txBox="1"/>
           <p:nvPr/>
@@ -3297,7 +4050,7 @@
 </p:sld>
 </file>
 
-<file path=ppt/slides/slide11.xml><?xml version="1.0" encoding="utf-8"?>
+<file path=ppt/slides/slide12.xml><?xml version="1.0" encoding="utf-8"?>
 <p:sld xmlns:a="http://schemas.openxmlformats.org/drawingml/2006/main" xmlns:r="http://schemas.openxmlformats.org/officeDocument/2006/relationships" xmlns:p="http://schemas.openxmlformats.org/presentationml/2006/main">
   <p:cSld>
     <p:spTree>
@@ -3704,7 +4457,7 @@
 </p:sld>
 </file>
 
-<file path=ppt/slides/slide12.xml><?xml version="1.0" encoding="utf-8"?>
+<file path=ppt/slides/slide13.xml><?xml version="1.0" encoding="utf-8"?>
 <p:sld xmlns:a="http://schemas.openxmlformats.org/drawingml/2006/main" xmlns:r="http://schemas.openxmlformats.org/officeDocument/2006/relationships" xmlns:p="http://schemas.openxmlformats.org/presentationml/2006/main">
   <p:cSld>
     <p:spTree>
@@ -4063,7 +4816,7 @@
 </p:sld>
 </file>
 
-<file path=ppt/slides/slide13.xml><?xml version="1.0" encoding="utf-8"?>
+<file path=ppt/slides/slide14.xml><?xml version="1.0" encoding="utf-8"?>
 <p:sld xmlns:a="http://schemas.openxmlformats.org/drawingml/2006/main" xmlns:r="http://schemas.openxmlformats.org/officeDocument/2006/relationships" xmlns:p="http://schemas.openxmlformats.org/presentationml/2006/main">
   <p:cSld>
     <p:spTree>
@@ -4365,7 +5118,7 @@
 </p:sld>
 </file>
 
-<file path=ppt/slides/slide14.xml><?xml version="1.0" encoding="utf-8"?>
+<file path=ppt/slides/slide15.xml><?xml version="1.0" encoding="utf-8"?>
 <p:sld xmlns:a="http://schemas.openxmlformats.org/drawingml/2006/main" xmlns:r="http://schemas.openxmlformats.org/officeDocument/2006/relationships" xmlns:p="http://schemas.openxmlformats.org/presentationml/2006/main">
   <p:cSld>
     <p:spTree>
@@ -4588,7 +5341,7 @@
 </p:sld>
 </file>
 
-<file path=ppt/slides/slide15.xml><?xml version="1.0" encoding="utf-8"?>
+<file path=ppt/slides/slide16.xml><?xml version="1.0" encoding="utf-8"?>
 <p:sld xmlns:a="http://schemas.openxmlformats.org/drawingml/2006/main" xmlns:r="http://schemas.openxmlformats.org/officeDocument/2006/relationships" xmlns:p="http://schemas.openxmlformats.org/presentationml/2006/main">
   <p:cSld>
     <p:spTree>
@@ -4671,21 +5424,7 @@
                 <a:latin typeface="微软雅黑" panose="020B0503020204020204" pitchFamily="34" charset="-122"/>
                 <a:ea typeface="微软雅黑" panose="020B0503020204020204" pitchFamily="34" charset="-122"/>
               </a:rPr>
-              <a:t>由于设计上的分层独立从而使得架构上本身就性能较高。同时在网络通信上使用</a:t>
-            </a:r>
-            <a:r>
-              <a:rPr lang="zh-CN" altLang="en-US" dirty="0" smtClean="0">
-                <a:latin typeface="微软雅黑" panose="020B0503020204020204" pitchFamily="34" charset="-122"/>
-                <a:ea typeface="微软雅黑" panose="020B0503020204020204" pitchFamily="34" charset="-122"/>
-              </a:rPr>
-              <a:t>了久经考验</a:t>
-            </a:r>
-            <a:r>
-              <a:rPr lang="zh-CN" altLang="en-US" dirty="0" smtClean="0">
-                <a:latin typeface="微软雅黑" panose="020B0503020204020204" pitchFamily="34" charset="-122"/>
-                <a:ea typeface="微软雅黑" panose="020B0503020204020204" pitchFamily="34" charset="-122"/>
-              </a:rPr>
-              <a:t>的</a:t>
+              <a:t>由于设计上的分层独立从而使得架构上本身就性能较高。同时在网络通信上使用了久经考验的</a:t>
             </a:r>
             <a:r>
               <a:rPr lang="en-US" altLang="zh-CN" dirty="0" smtClean="0">
@@ -4975,310 +5714,6 @@
     <p:extLst>
       <p:ext uri="{BB962C8B-B14F-4D97-AF65-F5344CB8AC3E}">
         <p14:creationId xmlns:p14="http://schemas.microsoft.com/office/powerpoint/2010/main" val="1759292862"/>
-      </p:ext>
-    </p:extLst>
-  </p:cSld>
-  <p:clrMapOvr>
-    <a:masterClrMapping/>
-  </p:clrMapOvr>
-  <p:timing>
-    <p:tnLst>
-      <p:par>
-        <p:cTn id="1" dur="indefinite" restart="never" nodeType="tmRoot"/>
-      </p:par>
-    </p:tnLst>
-  </p:timing>
-</p:sld>
-</file>
-
-<file path=ppt/slides/slide16.xml><?xml version="1.0" encoding="utf-8"?>
-<p:sld xmlns:a="http://schemas.openxmlformats.org/drawingml/2006/main" xmlns:r="http://schemas.openxmlformats.org/officeDocument/2006/relationships" xmlns:p="http://schemas.openxmlformats.org/presentationml/2006/main">
-  <p:cSld>
-    <p:spTree>
-      <p:nvGrpSpPr>
-        <p:cNvPr id="1" name=""/>
-        <p:cNvGrpSpPr/>
-        <p:nvPr/>
-      </p:nvGrpSpPr>
-      <p:grpSpPr>
-        <a:xfrm>
-          <a:off x="0" y="0"/>
-          <a:ext cx="0" cy="0"/>
-          <a:chOff x="0" y="0"/>
-          <a:chExt cx="0" cy="0"/>
-        </a:xfrm>
-      </p:grpSpPr>
-      <p:sp>
-        <p:nvSpPr>
-          <p:cNvPr id="4" name="文本框 3"/>
-          <p:cNvSpPr txBox="1"/>
-          <p:nvPr/>
-        </p:nvSpPr>
-        <p:spPr>
-          <a:xfrm>
-            <a:off x="0" y="0"/>
-            <a:ext cx="4339650" cy="707886"/>
-          </a:xfrm>
-          <a:prstGeom prst="rect">
-            <a:avLst/>
-          </a:prstGeom>
-          <a:noFill/>
-        </p:spPr>
-        <p:txBody>
-          <a:bodyPr wrap="none" rtlCol="0">
-            <a:spAutoFit/>
-          </a:bodyPr>
-          <a:lstStyle/>
-          <a:p>
-            <a:r>
-              <a:rPr lang="en-US" altLang="zh-CN" sz="4000" dirty="0">
-                <a:latin typeface="方正兰亭粗黑简体" panose="02000000000000000000" pitchFamily="2" charset="-122"/>
-                <a:ea typeface="方正兰亭粗黑简体" panose="02000000000000000000" pitchFamily="2" charset="-122"/>
-              </a:rPr>
-              <a:t>Component</a:t>
-            </a:r>
-            <a:r>
-              <a:rPr lang="zh-CN" altLang="en-US" sz="4000" dirty="0">
-                <a:latin typeface="方正兰亭粗黑简体" panose="02000000000000000000" pitchFamily="2" charset="-122"/>
-                <a:ea typeface="方正兰亭粗黑简体" panose="02000000000000000000" pitchFamily="2" charset="-122"/>
-              </a:rPr>
-              <a:t>组件</a:t>
-            </a:r>
-          </a:p>
-        </p:txBody>
-      </p:sp>
-      <p:sp>
-        <p:nvSpPr>
-          <p:cNvPr id="5" name="文本框 4"/>
-          <p:cNvSpPr txBox="1"/>
-          <p:nvPr/>
-        </p:nvSpPr>
-        <p:spPr>
-          <a:xfrm>
-            <a:off x="1683574" y="1231900"/>
-            <a:ext cx="8824852" cy="2031325"/>
-          </a:xfrm>
-          <a:prstGeom prst="rect">
-            <a:avLst/>
-          </a:prstGeom>
-          <a:noFill/>
-        </p:spPr>
-        <p:txBody>
-          <a:bodyPr wrap="none" rtlCol="0">
-            <a:spAutoFit/>
-          </a:bodyPr>
-          <a:lstStyle/>
-          <a:p>
-            <a:pPr marL="285750" indent="-285750">
-              <a:buFont typeface="Arial" panose="020B0604020202020204" pitchFamily="34" charset="0"/>
-              <a:buChar char="•"/>
-            </a:pPr>
-            <a:r>
-              <a:rPr lang="zh-CN" altLang="en-US" dirty="0">
-                <a:latin typeface="微软雅黑" panose="020B0503020204020204" pitchFamily="34" charset="-122"/>
-                <a:ea typeface="微软雅黑" panose="020B0503020204020204" pitchFamily="34" charset="-122"/>
-              </a:rPr>
-              <a:t>提供类似Unity样式的组件组合模式，以丰富服务器后期脚本编辑以及对象行为扩</a:t>
-            </a:r>
-            <a:r>
-              <a:rPr lang="zh-CN" altLang="en-US" dirty="0" smtClean="0">
-                <a:latin typeface="微软雅黑" panose="020B0503020204020204" pitchFamily="34" charset="-122"/>
-                <a:ea typeface="微软雅黑" panose="020B0503020204020204" pitchFamily="34" charset="-122"/>
-              </a:rPr>
-              <a:t>展</a:t>
-            </a:r>
-            <a:endParaRPr lang="en-US" altLang="zh-CN" dirty="0" smtClean="0">
-              <a:latin typeface="微软雅黑" panose="020B0503020204020204" pitchFamily="34" charset="-122"/>
-              <a:ea typeface="微软雅黑" panose="020B0503020204020204" pitchFamily="34" charset="-122"/>
-            </a:endParaRPr>
-          </a:p>
-          <a:p>
-            <a:pPr marL="285750" indent="-285750">
-              <a:buFont typeface="Arial" panose="020B0604020202020204" pitchFamily="34" charset="0"/>
-              <a:buChar char="•"/>
-            </a:pPr>
-            <a:r>
-              <a:rPr lang="zh-CN" altLang="en-US" dirty="0">
-                <a:latin typeface="微软雅黑" panose="020B0503020204020204" pitchFamily="34" charset="-122"/>
-                <a:ea typeface="微软雅黑" panose="020B0503020204020204" pitchFamily="34" charset="-122"/>
-              </a:rPr>
-              <a:t>系统在对象产生时自动识别以及实例化Component</a:t>
-            </a:r>
-          </a:p>
-          <a:p>
-            <a:pPr marL="285750" indent="-285750">
-              <a:buFont typeface="Arial" panose="020B0604020202020204" pitchFamily="34" charset="0"/>
-              <a:buChar char="•"/>
-            </a:pPr>
-            <a:r>
-              <a:rPr lang="zh-CN" altLang="en-US" dirty="0">
-                <a:latin typeface="微软雅黑" panose="020B0503020204020204" pitchFamily="34" charset="-122"/>
-                <a:ea typeface="微软雅黑" panose="020B0503020204020204" pitchFamily="34" charset="-122"/>
-              </a:rPr>
-              <a:t>通过事件系统，向Component注入事件消息，便于处理逻辑</a:t>
-            </a:r>
-          </a:p>
-          <a:p>
-            <a:pPr marL="285750" indent="-285750">
-              <a:buFont typeface="Arial" panose="020B0604020202020204" pitchFamily="34" charset="0"/>
-              <a:buChar char="•"/>
-            </a:pPr>
-            <a:r>
-              <a:rPr lang="zh-CN" altLang="en-US" dirty="0">
-                <a:latin typeface="微软雅黑" panose="020B0503020204020204" pitchFamily="34" charset="-122"/>
-                <a:ea typeface="微软雅黑" panose="020B0503020204020204" pitchFamily="34" charset="-122"/>
-              </a:rPr>
-              <a:t>特殊需求的特殊处理，灵活拓展对象的行</a:t>
-            </a:r>
-            <a:r>
-              <a:rPr lang="zh-CN" altLang="en-US" dirty="0" smtClean="0">
-                <a:latin typeface="微软雅黑" panose="020B0503020204020204" pitchFamily="34" charset="-122"/>
-                <a:ea typeface="微软雅黑" panose="020B0503020204020204" pitchFamily="34" charset="-122"/>
-              </a:rPr>
-              <a:t>为</a:t>
-            </a:r>
-            <a:endParaRPr lang="en-US" altLang="zh-CN" dirty="0" smtClean="0">
-              <a:latin typeface="微软雅黑" panose="020B0503020204020204" pitchFamily="34" charset="-122"/>
-              <a:ea typeface="微软雅黑" panose="020B0503020204020204" pitchFamily="34" charset="-122"/>
-            </a:endParaRPr>
-          </a:p>
-          <a:p>
-            <a:pPr marL="285750" indent="-285750">
-              <a:buFont typeface="Arial" panose="020B0604020202020204" pitchFamily="34" charset="0"/>
-              <a:buChar char="•"/>
-            </a:pPr>
-            <a:r>
-              <a:rPr lang="zh-CN" altLang="en-US" dirty="0">
-                <a:latin typeface="微软雅黑" panose="020B0503020204020204" pitchFamily="34" charset="-122"/>
-                <a:ea typeface="微软雅黑" panose="020B0503020204020204" pitchFamily="34" charset="-122"/>
-              </a:rPr>
-              <a:t>不用关心其他模块，降低耦</a:t>
-            </a:r>
-            <a:r>
-              <a:rPr lang="zh-CN" altLang="en-US" dirty="0" smtClean="0">
-                <a:latin typeface="微软雅黑" panose="020B0503020204020204" pitchFamily="34" charset="-122"/>
-                <a:ea typeface="微软雅黑" panose="020B0503020204020204" pitchFamily="34" charset="-122"/>
-              </a:rPr>
-              <a:t>合</a:t>
-            </a:r>
-            <a:endParaRPr lang="en-US" altLang="zh-CN" dirty="0" smtClean="0">
-              <a:latin typeface="微软雅黑" panose="020B0503020204020204" pitchFamily="34" charset="-122"/>
-              <a:ea typeface="微软雅黑" panose="020B0503020204020204" pitchFamily="34" charset="-122"/>
-            </a:endParaRPr>
-          </a:p>
-          <a:p>
-            <a:pPr marL="285750" indent="-285750">
-              <a:buFont typeface="Arial" panose="020B0604020202020204" pitchFamily="34" charset="0"/>
-              <a:buChar char="•"/>
-            </a:pPr>
-            <a:r>
-              <a:rPr lang="zh-CN" altLang="en-US" dirty="0" smtClean="0">
-                <a:latin typeface="微软雅黑" panose="020B0503020204020204" pitchFamily="34" charset="-122"/>
-                <a:ea typeface="微软雅黑" panose="020B0503020204020204" pitchFamily="34" charset="-122"/>
-              </a:rPr>
-              <a:t>当前已经支持</a:t>
-            </a:r>
-            <a:r>
-              <a:rPr lang="en-US" altLang="zh-CN" dirty="0" smtClean="0">
-                <a:latin typeface="微软雅黑" panose="020B0503020204020204" pitchFamily="34" charset="-122"/>
-                <a:ea typeface="微软雅黑" panose="020B0503020204020204" pitchFamily="34" charset="-122"/>
-              </a:rPr>
-              <a:t>lua</a:t>
-            </a:r>
-            <a:r>
-              <a:rPr lang="zh-CN" altLang="en-US" dirty="0" smtClean="0">
-                <a:latin typeface="微软雅黑" panose="020B0503020204020204" pitchFamily="34" charset="-122"/>
-                <a:ea typeface="微软雅黑" panose="020B0503020204020204" pitchFamily="34" charset="-122"/>
-              </a:rPr>
-              <a:t>作为脚本嵌入到框架中使用</a:t>
-            </a:r>
-            <a:r>
-              <a:rPr lang="en-US" altLang="zh-CN" dirty="0" smtClean="0">
-                <a:latin typeface="微软雅黑" panose="020B0503020204020204" pitchFamily="34" charset="-122"/>
-                <a:ea typeface="微软雅黑" panose="020B0503020204020204" pitchFamily="34" charset="-122"/>
-              </a:rPr>
-              <a:t>(</a:t>
-            </a:r>
-            <a:r>
-              <a:rPr lang="zh-CN" altLang="en-US" dirty="0" smtClean="0">
-                <a:latin typeface="微软雅黑" panose="020B0503020204020204" pitchFamily="34" charset="-122"/>
-                <a:ea typeface="微软雅黑" panose="020B0503020204020204" pitchFamily="34" charset="-122"/>
-              </a:rPr>
-              <a:t>详见教程</a:t>
-            </a:r>
-            <a:r>
-              <a:rPr lang="en-US" altLang="zh-CN" dirty="0" smtClean="0">
-                <a:latin typeface="微软雅黑" panose="020B0503020204020204" pitchFamily="34" charset="-122"/>
-                <a:ea typeface="微软雅黑" panose="020B0503020204020204" pitchFamily="34" charset="-122"/>
-              </a:rPr>
-              <a:t>6)</a:t>
-            </a:r>
-          </a:p>
-          <a:p>
-            <a:pPr marL="285750" indent="-285750">
-              <a:buFont typeface="Arial" panose="020B0604020202020204" pitchFamily="34" charset="0"/>
-              <a:buChar char="•"/>
-            </a:pPr>
-            <a:r>
-              <a:rPr lang="zh-CN" altLang="en-US" dirty="0" smtClean="0">
-                <a:latin typeface="微软雅黑" panose="020B0503020204020204" pitchFamily="34" charset="-122"/>
-                <a:ea typeface="微软雅黑" panose="020B0503020204020204" pitchFamily="34" charset="-122"/>
-              </a:rPr>
-              <a:t>后期将支持</a:t>
-            </a:r>
-            <a:r>
-              <a:rPr lang="en-US" altLang="zh-CN" dirty="0" smtClean="0">
-                <a:latin typeface="微软雅黑" panose="020B0503020204020204" pitchFamily="34" charset="-122"/>
-                <a:ea typeface="微软雅黑" panose="020B0503020204020204" pitchFamily="34" charset="-122"/>
-              </a:rPr>
-              <a:t>JavaScript</a:t>
-            </a:r>
-            <a:r>
-              <a:rPr lang="zh-CN" altLang="en-US" dirty="0" smtClean="0">
-                <a:latin typeface="微软雅黑" panose="020B0503020204020204" pitchFamily="34" charset="-122"/>
-                <a:ea typeface="微软雅黑" panose="020B0503020204020204" pitchFamily="34" charset="-122"/>
-              </a:rPr>
-              <a:t>，</a:t>
-            </a:r>
-            <a:r>
-              <a:rPr lang="en-US" altLang="zh-CN" dirty="0" smtClean="0">
-                <a:latin typeface="微软雅黑" panose="020B0503020204020204" pitchFamily="34" charset="-122"/>
-                <a:ea typeface="微软雅黑" panose="020B0503020204020204" pitchFamily="34" charset="-122"/>
-              </a:rPr>
-              <a:t>C#</a:t>
-            </a:r>
-            <a:r>
-              <a:rPr lang="zh-CN" altLang="en-US" dirty="0" smtClean="0">
-                <a:latin typeface="微软雅黑" panose="020B0503020204020204" pitchFamily="34" charset="-122"/>
-                <a:ea typeface="微软雅黑" panose="020B0503020204020204" pitchFamily="34" charset="-122"/>
-              </a:rPr>
-              <a:t>，</a:t>
-            </a:r>
-            <a:r>
-              <a:rPr lang="en-US" altLang="zh-CN" dirty="0" smtClean="0">
-                <a:latin typeface="微软雅黑" panose="020B0503020204020204" pitchFamily="34" charset="-122"/>
-                <a:ea typeface="微软雅黑" panose="020B0503020204020204" pitchFamily="34" charset="-122"/>
-              </a:rPr>
-              <a:t>python</a:t>
-            </a:r>
-            <a:r>
-              <a:rPr lang="zh-CN" altLang="en-US" dirty="0" smtClean="0">
-                <a:latin typeface="微软雅黑" panose="020B0503020204020204" pitchFamily="34" charset="-122"/>
-                <a:ea typeface="微软雅黑" panose="020B0503020204020204" pitchFamily="34" charset="-122"/>
-              </a:rPr>
-              <a:t>等脚本语言</a:t>
-            </a:r>
-            <a:endParaRPr lang="zh-CN" altLang="en-US" dirty="0">
-              <a:latin typeface="微软雅黑" panose="020B0503020204020204" pitchFamily="34" charset="-122"/>
-              <a:ea typeface="微软雅黑" panose="020B0503020204020204" pitchFamily="34" charset="-122"/>
-            </a:endParaRPr>
-          </a:p>
-        </p:txBody>
-      </p:sp>
-    </p:spTree>
-    <p:extLst>
-      <p:ext uri="{BB962C8B-B14F-4D97-AF65-F5344CB8AC3E}">
-        <p14:creationId xmlns:p14="http://schemas.microsoft.com/office/powerpoint/2010/main" val="4147450563"/>
       </p:ext>
     </p:extLst>
   </p:cSld>
@@ -5321,6 +5756,310 @@
         <p:spPr>
           <a:xfrm>
             <a:off x="0" y="0"/>
+            <a:ext cx="4339650" cy="707886"/>
+          </a:xfrm>
+          <a:prstGeom prst="rect">
+            <a:avLst/>
+          </a:prstGeom>
+          <a:noFill/>
+        </p:spPr>
+        <p:txBody>
+          <a:bodyPr wrap="none" rtlCol="0">
+            <a:spAutoFit/>
+          </a:bodyPr>
+          <a:lstStyle/>
+          <a:p>
+            <a:r>
+              <a:rPr lang="en-US" altLang="zh-CN" sz="4000" dirty="0">
+                <a:latin typeface="方正兰亭粗黑简体" panose="02000000000000000000" pitchFamily="2" charset="-122"/>
+                <a:ea typeface="方正兰亭粗黑简体" panose="02000000000000000000" pitchFamily="2" charset="-122"/>
+              </a:rPr>
+              <a:t>Component</a:t>
+            </a:r>
+            <a:r>
+              <a:rPr lang="zh-CN" altLang="en-US" sz="4000" dirty="0">
+                <a:latin typeface="方正兰亭粗黑简体" panose="02000000000000000000" pitchFamily="2" charset="-122"/>
+                <a:ea typeface="方正兰亭粗黑简体" panose="02000000000000000000" pitchFamily="2" charset="-122"/>
+              </a:rPr>
+              <a:t>组件</a:t>
+            </a:r>
+          </a:p>
+        </p:txBody>
+      </p:sp>
+      <p:sp>
+        <p:nvSpPr>
+          <p:cNvPr id="5" name="文本框 4"/>
+          <p:cNvSpPr txBox="1"/>
+          <p:nvPr/>
+        </p:nvSpPr>
+        <p:spPr>
+          <a:xfrm>
+            <a:off x="1683574" y="1231900"/>
+            <a:ext cx="8824852" cy="2031325"/>
+          </a:xfrm>
+          <a:prstGeom prst="rect">
+            <a:avLst/>
+          </a:prstGeom>
+          <a:noFill/>
+        </p:spPr>
+        <p:txBody>
+          <a:bodyPr wrap="none" rtlCol="0">
+            <a:spAutoFit/>
+          </a:bodyPr>
+          <a:lstStyle/>
+          <a:p>
+            <a:pPr marL="285750" indent="-285750">
+              <a:buFont typeface="Arial" panose="020B0604020202020204" pitchFamily="34" charset="0"/>
+              <a:buChar char="•"/>
+            </a:pPr>
+            <a:r>
+              <a:rPr lang="zh-CN" altLang="en-US" dirty="0">
+                <a:latin typeface="微软雅黑" panose="020B0503020204020204" pitchFamily="34" charset="-122"/>
+                <a:ea typeface="微软雅黑" panose="020B0503020204020204" pitchFamily="34" charset="-122"/>
+              </a:rPr>
+              <a:t>提供类似Unity样式的组件组合模式，以丰富服务器后期脚本编辑以及对象行为扩</a:t>
+            </a:r>
+            <a:r>
+              <a:rPr lang="zh-CN" altLang="en-US" dirty="0" smtClean="0">
+                <a:latin typeface="微软雅黑" panose="020B0503020204020204" pitchFamily="34" charset="-122"/>
+                <a:ea typeface="微软雅黑" panose="020B0503020204020204" pitchFamily="34" charset="-122"/>
+              </a:rPr>
+              <a:t>展</a:t>
+            </a:r>
+            <a:endParaRPr lang="en-US" altLang="zh-CN" dirty="0" smtClean="0">
+              <a:latin typeface="微软雅黑" panose="020B0503020204020204" pitchFamily="34" charset="-122"/>
+              <a:ea typeface="微软雅黑" panose="020B0503020204020204" pitchFamily="34" charset="-122"/>
+            </a:endParaRPr>
+          </a:p>
+          <a:p>
+            <a:pPr marL="285750" indent="-285750">
+              <a:buFont typeface="Arial" panose="020B0604020202020204" pitchFamily="34" charset="0"/>
+              <a:buChar char="•"/>
+            </a:pPr>
+            <a:r>
+              <a:rPr lang="zh-CN" altLang="en-US" dirty="0">
+                <a:latin typeface="微软雅黑" panose="020B0503020204020204" pitchFamily="34" charset="-122"/>
+                <a:ea typeface="微软雅黑" panose="020B0503020204020204" pitchFamily="34" charset="-122"/>
+              </a:rPr>
+              <a:t>系统在对象产生时自动识别以及实例化Component</a:t>
+            </a:r>
+          </a:p>
+          <a:p>
+            <a:pPr marL="285750" indent="-285750">
+              <a:buFont typeface="Arial" panose="020B0604020202020204" pitchFamily="34" charset="0"/>
+              <a:buChar char="•"/>
+            </a:pPr>
+            <a:r>
+              <a:rPr lang="zh-CN" altLang="en-US" dirty="0">
+                <a:latin typeface="微软雅黑" panose="020B0503020204020204" pitchFamily="34" charset="-122"/>
+                <a:ea typeface="微软雅黑" panose="020B0503020204020204" pitchFamily="34" charset="-122"/>
+              </a:rPr>
+              <a:t>通过事件系统，向Component注入事件消息，便于处理逻辑</a:t>
+            </a:r>
+          </a:p>
+          <a:p>
+            <a:pPr marL="285750" indent="-285750">
+              <a:buFont typeface="Arial" panose="020B0604020202020204" pitchFamily="34" charset="0"/>
+              <a:buChar char="•"/>
+            </a:pPr>
+            <a:r>
+              <a:rPr lang="zh-CN" altLang="en-US" dirty="0">
+                <a:latin typeface="微软雅黑" panose="020B0503020204020204" pitchFamily="34" charset="-122"/>
+                <a:ea typeface="微软雅黑" panose="020B0503020204020204" pitchFamily="34" charset="-122"/>
+              </a:rPr>
+              <a:t>特殊需求的特殊处理，灵活拓展对象的行</a:t>
+            </a:r>
+            <a:r>
+              <a:rPr lang="zh-CN" altLang="en-US" dirty="0" smtClean="0">
+                <a:latin typeface="微软雅黑" panose="020B0503020204020204" pitchFamily="34" charset="-122"/>
+                <a:ea typeface="微软雅黑" panose="020B0503020204020204" pitchFamily="34" charset="-122"/>
+              </a:rPr>
+              <a:t>为</a:t>
+            </a:r>
+            <a:endParaRPr lang="en-US" altLang="zh-CN" dirty="0" smtClean="0">
+              <a:latin typeface="微软雅黑" panose="020B0503020204020204" pitchFamily="34" charset="-122"/>
+              <a:ea typeface="微软雅黑" panose="020B0503020204020204" pitchFamily="34" charset="-122"/>
+            </a:endParaRPr>
+          </a:p>
+          <a:p>
+            <a:pPr marL="285750" indent="-285750">
+              <a:buFont typeface="Arial" panose="020B0604020202020204" pitchFamily="34" charset="0"/>
+              <a:buChar char="•"/>
+            </a:pPr>
+            <a:r>
+              <a:rPr lang="zh-CN" altLang="en-US" dirty="0">
+                <a:latin typeface="微软雅黑" panose="020B0503020204020204" pitchFamily="34" charset="-122"/>
+                <a:ea typeface="微软雅黑" panose="020B0503020204020204" pitchFamily="34" charset="-122"/>
+              </a:rPr>
+              <a:t>不用关心其他模块，降低耦</a:t>
+            </a:r>
+            <a:r>
+              <a:rPr lang="zh-CN" altLang="en-US" dirty="0" smtClean="0">
+                <a:latin typeface="微软雅黑" panose="020B0503020204020204" pitchFamily="34" charset="-122"/>
+                <a:ea typeface="微软雅黑" panose="020B0503020204020204" pitchFamily="34" charset="-122"/>
+              </a:rPr>
+              <a:t>合</a:t>
+            </a:r>
+            <a:endParaRPr lang="en-US" altLang="zh-CN" dirty="0" smtClean="0">
+              <a:latin typeface="微软雅黑" panose="020B0503020204020204" pitchFamily="34" charset="-122"/>
+              <a:ea typeface="微软雅黑" panose="020B0503020204020204" pitchFamily="34" charset="-122"/>
+            </a:endParaRPr>
+          </a:p>
+          <a:p>
+            <a:pPr marL="285750" indent="-285750">
+              <a:buFont typeface="Arial" panose="020B0604020202020204" pitchFamily="34" charset="0"/>
+              <a:buChar char="•"/>
+            </a:pPr>
+            <a:r>
+              <a:rPr lang="zh-CN" altLang="en-US" dirty="0" smtClean="0">
+                <a:latin typeface="微软雅黑" panose="020B0503020204020204" pitchFamily="34" charset="-122"/>
+                <a:ea typeface="微软雅黑" panose="020B0503020204020204" pitchFamily="34" charset="-122"/>
+              </a:rPr>
+              <a:t>当前已经支持</a:t>
+            </a:r>
+            <a:r>
+              <a:rPr lang="en-US" altLang="zh-CN" dirty="0" smtClean="0">
+                <a:latin typeface="微软雅黑" panose="020B0503020204020204" pitchFamily="34" charset="-122"/>
+                <a:ea typeface="微软雅黑" panose="020B0503020204020204" pitchFamily="34" charset="-122"/>
+              </a:rPr>
+              <a:t>lua</a:t>
+            </a:r>
+            <a:r>
+              <a:rPr lang="zh-CN" altLang="en-US" dirty="0" smtClean="0">
+                <a:latin typeface="微软雅黑" panose="020B0503020204020204" pitchFamily="34" charset="-122"/>
+                <a:ea typeface="微软雅黑" panose="020B0503020204020204" pitchFamily="34" charset="-122"/>
+              </a:rPr>
+              <a:t>作为脚本嵌入到框架中使用</a:t>
+            </a:r>
+            <a:r>
+              <a:rPr lang="en-US" altLang="zh-CN" dirty="0" smtClean="0">
+                <a:latin typeface="微软雅黑" panose="020B0503020204020204" pitchFamily="34" charset="-122"/>
+                <a:ea typeface="微软雅黑" panose="020B0503020204020204" pitchFamily="34" charset="-122"/>
+              </a:rPr>
+              <a:t>(</a:t>
+            </a:r>
+            <a:r>
+              <a:rPr lang="zh-CN" altLang="en-US" dirty="0" smtClean="0">
+                <a:latin typeface="微软雅黑" panose="020B0503020204020204" pitchFamily="34" charset="-122"/>
+                <a:ea typeface="微软雅黑" panose="020B0503020204020204" pitchFamily="34" charset="-122"/>
+              </a:rPr>
+              <a:t>详见教程</a:t>
+            </a:r>
+            <a:r>
+              <a:rPr lang="en-US" altLang="zh-CN" dirty="0" smtClean="0">
+                <a:latin typeface="微软雅黑" panose="020B0503020204020204" pitchFamily="34" charset="-122"/>
+                <a:ea typeface="微软雅黑" panose="020B0503020204020204" pitchFamily="34" charset="-122"/>
+              </a:rPr>
+              <a:t>6)</a:t>
+            </a:r>
+          </a:p>
+          <a:p>
+            <a:pPr marL="285750" indent="-285750">
+              <a:buFont typeface="Arial" panose="020B0604020202020204" pitchFamily="34" charset="0"/>
+              <a:buChar char="•"/>
+            </a:pPr>
+            <a:r>
+              <a:rPr lang="zh-CN" altLang="en-US" dirty="0" smtClean="0">
+                <a:latin typeface="微软雅黑" panose="020B0503020204020204" pitchFamily="34" charset="-122"/>
+                <a:ea typeface="微软雅黑" panose="020B0503020204020204" pitchFamily="34" charset="-122"/>
+              </a:rPr>
+              <a:t>后期将支持</a:t>
+            </a:r>
+            <a:r>
+              <a:rPr lang="en-US" altLang="zh-CN" dirty="0" smtClean="0">
+                <a:latin typeface="微软雅黑" panose="020B0503020204020204" pitchFamily="34" charset="-122"/>
+                <a:ea typeface="微软雅黑" panose="020B0503020204020204" pitchFamily="34" charset="-122"/>
+              </a:rPr>
+              <a:t>JavaScript</a:t>
+            </a:r>
+            <a:r>
+              <a:rPr lang="zh-CN" altLang="en-US" dirty="0" smtClean="0">
+                <a:latin typeface="微软雅黑" panose="020B0503020204020204" pitchFamily="34" charset="-122"/>
+                <a:ea typeface="微软雅黑" panose="020B0503020204020204" pitchFamily="34" charset="-122"/>
+              </a:rPr>
+              <a:t>，</a:t>
+            </a:r>
+            <a:r>
+              <a:rPr lang="en-US" altLang="zh-CN" dirty="0" smtClean="0">
+                <a:latin typeface="微软雅黑" panose="020B0503020204020204" pitchFamily="34" charset="-122"/>
+                <a:ea typeface="微软雅黑" panose="020B0503020204020204" pitchFamily="34" charset="-122"/>
+              </a:rPr>
+              <a:t>C#</a:t>
+            </a:r>
+            <a:r>
+              <a:rPr lang="zh-CN" altLang="en-US" dirty="0" smtClean="0">
+                <a:latin typeface="微软雅黑" panose="020B0503020204020204" pitchFamily="34" charset="-122"/>
+                <a:ea typeface="微软雅黑" panose="020B0503020204020204" pitchFamily="34" charset="-122"/>
+              </a:rPr>
+              <a:t>，</a:t>
+            </a:r>
+            <a:r>
+              <a:rPr lang="en-US" altLang="zh-CN" dirty="0" smtClean="0">
+                <a:latin typeface="微软雅黑" panose="020B0503020204020204" pitchFamily="34" charset="-122"/>
+                <a:ea typeface="微软雅黑" panose="020B0503020204020204" pitchFamily="34" charset="-122"/>
+              </a:rPr>
+              <a:t>python</a:t>
+            </a:r>
+            <a:r>
+              <a:rPr lang="zh-CN" altLang="en-US" dirty="0" smtClean="0">
+                <a:latin typeface="微软雅黑" panose="020B0503020204020204" pitchFamily="34" charset="-122"/>
+                <a:ea typeface="微软雅黑" panose="020B0503020204020204" pitchFamily="34" charset="-122"/>
+              </a:rPr>
+              <a:t>等脚本语言</a:t>
+            </a:r>
+            <a:endParaRPr lang="zh-CN" altLang="en-US" dirty="0">
+              <a:latin typeface="微软雅黑" panose="020B0503020204020204" pitchFamily="34" charset="-122"/>
+              <a:ea typeface="微软雅黑" panose="020B0503020204020204" pitchFamily="34" charset="-122"/>
+            </a:endParaRPr>
+          </a:p>
+        </p:txBody>
+      </p:sp>
+    </p:spTree>
+    <p:extLst>
+      <p:ext uri="{BB962C8B-B14F-4D97-AF65-F5344CB8AC3E}">
+        <p14:creationId xmlns:p14="http://schemas.microsoft.com/office/powerpoint/2010/main" val="4147450563"/>
+      </p:ext>
+    </p:extLst>
+  </p:cSld>
+  <p:clrMapOvr>
+    <a:masterClrMapping/>
+  </p:clrMapOvr>
+  <p:timing>
+    <p:tnLst>
+      <p:par>
+        <p:cTn id="1" dur="indefinite" restart="never" nodeType="tmRoot"/>
+      </p:par>
+    </p:tnLst>
+  </p:timing>
+</p:sld>
+</file>
+
+<file path=ppt/slides/slide18.xml><?xml version="1.0" encoding="utf-8"?>
+<p:sld xmlns:a="http://schemas.openxmlformats.org/drawingml/2006/main" xmlns:r="http://schemas.openxmlformats.org/officeDocument/2006/relationships" xmlns:p="http://schemas.openxmlformats.org/presentationml/2006/main">
+  <p:cSld>
+    <p:spTree>
+      <p:nvGrpSpPr>
+        <p:cNvPr id="1" name=""/>
+        <p:cNvGrpSpPr/>
+        <p:nvPr/>
+      </p:nvGrpSpPr>
+      <p:grpSpPr>
+        <a:xfrm>
+          <a:off x="0" y="0"/>
+          <a:ext cx="0" cy="0"/>
+          <a:chOff x="0" y="0"/>
+          <a:chExt cx="0" cy="0"/>
+        </a:xfrm>
+      </p:grpSpPr>
+      <p:sp>
+        <p:nvSpPr>
+          <p:cNvPr id="4" name="文本框 3"/>
+          <p:cNvSpPr txBox="1"/>
+          <p:nvPr/>
+        </p:nvSpPr>
+        <p:spPr>
+          <a:xfrm>
+            <a:off x="0" y="0"/>
             <a:ext cx="4288353" cy="707886"/>
           </a:xfrm>
           <a:prstGeom prst="rect">
@@ -5631,7 +6370,7 @@
 </p:sld>
 </file>
 
-<file path=ppt/slides/slide18.xml><?xml version="1.0" encoding="utf-8"?>
+<file path=ppt/slides/slide19.xml><?xml version="1.0" encoding="utf-8"?>
 <p:sld xmlns:a="http://schemas.openxmlformats.org/drawingml/2006/main" xmlns:r="http://schemas.openxmlformats.org/officeDocument/2006/relationships" xmlns:p="http://schemas.openxmlformats.org/presentationml/2006/main">
   <p:cSld>
     <p:spTree>
@@ -5693,7 +6432,7 @@
       </p:sp>
       <p:pic>
         <p:nvPicPr>
-          <p:cNvPr id="2" name="图片 1"/>
+          <p:cNvPr id="3" name="图片 2"/>
           <p:cNvPicPr>
             <a:picLocks noChangeAspect="1"/>
           </p:cNvPicPr>
@@ -5713,7 +6452,7 @@
         </p:blipFill>
         <p:spPr>
           <a:xfrm>
-            <a:off x="328437" y="399711"/>
+            <a:off x="359968" y="399711"/>
             <a:ext cx="9564435" cy="4858428"/>
           </a:xfrm>
           <a:prstGeom prst="rect">
@@ -5725,394 +6464,6 @@
     <p:extLst>
       <p:ext uri="{BB962C8B-B14F-4D97-AF65-F5344CB8AC3E}">
         <p14:creationId xmlns:p14="http://schemas.microsoft.com/office/powerpoint/2010/main" val="2568247834"/>
-      </p:ext>
-    </p:extLst>
-  </p:cSld>
-  <p:clrMapOvr>
-    <a:masterClrMapping/>
-  </p:clrMapOvr>
-  <p:timing>
-    <p:tnLst>
-      <p:par>
-        <p:cTn id="1" dur="indefinite" restart="never" nodeType="tmRoot"/>
-      </p:par>
-    </p:tnLst>
-  </p:timing>
-</p:sld>
-</file>
-
-<file path=ppt/slides/slide19.xml><?xml version="1.0" encoding="utf-8"?>
-<p:sld xmlns:a="http://schemas.openxmlformats.org/drawingml/2006/main" xmlns:r="http://schemas.openxmlformats.org/officeDocument/2006/relationships" xmlns:p="http://schemas.openxmlformats.org/presentationml/2006/main">
-  <p:cSld>
-    <p:spTree>
-      <p:nvGrpSpPr>
-        <p:cNvPr id="1" name=""/>
-        <p:cNvGrpSpPr/>
-        <p:nvPr/>
-      </p:nvGrpSpPr>
-      <p:grpSpPr>
-        <a:xfrm>
-          <a:off x="0" y="0"/>
-          <a:ext cx="0" cy="0"/>
-          <a:chOff x="0" y="0"/>
-          <a:chExt cx="0" cy="0"/>
-        </a:xfrm>
-      </p:grpSpPr>
-      <p:sp>
-        <p:nvSpPr>
-          <p:cNvPr id="4" name="文本框 3"/>
-          <p:cNvSpPr txBox="1"/>
-          <p:nvPr/>
-        </p:nvSpPr>
-        <p:spPr>
-          <a:xfrm>
-            <a:off x="0" y="0"/>
-            <a:ext cx="4801314" cy="707886"/>
-          </a:xfrm>
-          <a:prstGeom prst="rect">
-            <a:avLst/>
-          </a:prstGeom>
-          <a:noFill/>
-        </p:spPr>
-        <p:txBody>
-          <a:bodyPr wrap="none" rtlCol="0">
-            <a:spAutoFit/>
-          </a:bodyPr>
-          <a:lstStyle/>
-          <a:p>
-            <a:r>
-              <a:rPr lang="zh-CN" altLang="en-US" sz="4000" dirty="0" smtClean="0">
-                <a:latin typeface="方正兰亭粗黑简体" panose="02000000000000000000" pitchFamily="2" charset="-122"/>
-                <a:ea typeface="方正兰亭粗黑简体" panose="02000000000000000000" pitchFamily="2" charset="-122"/>
-              </a:rPr>
-              <a:t>良好架构带来的好处</a:t>
-            </a:r>
-            <a:endParaRPr lang="en-US" altLang="zh-CN" sz="4000" dirty="0">
-              <a:latin typeface="方正兰亭粗黑简体" panose="02000000000000000000" pitchFamily="2" charset="-122"/>
-              <a:ea typeface="方正兰亭粗黑简体" panose="02000000000000000000" pitchFamily="2" charset="-122"/>
-            </a:endParaRPr>
-          </a:p>
-        </p:txBody>
-      </p:sp>
-      <p:sp>
-        <p:nvSpPr>
-          <p:cNvPr id="2" name="文本框 1"/>
-          <p:cNvSpPr txBox="1"/>
-          <p:nvPr/>
-        </p:nvSpPr>
-        <p:spPr>
-          <a:xfrm>
-            <a:off x="1204912" y="1333500"/>
-            <a:ext cx="9782175" cy="2862322"/>
-          </a:xfrm>
-          <a:prstGeom prst="rect">
-            <a:avLst/>
-          </a:prstGeom>
-          <a:noFill/>
-        </p:spPr>
-        <p:txBody>
-          <a:bodyPr wrap="square" rtlCol="0">
-            <a:spAutoFit/>
-          </a:bodyPr>
-          <a:lstStyle/>
-          <a:p>
-            <a:r>
-              <a:rPr lang="zh-CN" altLang="en-US" dirty="0" smtClean="0">
-                <a:latin typeface="微软雅黑" panose="020B0503020204020204" pitchFamily="34" charset="-122"/>
-                <a:ea typeface="微软雅黑" panose="020B0503020204020204" pitchFamily="34" charset="-122"/>
-              </a:rPr>
-              <a:t>由于</a:t>
-            </a:r>
-            <a:r>
-              <a:rPr lang="en-US" altLang="zh-CN" dirty="0" smtClean="0">
-                <a:latin typeface="微软雅黑" panose="020B0503020204020204" pitchFamily="34" charset="-122"/>
-                <a:ea typeface="微软雅黑" panose="020B0503020204020204" pitchFamily="34" charset="-122"/>
-              </a:rPr>
-              <a:t>NFrame</a:t>
-            </a:r>
-            <a:r>
-              <a:rPr lang="zh-CN" altLang="en-US" dirty="0" smtClean="0">
-                <a:latin typeface="微软雅黑" panose="020B0503020204020204" pitchFamily="34" charset="-122"/>
-                <a:ea typeface="微软雅黑" panose="020B0503020204020204" pitchFamily="34" charset="-122"/>
-              </a:rPr>
-              <a:t>良好的服务器架构设计，故而拥有了其他架构所没有的优点。</a:t>
-            </a:r>
-            <a:endParaRPr lang="en-US" altLang="zh-CN" dirty="0" smtClean="0">
-              <a:latin typeface="微软雅黑" panose="020B0503020204020204" pitchFamily="34" charset="-122"/>
-              <a:ea typeface="微软雅黑" panose="020B0503020204020204" pitchFamily="34" charset="-122"/>
-            </a:endParaRPr>
-          </a:p>
-          <a:p>
-            <a:endParaRPr lang="en-US" altLang="zh-CN" dirty="0" smtClean="0">
-              <a:latin typeface="微软雅黑" panose="020B0503020204020204" pitchFamily="34" charset="-122"/>
-              <a:ea typeface="微软雅黑" panose="020B0503020204020204" pitchFamily="34" charset="-122"/>
-            </a:endParaRPr>
-          </a:p>
-          <a:p>
-            <a:pPr marL="285750" indent="-285750">
-              <a:buFont typeface="Wingdings" panose="05000000000000000000" pitchFamily="2" charset="2"/>
-              <a:buChar char="ü"/>
-            </a:pPr>
-            <a:r>
-              <a:rPr lang="zh-CN" altLang="en-US" b="1" dirty="0" smtClean="0">
-                <a:solidFill>
-                  <a:srgbClr val="00B050"/>
-                </a:solidFill>
-                <a:latin typeface="微软雅黑" panose="020B0503020204020204" pitchFamily="34" charset="-122"/>
-                <a:ea typeface="微软雅黑" panose="020B0503020204020204" pitchFamily="34" charset="-122"/>
-              </a:rPr>
-              <a:t>高性能</a:t>
-            </a:r>
-            <a:r>
-              <a:rPr lang="zh-CN" altLang="en-US" dirty="0" smtClean="0">
-                <a:latin typeface="微软雅黑" panose="020B0503020204020204" pitchFamily="34" charset="-122"/>
-                <a:ea typeface="微软雅黑" panose="020B0503020204020204" pitchFamily="34" charset="-122"/>
-              </a:rPr>
-              <a:t>，通讯优化，压缩流量，</a:t>
-            </a:r>
-            <a:r>
-              <a:rPr lang="en-US" altLang="zh-CN" dirty="0" smtClean="0">
-                <a:latin typeface="微软雅黑" panose="020B0503020204020204" pitchFamily="34" charset="-122"/>
-                <a:ea typeface="微软雅黑" panose="020B0503020204020204" pitchFamily="34" charset="-122"/>
-              </a:rPr>
-              <a:t>C++</a:t>
-            </a:r>
-            <a:r>
-              <a:rPr lang="zh-CN" altLang="en-US" dirty="0" smtClean="0">
-                <a:latin typeface="微软雅黑" panose="020B0503020204020204" pitchFamily="34" charset="-122"/>
-                <a:ea typeface="微软雅黑" panose="020B0503020204020204" pitchFamily="34" charset="-122"/>
-              </a:rPr>
-              <a:t>底层，业务逻辑并行</a:t>
-            </a:r>
-            <a:endParaRPr lang="en-US" altLang="zh-CN" dirty="0">
-              <a:latin typeface="微软雅黑" panose="020B0503020204020204" pitchFamily="34" charset="-122"/>
-              <a:ea typeface="微软雅黑" panose="020B0503020204020204" pitchFamily="34" charset="-122"/>
-            </a:endParaRPr>
-          </a:p>
-          <a:p>
-            <a:pPr marL="285750" indent="-285750">
-              <a:buFont typeface="Wingdings" panose="05000000000000000000" pitchFamily="2" charset="2"/>
-              <a:buChar char="ü"/>
-            </a:pPr>
-            <a:r>
-              <a:rPr lang="zh-CN" altLang="en-US" b="1" dirty="0">
-                <a:solidFill>
-                  <a:srgbClr val="00B050"/>
-                </a:solidFill>
-                <a:latin typeface="微软雅黑" panose="020B0503020204020204" pitchFamily="34" charset="-122"/>
-                <a:ea typeface="微软雅黑" panose="020B0503020204020204" pitchFamily="34" charset="-122"/>
-              </a:rPr>
-              <a:t>高稳定性</a:t>
-            </a:r>
-            <a:r>
-              <a:rPr lang="zh-CN" altLang="en-US" dirty="0" smtClean="0">
-                <a:latin typeface="微软雅黑" panose="020B0503020204020204" pitchFamily="34" charset="-122"/>
-                <a:ea typeface="微软雅黑" panose="020B0503020204020204" pitchFamily="34" charset="-122"/>
-              </a:rPr>
-              <a:t>，服务器间实时数据统计，问题节点自动摘除，业务逻辑不中断</a:t>
-            </a:r>
-            <a:endParaRPr lang="en-US" altLang="zh-CN" dirty="0" smtClean="0">
-              <a:latin typeface="微软雅黑" panose="020B0503020204020204" pitchFamily="34" charset="-122"/>
-              <a:ea typeface="微软雅黑" panose="020B0503020204020204" pitchFamily="34" charset="-122"/>
-            </a:endParaRPr>
-          </a:p>
-          <a:p>
-            <a:pPr marL="285750" indent="-285750">
-              <a:buFont typeface="Wingdings" panose="05000000000000000000" pitchFamily="2" charset="2"/>
-              <a:buChar char="ü"/>
-            </a:pPr>
-            <a:r>
-              <a:rPr lang="zh-CN" altLang="en-US" b="1" dirty="0">
-                <a:solidFill>
-                  <a:srgbClr val="00B050"/>
-                </a:solidFill>
-                <a:latin typeface="微软雅黑" panose="020B0503020204020204" pitchFamily="34" charset="-122"/>
-                <a:ea typeface="微软雅黑" panose="020B0503020204020204" pitchFamily="34" charset="-122"/>
-              </a:rPr>
-              <a:t>简易部署</a:t>
-            </a:r>
-            <a:r>
-              <a:rPr lang="zh-CN" altLang="en-US" dirty="0" smtClean="0">
-                <a:latin typeface="微软雅黑" panose="020B0503020204020204" pitchFamily="34" charset="-122"/>
-                <a:ea typeface="微软雅黑" panose="020B0503020204020204" pitchFamily="34" charset="-122"/>
-              </a:rPr>
-              <a:t>，通过开服工具可自动部署配置文件</a:t>
-            </a:r>
-            <a:endParaRPr lang="en-US" altLang="zh-CN" dirty="0" smtClean="0">
-              <a:latin typeface="微软雅黑" panose="020B0503020204020204" pitchFamily="34" charset="-122"/>
-              <a:ea typeface="微软雅黑" panose="020B0503020204020204" pitchFamily="34" charset="-122"/>
-            </a:endParaRPr>
-          </a:p>
-          <a:p>
-            <a:pPr marL="285750" indent="-285750">
-              <a:buFont typeface="Wingdings" panose="05000000000000000000" pitchFamily="2" charset="2"/>
-              <a:buChar char="ü"/>
-            </a:pPr>
-            <a:r>
-              <a:rPr lang="zh-CN" altLang="en-US" b="1" dirty="0">
-                <a:solidFill>
-                  <a:srgbClr val="00B050"/>
-                </a:solidFill>
-                <a:latin typeface="微软雅黑" panose="020B0503020204020204" pitchFamily="34" charset="-122"/>
-                <a:ea typeface="微软雅黑" panose="020B0503020204020204" pitchFamily="34" charset="-122"/>
-              </a:rPr>
-              <a:t>方便扩展</a:t>
-            </a:r>
-            <a:r>
-              <a:rPr lang="zh-CN" altLang="en-US" dirty="0" smtClean="0">
-                <a:latin typeface="微软雅黑" panose="020B0503020204020204" pitchFamily="34" charset="-122"/>
-                <a:ea typeface="微软雅黑" panose="020B0503020204020204" pitchFamily="34" charset="-122"/>
-              </a:rPr>
-              <a:t>，实时热加载配置，横向无限扩展</a:t>
-            </a:r>
-            <a:endParaRPr lang="en-US" altLang="zh-CN" dirty="0" smtClean="0">
-              <a:latin typeface="微软雅黑" panose="020B0503020204020204" pitchFamily="34" charset="-122"/>
-              <a:ea typeface="微软雅黑" panose="020B0503020204020204" pitchFamily="34" charset="-122"/>
-            </a:endParaRPr>
-          </a:p>
-          <a:p>
-            <a:pPr marL="285750" indent="-285750">
-              <a:buFont typeface="Wingdings" panose="05000000000000000000" pitchFamily="2" charset="2"/>
-              <a:buChar char="ü"/>
-            </a:pPr>
-            <a:r>
-              <a:rPr lang="zh-CN" altLang="en-US" b="1" dirty="0">
-                <a:solidFill>
-                  <a:srgbClr val="00B050"/>
-                </a:solidFill>
-                <a:latin typeface="微软雅黑" panose="020B0503020204020204" pitchFamily="34" charset="-122"/>
-                <a:ea typeface="微软雅黑" panose="020B0503020204020204" pitchFamily="34" charset="-122"/>
-              </a:rPr>
-              <a:t>跨平台</a:t>
-            </a:r>
-            <a:r>
-              <a:rPr lang="zh-CN" altLang="en-US" dirty="0" smtClean="0">
-                <a:latin typeface="微软雅黑" panose="020B0503020204020204" pitchFamily="34" charset="-122"/>
-                <a:ea typeface="微软雅黑" panose="020B0503020204020204" pitchFamily="34" charset="-122"/>
-              </a:rPr>
-              <a:t>，使用标准</a:t>
-            </a:r>
-            <a:r>
-              <a:rPr lang="en-US" altLang="zh-CN" dirty="0" smtClean="0">
-                <a:latin typeface="微软雅黑" panose="020B0503020204020204" pitchFamily="34" charset="-122"/>
-                <a:ea typeface="微软雅黑" panose="020B0503020204020204" pitchFamily="34" charset="-122"/>
-              </a:rPr>
-              <a:t>C++</a:t>
-            </a:r>
-            <a:r>
-              <a:rPr lang="zh-CN" altLang="en-US" dirty="0" smtClean="0">
-                <a:latin typeface="微软雅黑" panose="020B0503020204020204" pitchFamily="34" charset="-122"/>
-                <a:ea typeface="微软雅黑" panose="020B0503020204020204" pitchFamily="34" charset="-122"/>
-              </a:rPr>
-              <a:t>开发，</a:t>
-            </a:r>
-            <a:r>
-              <a:rPr lang="en-US" altLang="zh-CN" dirty="0" smtClean="0">
-                <a:latin typeface="微软雅黑" panose="020B0503020204020204" pitchFamily="34" charset="-122"/>
-                <a:ea typeface="微软雅黑" panose="020B0503020204020204" pitchFamily="34" charset="-122"/>
-              </a:rPr>
-              <a:t>Windows</a:t>
-            </a:r>
-            <a:r>
-              <a:rPr lang="zh-CN" altLang="en-US" dirty="0" smtClean="0">
-                <a:latin typeface="微软雅黑" panose="020B0503020204020204" pitchFamily="34" charset="-122"/>
-                <a:ea typeface="微软雅黑" panose="020B0503020204020204" pitchFamily="34" charset="-122"/>
-              </a:rPr>
-              <a:t>和</a:t>
-            </a:r>
-            <a:r>
-              <a:rPr lang="en-US" altLang="zh-CN" dirty="0" smtClean="0">
-                <a:latin typeface="微软雅黑" panose="020B0503020204020204" pitchFamily="34" charset="-122"/>
-                <a:ea typeface="微软雅黑" panose="020B0503020204020204" pitchFamily="34" charset="-122"/>
-              </a:rPr>
-              <a:t>Linux</a:t>
-            </a:r>
-            <a:r>
-              <a:rPr lang="zh-CN" altLang="en-US" dirty="0" smtClean="0">
-                <a:latin typeface="微软雅黑" panose="020B0503020204020204" pitchFamily="34" charset="-122"/>
-                <a:ea typeface="微软雅黑" panose="020B0503020204020204" pitchFamily="34" charset="-122"/>
-              </a:rPr>
-              <a:t>均可使用，屏蔽大多数系统差异</a:t>
-            </a:r>
-            <a:endParaRPr lang="en-US" altLang="zh-CN" dirty="0" smtClean="0">
-              <a:latin typeface="微软雅黑" panose="020B0503020204020204" pitchFamily="34" charset="-122"/>
-              <a:ea typeface="微软雅黑" panose="020B0503020204020204" pitchFamily="34" charset="-122"/>
-            </a:endParaRPr>
-          </a:p>
-          <a:p>
-            <a:pPr marL="285750" indent="-285750">
-              <a:buFont typeface="Wingdings" panose="05000000000000000000" pitchFamily="2" charset="2"/>
-              <a:buChar char="ü"/>
-            </a:pPr>
-            <a:r>
-              <a:rPr lang="zh-CN" altLang="en-US" b="1" dirty="0">
-                <a:solidFill>
-                  <a:srgbClr val="00B050"/>
-                </a:solidFill>
-                <a:latin typeface="微软雅黑" panose="020B0503020204020204" pitchFamily="34" charset="-122"/>
-                <a:ea typeface="微软雅黑" panose="020B0503020204020204" pitchFamily="34" charset="-122"/>
-              </a:rPr>
-              <a:t>节约硬件成本</a:t>
-            </a:r>
-            <a:r>
-              <a:rPr lang="zh-CN" altLang="en-US" dirty="0" smtClean="0">
-                <a:latin typeface="微软雅黑" panose="020B0503020204020204" pitchFamily="34" charset="-122"/>
-                <a:ea typeface="微软雅黑" panose="020B0503020204020204" pitchFamily="34" charset="-122"/>
-              </a:rPr>
-              <a:t>，分布式架构，运营厂商的每一台机器都可作为节点加入到业务网络中，性能低的机器照样可以使用</a:t>
-            </a:r>
-            <a:endParaRPr lang="en-US" altLang="zh-CN" dirty="0" smtClean="0">
-              <a:latin typeface="微软雅黑" panose="020B0503020204020204" pitchFamily="34" charset="-122"/>
-              <a:ea typeface="微软雅黑" panose="020B0503020204020204" pitchFamily="34" charset="-122"/>
-            </a:endParaRPr>
-          </a:p>
-          <a:p>
-            <a:pPr marL="285750" indent="-285750">
-              <a:buFont typeface="Wingdings" panose="05000000000000000000" pitchFamily="2" charset="2"/>
-              <a:buChar char="ü"/>
-            </a:pPr>
-            <a:r>
-              <a:rPr lang="zh-CN" altLang="en-US" b="1" dirty="0">
-                <a:solidFill>
-                  <a:srgbClr val="00B050"/>
-                </a:solidFill>
-                <a:latin typeface="微软雅黑" panose="020B0503020204020204" pitchFamily="34" charset="-122"/>
-                <a:ea typeface="微软雅黑" panose="020B0503020204020204" pitchFamily="34" charset="-122"/>
-              </a:rPr>
-              <a:t>维护简单</a:t>
-            </a:r>
-            <a:r>
-              <a:rPr lang="zh-CN" altLang="en-US" dirty="0" smtClean="0">
-                <a:latin typeface="微软雅黑" panose="020B0503020204020204" pitchFamily="34" charset="-122"/>
-                <a:ea typeface="微软雅黑" panose="020B0503020204020204" pitchFamily="34" charset="-122"/>
-              </a:rPr>
-              <a:t>，实时通过</a:t>
-            </a:r>
-            <a:r>
-              <a:rPr lang="en-US" altLang="zh-CN" dirty="0" smtClean="0">
-                <a:latin typeface="微软雅黑" panose="020B0503020204020204" pitchFamily="34" charset="-122"/>
-                <a:ea typeface="微软雅黑" panose="020B0503020204020204" pitchFamily="34" charset="-122"/>
-              </a:rPr>
-              <a:t>log</a:t>
-            </a:r>
-            <a:r>
-              <a:rPr lang="zh-CN" altLang="en-US" dirty="0" smtClean="0">
-                <a:latin typeface="微软雅黑" panose="020B0503020204020204" pitchFamily="34" charset="-122"/>
-                <a:ea typeface="微软雅黑" panose="020B0503020204020204" pitchFamily="34" charset="-122"/>
-              </a:rPr>
-              <a:t>和分析工具查看服务器状态以及负载</a:t>
-            </a:r>
-            <a:endParaRPr lang="zh-CN" altLang="en-US" dirty="0">
-              <a:latin typeface="微软雅黑" panose="020B0503020204020204" pitchFamily="34" charset="-122"/>
-              <a:ea typeface="微软雅黑" panose="020B0503020204020204" pitchFamily="34" charset="-122"/>
-            </a:endParaRPr>
-          </a:p>
-        </p:txBody>
-      </p:sp>
-    </p:spTree>
-    <p:extLst>
-      <p:ext uri="{BB962C8B-B14F-4D97-AF65-F5344CB8AC3E}">
-        <p14:creationId xmlns:p14="http://schemas.microsoft.com/office/powerpoint/2010/main" val="2462426445"/>
       </p:ext>
     </p:extLst>
   </p:cSld>
@@ -6433,6 +6784,394 @@
       </p:grpSpPr>
       <p:sp>
         <p:nvSpPr>
+          <p:cNvPr id="4" name="文本框 3"/>
+          <p:cNvSpPr txBox="1"/>
+          <p:nvPr/>
+        </p:nvSpPr>
+        <p:spPr>
+          <a:xfrm>
+            <a:off x="0" y="0"/>
+            <a:ext cx="4801314" cy="707886"/>
+          </a:xfrm>
+          <a:prstGeom prst="rect">
+            <a:avLst/>
+          </a:prstGeom>
+          <a:noFill/>
+        </p:spPr>
+        <p:txBody>
+          <a:bodyPr wrap="none" rtlCol="0">
+            <a:spAutoFit/>
+          </a:bodyPr>
+          <a:lstStyle/>
+          <a:p>
+            <a:r>
+              <a:rPr lang="zh-CN" altLang="en-US" sz="4000" dirty="0" smtClean="0">
+                <a:latin typeface="方正兰亭粗黑简体" panose="02000000000000000000" pitchFamily="2" charset="-122"/>
+                <a:ea typeface="方正兰亭粗黑简体" panose="02000000000000000000" pitchFamily="2" charset="-122"/>
+              </a:rPr>
+              <a:t>良好架构带来的好处</a:t>
+            </a:r>
+            <a:endParaRPr lang="en-US" altLang="zh-CN" sz="4000" dirty="0">
+              <a:latin typeface="方正兰亭粗黑简体" panose="02000000000000000000" pitchFamily="2" charset="-122"/>
+              <a:ea typeface="方正兰亭粗黑简体" panose="02000000000000000000" pitchFamily="2" charset="-122"/>
+            </a:endParaRPr>
+          </a:p>
+        </p:txBody>
+      </p:sp>
+      <p:sp>
+        <p:nvSpPr>
+          <p:cNvPr id="2" name="文本框 1"/>
+          <p:cNvSpPr txBox="1"/>
+          <p:nvPr/>
+        </p:nvSpPr>
+        <p:spPr>
+          <a:xfrm>
+            <a:off x="1204912" y="1333500"/>
+            <a:ext cx="9782175" cy="2862322"/>
+          </a:xfrm>
+          <a:prstGeom prst="rect">
+            <a:avLst/>
+          </a:prstGeom>
+          <a:noFill/>
+        </p:spPr>
+        <p:txBody>
+          <a:bodyPr wrap="square" rtlCol="0">
+            <a:spAutoFit/>
+          </a:bodyPr>
+          <a:lstStyle/>
+          <a:p>
+            <a:r>
+              <a:rPr lang="zh-CN" altLang="en-US" dirty="0" smtClean="0">
+                <a:latin typeface="微软雅黑" panose="020B0503020204020204" pitchFamily="34" charset="-122"/>
+                <a:ea typeface="微软雅黑" panose="020B0503020204020204" pitchFamily="34" charset="-122"/>
+              </a:rPr>
+              <a:t>由于</a:t>
+            </a:r>
+            <a:r>
+              <a:rPr lang="en-US" altLang="zh-CN" dirty="0" smtClean="0">
+                <a:latin typeface="微软雅黑" panose="020B0503020204020204" pitchFamily="34" charset="-122"/>
+                <a:ea typeface="微软雅黑" panose="020B0503020204020204" pitchFamily="34" charset="-122"/>
+              </a:rPr>
+              <a:t>NFrame</a:t>
+            </a:r>
+            <a:r>
+              <a:rPr lang="zh-CN" altLang="en-US" dirty="0" smtClean="0">
+                <a:latin typeface="微软雅黑" panose="020B0503020204020204" pitchFamily="34" charset="-122"/>
+                <a:ea typeface="微软雅黑" panose="020B0503020204020204" pitchFamily="34" charset="-122"/>
+              </a:rPr>
+              <a:t>良好的服务器架构设计，故而拥有了其他架构所没有的优点。</a:t>
+            </a:r>
+            <a:endParaRPr lang="en-US" altLang="zh-CN" dirty="0" smtClean="0">
+              <a:latin typeface="微软雅黑" panose="020B0503020204020204" pitchFamily="34" charset="-122"/>
+              <a:ea typeface="微软雅黑" panose="020B0503020204020204" pitchFamily="34" charset="-122"/>
+            </a:endParaRPr>
+          </a:p>
+          <a:p>
+            <a:endParaRPr lang="en-US" altLang="zh-CN" dirty="0" smtClean="0">
+              <a:latin typeface="微软雅黑" panose="020B0503020204020204" pitchFamily="34" charset="-122"/>
+              <a:ea typeface="微软雅黑" panose="020B0503020204020204" pitchFamily="34" charset="-122"/>
+            </a:endParaRPr>
+          </a:p>
+          <a:p>
+            <a:pPr marL="285750" indent="-285750">
+              <a:buFont typeface="Wingdings" panose="05000000000000000000" pitchFamily="2" charset="2"/>
+              <a:buChar char="ü"/>
+            </a:pPr>
+            <a:r>
+              <a:rPr lang="zh-CN" altLang="en-US" b="1" dirty="0" smtClean="0">
+                <a:solidFill>
+                  <a:srgbClr val="00B050"/>
+                </a:solidFill>
+                <a:latin typeface="微软雅黑" panose="020B0503020204020204" pitchFamily="34" charset="-122"/>
+                <a:ea typeface="微软雅黑" panose="020B0503020204020204" pitchFamily="34" charset="-122"/>
+              </a:rPr>
+              <a:t>高性能</a:t>
+            </a:r>
+            <a:r>
+              <a:rPr lang="zh-CN" altLang="en-US" dirty="0" smtClean="0">
+                <a:latin typeface="微软雅黑" panose="020B0503020204020204" pitchFamily="34" charset="-122"/>
+                <a:ea typeface="微软雅黑" panose="020B0503020204020204" pitchFamily="34" charset="-122"/>
+              </a:rPr>
+              <a:t>，通讯优化，压缩流量，</a:t>
+            </a:r>
+            <a:r>
+              <a:rPr lang="en-US" altLang="zh-CN" dirty="0" smtClean="0">
+                <a:latin typeface="微软雅黑" panose="020B0503020204020204" pitchFamily="34" charset="-122"/>
+                <a:ea typeface="微软雅黑" panose="020B0503020204020204" pitchFamily="34" charset="-122"/>
+              </a:rPr>
+              <a:t>C++</a:t>
+            </a:r>
+            <a:r>
+              <a:rPr lang="zh-CN" altLang="en-US" dirty="0" smtClean="0">
+                <a:latin typeface="微软雅黑" panose="020B0503020204020204" pitchFamily="34" charset="-122"/>
+                <a:ea typeface="微软雅黑" panose="020B0503020204020204" pitchFamily="34" charset="-122"/>
+              </a:rPr>
+              <a:t>底层，业务逻辑并行</a:t>
+            </a:r>
+            <a:endParaRPr lang="en-US" altLang="zh-CN" dirty="0">
+              <a:latin typeface="微软雅黑" panose="020B0503020204020204" pitchFamily="34" charset="-122"/>
+              <a:ea typeface="微软雅黑" panose="020B0503020204020204" pitchFamily="34" charset="-122"/>
+            </a:endParaRPr>
+          </a:p>
+          <a:p>
+            <a:pPr marL="285750" indent="-285750">
+              <a:buFont typeface="Wingdings" panose="05000000000000000000" pitchFamily="2" charset="2"/>
+              <a:buChar char="ü"/>
+            </a:pPr>
+            <a:r>
+              <a:rPr lang="zh-CN" altLang="en-US" b="1" dirty="0">
+                <a:solidFill>
+                  <a:srgbClr val="00B050"/>
+                </a:solidFill>
+                <a:latin typeface="微软雅黑" panose="020B0503020204020204" pitchFamily="34" charset="-122"/>
+                <a:ea typeface="微软雅黑" panose="020B0503020204020204" pitchFamily="34" charset="-122"/>
+              </a:rPr>
+              <a:t>高稳定性</a:t>
+            </a:r>
+            <a:r>
+              <a:rPr lang="zh-CN" altLang="en-US" dirty="0" smtClean="0">
+                <a:latin typeface="微软雅黑" panose="020B0503020204020204" pitchFamily="34" charset="-122"/>
+                <a:ea typeface="微软雅黑" panose="020B0503020204020204" pitchFamily="34" charset="-122"/>
+              </a:rPr>
+              <a:t>，服务器间实时数据统计，问题节点自动摘除，业务逻辑不中断</a:t>
+            </a:r>
+            <a:endParaRPr lang="en-US" altLang="zh-CN" dirty="0" smtClean="0">
+              <a:latin typeface="微软雅黑" panose="020B0503020204020204" pitchFamily="34" charset="-122"/>
+              <a:ea typeface="微软雅黑" panose="020B0503020204020204" pitchFamily="34" charset="-122"/>
+            </a:endParaRPr>
+          </a:p>
+          <a:p>
+            <a:pPr marL="285750" indent="-285750">
+              <a:buFont typeface="Wingdings" panose="05000000000000000000" pitchFamily="2" charset="2"/>
+              <a:buChar char="ü"/>
+            </a:pPr>
+            <a:r>
+              <a:rPr lang="zh-CN" altLang="en-US" b="1" dirty="0">
+                <a:solidFill>
+                  <a:srgbClr val="00B050"/>
+                </a:solidFill>
+                <a:latin typeface="微软雅黑" panose="020B0503020204020204" pitchFamily="34" charset="-122"/>
+                <a:ea typeface="微软雅黑" panose="020B0503020204020204" pitchFamily="34" charset="-122"/>
+              </a:rPr>
+              <a:t>简易部署</a:t>
+            </a:r>
+            <a:r>
+              <a:rPr lang="zh-CN" altLang="en-US" dirty="0" smtClean="0">
+                <a:latin typeface="微软雅黑" panose="020B0503020204020204" pitchFamily="34" charset="-122"/>
+                <a:ea typeface="微软雅黑" panose="020B0503020204020204" pitchFamily="34" charset="-122"/>
+              </a:rPr>
+              <a:t>，通过开服工具可自动部署配置文件</a:t>
+            </a:r>
+            <a:endParaRPr lang="en-US" altLang="zh-CN" dirty="0" smtClean="0">
+              <a:latin typeface="微软雅黑" panose="020B0503020204020204" pitchFamily="34" charset="-122"/>
+              <a:ea typeface="微软雅黑" panose="020B0503020204020204" pitchFamily="34" charset="-122"/>
+            </a:endParaRPr>
+          </a:p>
+          <a:p>
+            <a:pPr marL="285750" indent="-285750">
+              <a:buFont typeface="Wingdings" panose="05000000000000000000" pitchFamily="2" charset="2"/>
+              <a:buChar char="ü"/>
+            </a:pPr>
+            <a:r>
+              <a:rPr lang="zh-CN" altLang="en-US" b="1" dirty="0">
+                <a:solidFill>
+                  <a:srgbClr val="00B050"/>
+                </a:solidFill>
+                <a:latin typeface="微软雅黑" panose="020B0503020204020204" pitchFamily="34" charset="-122"/>
+                <a:ea typeface="微软雅黑" panose="020B0503020204020204" pitchFamily="34" charset="-122"/>
+              </a:rPr>
+              <a:t>方便扩展</a:t>
+            </a:r>
+            <a:r>
+              <a:rPr lang="zh-CN" altLang="en-US" dirty="0" smtClean="0">
+                <a:latin typeface="微软雅黑" panose="020B0503020204020204" pitchFamily="34" charset="-122"/>
+                <a:ea typeface="微软雅黑" panose="020B0503020204020204" pitchFamily="34" charset="-122"/>
+              </a:rPr>
+              <a:t>，实时热加载配置，横向无限扩展</a:t>
+            </a:r>
+            <a:endParaRPr lang="en-US" altLang="zh-CN" dirty="0" smtClean="0">
+              <a:latin typeface="微软雅黑" panose="020B0503020204020204" pitchFamily="34" charset="-122"/>
+              <a:ea typeface="微软雅黑" panose="020B0503020204020204" pitchFamily="34" charset="-122"/>
+            </a:endParaRPr>
+          </a:p>
+          <a:p>
+            <a:pPr marL="285750" indent="-285750">
+              <a:buFont typeface="Wingdings" panose="05000000000000000000" pitchFamily="2" charset="2"/>
+              <a:buChar char="ü"/>
+            </a:pPr>
+            <a:r>
+              <a:rPr lang="zh-CN" altLang="en-US" b="1" dirty="0">
+                <a:solidFill>
+                  <a:srgbClr val="00B050"/>
+                </a:solidFill>
+                <a:latin typeface="微软雅黑" panose="020B0503020204020204" pitchFamily="34" charset="-122"/>
+                <a:ea typeface="微软雅黑" panose="020B0503020204020204" pitchFamily="34" charset="-122"/>
+              </a:rPr>
+              <a:t>跨平台</a:t>
+            </a:r>
+            <a:r>
+              <a:rPr lang="zh-CN" altLang="en-US" dirty="0" smtClean="0">
+                <a:latin typeface="微软雅黑" panose="020B0503020204020204" pitchFamily="34" charset="-122"/>
+                <a:ea typeface="微软雅黑" panose="020B0503020204020204" pitchFamily="34" charset="-122"/>
+              </a:rPr>
+              <a:t>，使用标准</a:t>
+            </a:r>
+            <a:r>
+              <a:rPr lang="en-US" altLang="zh-CN" dirty="0" smtClean="0">
+                <a:latin typeface="微软雅黑" panose="020B0503020204020204" pitchFamily="34" charset="-122"/>
+                <a:ea typeface="微软雅黑" panose="020B0503020204020204" pitchFamily="34" charset="-122"/>
+              </a:rPr>
+              <a:t>C++</a:t>
+            </a:r>
+            <a:r>
+              <a:rPr lang="zh-CN" altLang="en-US" dirty="0" smtClean="0">
+                <a:latin typeface="微软雅黑" panose="020B0503020204020204" pitchFamily="34" charset="-122"/>
+                <a:ea typeface="微软雅黑" panose="020B0503020204020204" pitchFamily="34" charset="-122"/>
+              </a:rPr>
+              <a:t>开发，</a:t>
+            </a:r>
+            <a:r>
+              <a:rPr lang="en-US" altLang="zh-CN" dirty="0" smtClean="0">
+                <a:latin typeface="微软雅黑" panose="020B0503020204020204" pitchFamily="34" charset="-122"/>
+                <a:ea typeface="微软雅黑" panose="020B0503020204020204" pitchFamily="34" charset="-122"/>
+              </a:rPr>
+              <a:t>Windows</a:t>
+            </a:r>
+            <a:r>
+              <a:rPr lang="zh-CN" altLang="en-US" dirty="0" smtClean="0">
+                <a:latin typeface="微软雅黑" panose="020B0503020204020204" pitchFamily="34" charset="-122"/>
+                <a:ea typeface="微软雅黑" panose="020B0503020204020204" pitchFamily="34" charset="-122"/>
+              </a:rPr>
+              <a:t>和</a:t>
+            </a:r>
+            <a:r>
+              <a:rPr lang="en-US" altLang="zh-CN" dirty="0" smtClean="0">
+                <a:latin typeface="微软雅黑" panose="020B0503020204020204" pitchFamily="34" charset="-122"/>
+                <a:ea typeface="微软雅黑" panose="020B0503020204020204" pitchFamily="34" charset="-122"/>
+              </a:rPr>
+              <a:t>Linux</a:t>
+            </a:r>
+            <a:r>
+              <a:rPr lang="zh-CN" altLang="en-US" dirty="0" smtClean="0">
+                <a:latin typeface="微软雅黑" panose="020B0503020204020204" pitchFamily="34" charset="-122"/>
+                <a:ea typeface="微软雅黑" panose="020B0503020204020204" pitchFamily="34" charset="-122"/>
+              </a:rPr>
+              <a:t>均可使用，屏蔽大多数系统差异</a:t>
+            </a:r>
+            <a:endParaRPr lang="en-US" altLang="zh-CN" dirty="0" smtClean="0">
+              <a:latin typeface="微软雅黑" panose="020B0503020204020204" pitchFamily="34" charset="-122"/>
+              <a:ea typeface="微软雅黑" panose="020B0503020204020204" pitchFamily="34" charset="-122"/>
+            </a:endParaRPr>
+          </a:p>
+          <a:p>
+            <a:pPr marL="285750" indent="-285750">
+              <a:buFont typeface="Wingdings" panose="05000000000000000000" pitchFamily="2" charset="2"/>
+              <a:buChar char="ü"/>
+            </a:pPr>
+            <a:r>
+              <a:rPr lang="zh-CN" altLang="en-US" b="1" dirty="0">
+                <a:solidFill>
+                  <a:srgbClr val="00B050"/>
+                </a:solidFill>
+                <a:latin typeface="微软雅黑" panose="020B0503020204020204" pitchFamily="34" charset="-122"/>
+                <a:ea typeface="微软雅黑" panose="020B0503020204020204" pitchFamily="34" charset="-122"/>
+              </a:rPr>
+              <a:t>节约硬件成本</a:t>
+            </a:r>
+            <a:r>
+              <a:rPr lang="zh-CN" altLang="en-US" dirty="0" smtClean="0">
+                <a:latin typeface="微软雅黑" panose="020B0503020204020204" pitchFamily="34" charset="-122"/>
+                <a:ea typeface="微软雅黑" panose="020B0503020204020204" pitchFamily="34" charset="-122"/>
+              </a:rPr>
+              <a:t>，分布式架构，运营厂商的每一台机器都可作为节点加入到业务网络中，性能低的机器照样可以使用</a:t>
+            </a:r>
+            <a:endParaRPr lang="en-US" altLang="zh-CN" dirty="0" smtClean="0">
+              <a:latin typeface="微软雅黑" panose="020B0503020204020204" pitchFamily="34" charset="-122"/>
+              <a:ea typeface="微软雅黑" panose="020B0503020204020204" pitchFamily="34" charset="-122"/>
+            </a:endParaRPr>
+          </a:p>
+          <a:p>
+            <a:pPr marL="285750" indent="-285750">
+              <a:buFont typeface="Wingdings" panose="05000000000000000000" pitchFamily="2" charset="2"/>
+              <a:buChar char="ü"/>
+            </a:pPr>
+            <a:r>
+              <a:rPr lang="zh-CN" altLang="en-US" b="1" dirty="0">
+                <a:solidFill>
+                  <a:srgbClr val="00B050"/>
+                </a:solidFill>
+                <a:latin typeface="微软雅黑" panose="020B0503020204020204" pitchFamily="34" charset="-122"/>
+                <a:ea typeface="微软雅黑" panose="020B0503020204020204" pitchFamily="34" charset="-122"/>
+              </a:rPr>
+              <a:t>维护简单</a:t>
+            </a:r>
+            <a:r>
+              <a:rPr lang="zh-CN" altLang="en-US" dirty="0" smtClean="0">
+                <a:latin typeface="微软雅黑" panose="020B0503020204020204" pitchFamily="34" charset="-122"/>
+                <a:ea typeface="微软雅黑" panose="020B0503020204020204" pitchFamily="34" charset="-122"/>
+              </a:rPr>
+              <a:t>，实时通过</a:t>
+            </a:r>
+            <a:r>
+              <a:rPr lang="en-US" altLang="zh-CN" dirty="0" smtClean="0">
+                <a:latin typeface="微软雅黑" panose="020B0503020204020204" pitchFamily="34" charset="-122"/>
+                <a:ea typeface="微软雅黑" panose="020B0503020204020204" pitchFamily="34" charset="-122"/>
+              </a:rPr>
+              <a:t>log</a:t>
+            </a:r>
+            <a:r>
+              <a:rPr lang="zh-CN" altLang="en-US" dirty="0" smtClean="0">
+                <a:latin typeface="微软雅黑" panose="020B0503020204020204" pitchFamily="34" charset="-122"/>
+                <a:ea typeface="微软雅黑" panose="020B0503020204020204" pitchFamily="34" charset="-122"/>
+              </a:rPr>
+              <a:t>和分析工具查看服务器状态以及负载</a:t>
+            </a:r>
+            <a:endParaRPr lang="zh-CN" altLang="en-US" dirty="0">
+              <a:latin typeface="微软雅黑" panose="020B0503020204020204" pitchFamily="34" charset="-122"/>
+              <a:ea typeface="微软雅黑" panose="020B0503020204020204" pitchFamily="34" charset="-122"/>
+            </a:endParaRPr>
+          </a:p>
+        </p:txBody>
+      </p:sp>
+    </p:spTree>
+    <p:extLst>
+      <p:ext uri="{BB962C8B-B14F-4D97-AF65-F5344CB8AC3E}">
+        <p14:creationId xmlns:p14="http://schemas.microsoft.com/office/powerpoint/2010/main" val="2462426445"/>
+      </p:ext>
+    </p:extLst>
+  </p:cSld>
+  <p:clrMapOvr>
+    <a:masterClrMapping/>
+  </p:clrMapOvr>
+  <p:timing>
+    <p:tnLst>
+      <p:par>
+        <p:cTn id="1" dur="indefinite" restart="never" nodeType="tmRoot"/>
+      </p:par>
+    </p:tnLst>
+  </p:timing>
+</p:sld>
+</file>
+
+<file path=ppt/slides/slide21.xml><?xml version="1.0" encoding="utf-8"?>
+<p:sld xmlns:a="http://schemas.openxmlformats.org/drawingml/2006/main" xmlns:r="http://schemas.openxmlformats.org/officeDocument/2006/relationships" xmlns:p="http://schemas.openxmlformats.org/presentationml/2006/main">
+  <p:cSld>
+    <p:spTree>
+      <p:nvGrpSpPr>
+        <p:cNvPr id="1" name=""/>
+        <p:cNvGrpSpPr/>
+        <p:nvPr/>
+      </p:nvGrpSpPr>
+      <p:grpSpPr>
+        <a:xfrm>
+          <a:off x="0" y="0"/>
+          <a:ext cx="0" cy="0"/>
+          <a:chOff x="0" y="0"/>
+          <a:chExt cx="0" cy="0"/>
+        </a:xfrm>
+      </p:grpSpPr>
+      <p:sp>
+        <p:nvSpPr>
           <p:cNvPr id="5" name="文本框 4"/>
           <p:cNvSpPr txBox="1"/>
           <p:nvPr/>
@@ -6528,14 +7267,7 @@
                 <a:latin typeface="微软雅黑" panose="020B0503020204020204" pitchFamily="34" charset="-122"/>
                 <a:ea typeface="微软雅黑" panose="020B0503020204020204" pitchFamily="34" charset="-122"/>
               </a:rPr>
-              <a:t>使用</a:t>
-            </a:r>
-            <a:r>
-              <a:rPr lang="zh-CN" altLang="en-US" dirty="0" smtClean="0">
-                <a:latin typeface="微软雅黑" panose="020B0503020204020204" pitchFamily="34" charset="-122"/>
-                <a:ea typeface="微软雅黑" panose="020B0503020204020204" pitchFamily="34" charset="-122"/>
-              </a:rPr>
-              <a:t>的</a:t>
+              <a:t>使用的</a:t>
             </a:r>
             <a:r>
               <a:rPr lang="en-US" altLang="zh-CN" b="1" dirty="0" smtClean="0">
@@ -6663,14 +7395,7 @@
                 <a:latin typeface="微软雅黑" panose="020B0503020204020204" pitchFamily="34" charset="-122"/>
                 <a:ea typeface="微软雅黑" panose="020B0503020204020204" pitchFamily="34" charset="-122"/>
               </a:rPr>
-              <a:t>我们</a:t>
-            </a:r>
-            <a:r>
-              <a:rPr lang="zh-CN" altLang="en-US" dirty="0" smtClean="0">
-                <a:latin typeface="微软雅黑" panose="020B0503020204020204" pitchFamily="34" charset="-122"/>
-                <a:ea typeface="微软雅黑" panose="020B0503020204020204" pitchFamily="34" charset="-122"/>
-              </a:rPr>
-              <a:t>提供</a:t>
+              <a:t>我们提供</a:t>
             </a:r>
             <a:r>
               <a:rPr lang="en-US" altLang="zh-CN" dirty="0" smtClean="0">
@@ -6717,14 +7442,7 @@
                 <a:latin typeface="微软雅黑" panose="020B0503020204020204" pitchFamily="34" charset="-122"/>
                 <a:ea typeface="微软雅黑" panose="020B0503020204020204" pitchFamily="34" charset="-122"/>
               </a:rPr>
-              <a:t>，方便</a:t>
-            </a:r>
-            <a:r>
-              <a:rPr lang="zh-CN" altLang="en-US" dirty="0" smtClean="0">
-                <a:latin typeface="微软雅黑" panose="020B0503020204020204" pitchFamily="34" charset="-122"/>
-                <a:ea typeface="微软雅黑" panose="020B0503020204020204" pitchFamily="34" charset="-122"/>
-              </a:rPr>
-              <a:t>程序开发人员</a:t>
+              <a:t>，方便程序开发人员</a:t>
             </a:r>
             <a:endParaRPr lang="en-US" altLang="zh-CN" dirty="0" smtClean="0">
               <a:latin typeface="微软雅黑" panose="020B0503020204020204" pitchFamily="34" charset="-122"/>
@@ -6737,14 +7455,7 @@
                 <a:latin typeface="微软雅黑" panose="020B0503020204020204" pitchFamily="34" charset="-122"/>
                 <a:ea typeface="微软雅黑" panose="020B0503020204020204" pitchFamily="34" charset="-122"/>
               </a:rPr>
-              <a:t>使用</a:t>
-            </a:r>
-            <a:r>
-              <a:rPr lang="zh-CN" altLang="en-US" dirty="0" smtClean="0">
-                <a:latin typeface="微软雅黑" panose="020B0503020204020204" pitchFamily="34" charset="-122"/>
-                <a:ea typeface="微软雅黑" panose="020B0503020204020204" pitchFamily="34" charset="-122"/>
-              </a:rPr>
-              <a:t>，降低程序读取配置的难度。</a:t>
+              <a:t>使用，降低程序读取配置的难度。</a:t>
             </a:r>
             <a:endParaRPr lang="zh-CN" altLang="en-US" dirty="0">
               <a:latin typeface="微软雅黑" panose="020B0503020204020204" pitchFamily="34" charset="-122"/>
@@ -6797,7 +7508,7 @@
 </p:sld>
 </file>
 
-<file path=ppt/slides/slide21.xml><?xml version="1.0" encoding="utf-8"?>
+<file path=ppt/slides/slide22.xml><?xml version="1.0" encoding="utf-8"?>
 <p:sld xmlns:a="http://schemas.openxmlformats.org/drawingml/2006/main" xmlns:r="http://schemas.openxmlformats.org/officeDocument/2006/relationships" xmlns:p="http://schemas.openxmlformats.org/presentationml/2006/main">
   <p:cSld>
     <p:spTree>
@@ -7123,7 +7834,7 @@
 </p:sld>
 </file>
 
-<file path=ppt/slides/slide22.xml><?xml version="1.0" encoding="utf-8"?>
+<file path=ppt/slides/slide23.xml><?xml version="1.0" encoding="utf-8"?>
 <p:sld xmlns:a="http://schemas.openxmlformats.org/drawingml/2006/main" xmlns:r="http://schemas.openxmlformats.org/officeDocument/2006/relationships" xmlns:p="http://schemas.openxmlformats.org/presentationml/2006/main">
   <p:cSld>
     <p:spTree>
@@ -7307,7 +8018,7 @@
 </p:sld>
 </file>
 
-<file path=ppt/slides/slide23.xml><?xml version="1.0" encoding="utf-8"?>
+<file path=ppt/slides/slide24.xml><?xml version="1.0" encoding="utf-8"?>
 <p:sld xmlns:a="http://schemas.openxmlformats.org/drawingml/2006/main" xmlns:r="http://schemas.openxmlformats.org/officeDocument/2006/relationships" xmlns:p="http://schemas.openxmlformats.org/presentationml/2006/main">
   <p:cSld>
     <p:spTree>
@@ -7571,7 +8282,7 @@
 </p:sld>
 </file>
 
-<file path=ppt/slides/slide24.xml><?xml version="1.0" encoding="utf-8"?>
+<file path=ppt/slides/slide25.xml><?xml version="1.0" encoding="utf-8"?>
 <p:sld xmlns:a="http://schemas.openxmlformats.org/drawingml/2006/main" xmlns:r="http://schemas.openxmlformats.org/officeDocument/2006/relationships" xmlns:p="http://schemas.openxmlformats.org/presentationml/2006/main">
   <p:cSld>
     <p:spTree>
@@ -7951,7 +8662,7 @@
 </p:sld>
 </file>
 
-<file path=ppt/slides/slide25.xml><?xml version="1.0" encoding="utf-8"?>
+<file path=ppt/slides/slide26.xml><?xml version="1.0" encoding="utf-8"?>
 <p:sld xmlns:a="http://schemas.openxmlformats.org/drawingml/2006/main" xmlns:r="http://schemas.openxmlformats.org/officeDocument/2006/relationships" xmlns:p="http://schemas.openxmlformats.org/presentationml/2006/main">
   <p:cSld>
     <p:spTree>
@@ -8206,7 +8917,7 @@
 </p:sld>
 </file>
 
-<file path=ppt/slides/slide26.xml><?xml version="1.0" encoding="utf-8"?>
+<file path=ppt/slides/slide27.xml><?xml version="1.0" encoding="utf-8"?>
 <p:sld xmlns:a="http://schemas.openxmlformats.org/drawingml/2006/main" xmlns:r="http://schemas.openxmlformats.org/officeDocument/2006/relationships" xmlns:p="http://schemas.openxmlformats.org/presentationml/2006/main">
   <p:cSld>
     <p:spTree>
@@ -9262,7 +9973,7 @@
 </p:sld>
 </file>
 
-<file path=ppt/slides/slide27.xml><?xml version="1.0" encoding="utf-8"?>
+<file path=ppt/slides/slide28.xml><?xml version="1.0" encoding="utf-8"?>
 <p:sld xmlns:a="http://schemas.openxmlformats.org/drawingml/2006/main" xmlns:r="http://schemas.openxmlformats.org/officeDocument/2006/relationships" xmlns:p="http://schemas.openxmlformats.org/presentationml/2006/main">
   <p:cSld>
     <p:spTree>
@@ -9504,7 +10215,7 @@
 </p:sld>
 </file>
 
-<file path=ppt/slides/slide28.xml><?xml version="1.0" encoding="utf-8"?>
+<file path=ppt/slides/slide29.xml><?xml version="1.0" encoding="utf-8"?>
 <p:sld xmlns:a="http://schemas.openxmlformats.org/drawingml/2006/main" xmlns:r="http://schemas.openxmlformats.org/officeDocument/2006/relationships" xmlns:p="http://schemas.openxmlformats.org/presentationml/2006/main">
   <p:cSld>
     <p:spTree>
@@ -10507,7 +11218,7 @@
       </p:sp>
       <p:pic>
         <p:nvPicPr>
-          <p:cNvPr id="4" name="图片 3"/>
+          <p:cNvPr id="3" name="图片 2"/>
           <p:cNvPicPr>
             <a:picLocks noChangeAspect="1"/>
           </p:cNvPicPr>
@@ -10521,8 +11232,8 @@
         </p:blipFill>
         <p:spPr>
           <a:xfrm>
-            <a:off x="1304925" y="798068"/>
-            <a:ext cx="9582150" cy="4695825"/>
+            <a:off x="68317" y="650875"/>
+            <a:ext cx="12039600" cy="4591050"/>
           </a:xfrm>
           <a:prstGeom prst="rect">
             <a:avLst/>
@@ -11036,8 +11747,8 @@
         </p:nvSpPr>
         <p:spPr>
           <a:xfrm>
-            <a:off x="646176" y="463296"/>
-            <a:ext cx="2492990" cy="369332"/>
+            <a:off x="201339" y="140103"/>
+            <a:ext cx="5467779" cy="369332"/>
           </a:xfrm>
           <a:prstGeom prst="rect">
             <a:avLst/>
@@ -11052,7 +11763,55 @@
           <a:p>
             <a:r>
               <a:rPr lang="zh-CN" altLang="en-US" dirty="0" smtClean="0"/>
-              <a:t>一个数据定义的例子：</a:t>
+              <a:t>一</a:t>
+            </a:r>
+            <a:r>
+              <a:rPr lang="zh-CN" altLang="en-US" dirty="0" smtClean="0"/>
+              <a:t>个玩家属性配置数据</a:t>
+            </a:r>
+            <a:r>
+              <a:rPr lang="zh-CN" altLang="en-US" dirty="0" smtClean="0"/>
+              <a:t>定义的</a:t>
+            </a:r>
+            <a:r>
+              <a:rPr lang="zh-CN" altLang="en-US" dirty="0" smtClean="0"/>
+              <a:t>例子</a:t>
+            </a:r>
+            <a:r>
+              <a:rPr lang="en-US" altLang="zh-CN" dirty="0"/>
+              <a:t>(</a:t>
+            </a:r>
+            <a:r>
+              <a:rPr lang="zh-CN" altLang="en-US" dirty="0">
+                <a:solidFill>
+                  <a:srgbClr val="FF0000"/>
+                </a:solidFill>
+              </a:rPr>
+              <a:t>使用</a:t>
+            </a:r>
+            <a:r>
+              <a:rPr lang="en-US" altLang="zh-CN" dirty="0">
+                <a:solidFill>
+                  <a:srgbClr val="FF0000"/>
+                </a:solidFill>
+              </a:rPr>
+              <a:t>Excel</a:t>
+            </a:r>
+            <a:r>
+              <a:rPr lang="zh-CN" altLang="en-US" dirty="0">
+                <a:solidFill>
+                  <a:srgbClr val="FF0000"/>
+                </a:solidFill>
+              </a:rPr>
+              <a:t>编辑</a:t>
+            </a:r>
+            <a:r>
+              <a:rPr lang="en-US" altLang="zh-CN" dirty="0"/>
+              <a:t>) </a:t>
+            </a:r>
+            <a:r>
+              <a:rPr lang="zh-CN" altLang="en-US" dirty="0" smtClean="0"/>
+              <a:t>：</a:t>
             </a:r>
             <a:endParaRPr lang="en-US" altLang="zh-CN" dirty="0" smtClean="0"/>
           </a:p>
@@ -11060,7 +11819,7 @@
       </p:sp>
       <p:pic>
         <p:nvPicPr>
-          <p:cNvPr id="5" name="图片 4"/>
+          <p:cNvPr id="3" name="图片 2"/>
           <p:cNvPicPr>
             <a:picLocks noChangeAspect="1"/>
           </p:cNvPicPr>
@@ -11074,32 +11833,8 @@
         </p:blipFill>
         <p:spPr>
           <a:xfrm>
-            <a:off x="646176" y="1125093"/>
-            <a:ext cx="10601325" cy="3486150"/>
-          </a:xfrm>
-          <a:prstGeom prst="rect">
-            <a:avLst/>
-          </a:prstGeom>
-        </p:spPr>
-      </p:pic>
-      <p:pic>
-        <p:nvPicPr>
-          <p:cNvPr id="6" name="图片 5"/>
-          <p:cNvPicPr>
-            <a:picLocks noChangeAspect="1"/>
-          </p:cNvPicPr>
-          <p:nvPr/>
-        </p:nvPicPr>
-        <p:blipFill>
-          <a:blip r:embed="rId3"/>
-          <a:stretch>
-            <a:fillRect/>
-          </a:stretch>
-        </p:blipFill>
-        <p:spPr>
-          <a:xfrm>
-            <a:off x="1189100" y="1125093"/>
-            <a:ext cx="9515475" cy="3448050"/>
+            <a:off x="201339" y="509435"/>
+            <a:ext cx="11868150" cy="4752975"/>
           </a:xfrm>
           <a:prstGeom prst="rect">
             <a:avLst/>
@@ -11119,165 +11854,7 @@
   <p:timing>
     <p:tnLst>
       <p:par>
-        <p:cTn id="1" dur="indefinite" restart="never" nodeType="tmRoot">
-          <p:childTnLst>
-            <p:seq concurrent="1" nextAc="seek">
-              <p:cTn id="2" dur="indefinite" nodeType="mainSeq">
-                <p:childTnLst>
-                  <p:par>
-                    <p:cTn id="3" fill="hold">
-                      <p:stCondLst>
-                        <p:cond delay="indefinite"/>
-                      </p:stCondLst>
-                      <p:childTnLst>
-                        <p:par>
-                          <p:cTn id="4" fill="hold">
-                            <p:stCondLst>
-                              <p:cond delay="0"/>
-                            </p:stCondLst>
-                            <p:childTnLst>
-                              <p:par>
-                                <p:cTn id="5" presetID="2" presetClass="entr" presetSubtype="4" fill="hold" nodeType="clickEffect">
-                                  <p:stCondLst>
-                                    <p:cond delay="0"/>
-                                  </p:stCondLst>
-                                  <p:childTnLst>
-                                    <p:set>
-                                      <p:cBhvr>
-                                        <p:cTn id="6" dur="1" fill="hold">
-                                          <p:stCondLst>
-                                            <p:cond delay="0"/>
-                                          </p:stCondLst>
-                                        </p:cTn>
-                                        <p:tgtEl>
-                                          <p:spTgt spid="6"/>
-                                        </p:tgtEl>
-                                        <p:attrNameLst>
-                                          <p:attrName>style.visibility</p:attrName>
-                                        </p:attrNameLst>
-                                      </p:cBhvr>
-                                      <p:to>
-                                        <p:strVal val="visible"/>
-                                      </p:to>
-                                    </p:set>
-                                    <p:anim calcmode="lin" valueType="num">
-                                      <p:cBhvr additive="base">
-                                        <p:cTn id="7" dur="500" fill="hold"/>
-                                        <p:tgtEl>
-                                          <p:spTgt spid="6"/>
-                                        </p:tgtEl>
-                                        <p:attrNameLst>
-                                          <p:attrName>ppt_x</p:attrName>
-                                        </p:attrNameLst>
-                                      </p:cBhvr>
-                                      <p:tavLst>
-                                        <p:tav tm="0">
-                                          <p:val>
-                                            <p:strVal val="#ppt_x"/>
-                                          </p:val>
-                                        </p:tav>
-                                        <p:tav tm="100000">
-                                          <p:val>
-                                            <p:strVal val="#ppt_x"/>
-                                          </p:val>
-                                        </p:tav>
-                                      </p:tavLst>
-                                    </p:anim>
-                                    <p:anim calcmode="lin" valueType="num">
-                                      <p:cBhvr additive="base">
-                                        <p:cTn id="8" dur="500" fill="hold"/>
-                                        <p:tgtEl>
-                                          <p:spTgt spid="6"/>
-                                        </p:tgtEl>
-                                        <p:attrNameLst>
-                                          <p:attrName>ppt_y</p:attrName>
-                                        </p:attrNameLst>
-                                      </p:cBhvr>
-                                      <p:tavLst>
-                                        <p:tav tm="0">
-                                          <p:val>
-                                            <p:strVal val="1+#ppt_h/2"/>
-                                          </p:val>
-                                        </p:tav>
-                                        <p:tav tm="100000">
-                                          <p:val>
-                                            <p:strVal val="#ppt_y"/>
-                                          </p:val>
-                                        </p:tav>
-                                      </p:tavLst>
-                                    </p:anim>
-                                  </p:childTnLst>
-                                </p:cTn>
-                              </p:par>
-                            </p:childTnLst>
-                          </p:cTn>
-                        </p:par>
-                        <p:par>
-                          <p:cTn id="9" fill="hold">
-                            <p:stCondLst>
-                              <p:cond delay="500"/>
-                            </p:stCondLst>
-                            <p:childTnLst>
-                              <p:par>
-                                <p:cTn id="10" presetID="10" presetClass="exit" presetSubtype="0" fill="hold" nodeType="afterEffect">
-                                  <p:stCondLst>
-                                    <p:cond delay="0"/>
-                                  </p:stCondLst>
-                                  <p:childTnLst>
-                                    <p:animEffect transition="out" filter="fade">
-                                      <p:cBhvr>
-                                        <p:cTn id="11" dur="500"/>
-                                        <p:tgtEl>
-                                          <p:spTgt spid="5"/>
-                                        </p:tgtEl>
-                                      </p:cBhvr>
-                                    </p:animEffect>
-                                    <p:set>
-                                      <p:cBhvr>
-                                        <p:cTn id="12" dur="1" fill="hold">
-                                          <p:stCondLst>
-                                            <p:cond delay="499"/>
-                                          </p:stCondLst>
-                                        </p:cTn>
-                                        <p:tgtEl>
-                                          <p:spTgt spid="5"/>
-                                        </p:tgtEl>
-                                        <p:attrNameLst>
-                                          <p:attrName>style.visibility</p:attrName>
-                                        </p:attrNameLst>
-                                      </p:cBhvr>
-                                      <p:to>
-                                        <p:strVal val="hidden"/>
-                                      </p:to>
-                                    </p:set>
-                                  </p:childTnLst>
-                                </p:cTn>
-                              </p:par>
-                            </p:childTnLst>
-                          </p:cTn>
-                        </p:par>
-                      </p:childTnLst>
-                    </p:cTn>
-                  </p:par>
-                </p:childTnLst>
-              </p:cTn>
-              <p:prevCondLst>
-                <p:cond evt="onPrev" delay="0">
-                  <p:tgtEl>
-                    <p:sldTgt/>
-                  </p:tgtEl>
-                </p:cond>
-              </p:prevCondLst>
-              <p:nextCondLst>
-                <p:cond evt="onNext" delay="0">
-                  <p:tgtEl>
-                    <p:sldTgt/>
-                  </p:tgtEl>
-                </p:cond>
-              </p:nextCondLst>
-            </p:seq>
-          </p:childTnLst>
-        </p:cTn>
+        <p:cTn id="1" dur="indefinite" restart="never" nodeType="tmRoot"/>
       </p:par>
     </p:tnLst>
   </p:timing>
@@ -11303,14 +11880,14 @@
       </p:grpSpPr>
       <p:sp>
         <p:nvSpPr>
-          <p:cNvPr id="4" name="文本框 3"/>
+          <p:cNvPr id="5" name="文本框 4"/>
           <p:cNvSpPr txBox="1"/>
           <p:nvPr/>
         </p:nvSpPr>
         <p:spPr>
           <a:xfrm>
-            <a:off x="0" y="170688"/>
-            <a:ext cx="5920210" cy="707886"/>
+            <a:off x="646176" y="368703"/>
+            <a:ext cx="4998612" cy="369332"/>
           </a:xfrm>
           <a:prstGeom prst="rect">
             <a:avLst/>
@@ -11324,702 +11901,89 @@
           <a:lstStyle/>
           <a:p>
             <a:r>
-              <a:rPr lang="zh-CN" altLang="en-US" sz="4000" dirty="0" smtClean="0">
-                <a:latin typeface="方正兰亭粗黑简体" panose="02000000000000000000" pitchFamily="2" charset="-122"/>
-                <a:ea typeface="方正兰亭粗黑简体" panose="02000000000000000000" pitchFamily="2" charset="-122"/>
-              </a:rPr>
-              <a:t>事件驱动</a:t>
-            </a:r>
-            <a:r>
-              <a:rPr lang="en-US" altLang="zh-CN" sz="4000" dirty="0" smtClean="0">
-                <a:latin typeface="方正兰亭粗黑简体" panose="02000000000000000000" pitchFamily="2" charset="-122"/>
-                <a:ea typeface="方正兰亭粗黑简体" panose="02000000000000000000" pitchFamily="2" charset="-122"/>
-              </a:rPr>
-              <a:t>(EventDriver)</a:t>
-            </a:r>
-            <a:endParaRPr lang="zh-CN" altLang="en-US" sz="4000" dirty="0">
-              <a:latin typeface="方正兰亭粗黑简体" panose="02000000000000000000" pitchFamily="2" charset="-122"/>
-              <a:ea typeface="方正兰亭粗黑简体" panose="02000000000000000000" pitchFamily="2" charset="-122"/>
-            </a:endParaRPr>
+              <a:rPr lang="zh-CN" altLang="en-US" dirty="0" smtClean="0"/>
+              <a:t>一</a:t>
+            </a:r>
+            <a:r>
+              <a:rPr lang="zh-CN" altLang="en-US" dirty="0" smtClean="0"/>
+              <a:t>个逻辑处理数据</a:t>
+            </a:r>
+            <a:r>
+              <a:rPr lang="zh-CN" altLang="en-US" dirty="0" smtClean="0"/>
+              <a:t>定义的</a:t>
+            </a:r>
+            <a:r>
+              <a:rPr lang="zh-CN" altLang="en-US" dirty="0" smtClean="0"/>
+              <a:t>例子</a:t>
+            </a:r>
+            <a:r>
+              <a:rPr lang="en-US" altLang="zh-CN" dirty="0" smtClean="0"/>
+              <a:t>(</a:t>
+            </a:r>
+            <a:r>
+              <a:rPr lang="zh-CN" altLang="en-US" dirty="0" smtClean="0">
+                <a:solidFill>
+                  <a:srgbClr val="FF0000"/>
+                </a:solidFill>
+              </a:rPr>
+              <a:t>使用</a:t>
+            </a:r>
+            <a:r>
+              <a:rPr lang="en-US" altLang="zh-CN" dirty="0" smtClean="0">
+                <a:solidFill>
+                  <a:srgbClr val="FF0000"/>
+                </a:solidFill>
+              </a:rPr>
+              <a:t>Excel</a:t>
+            </a:r>
+            <a:r>
+              <a:rPr lang="zh-CN" altLang="en-US" dirty="0" smtClean="0">
+                <a:solidFill>
+                  <a:srgbClr val="FF0000"/>
+                </a:solidFill>
+              </a:rPr>
+              <a:t>编辑</a:t>
+            </a:r>
+            <a:r>
+              <a:rPr lang="en-US" altLang="zh-CN" dirty="0" smtClean="0"/>
+              <a:t>)</a:t>
+            </a:r>
+            <a:r>
+              <a:rPr lang="zh-CN" altLang="en-US" dirty="0" smtClean="0"/>
+              <a:t>：</a:t>
+            </a:r>
+            <a:endParaRPr lang="en-US" altLang="zh-CN" dirty="0" smtClean="0"/>
           </a:p>
         </p:txBody>
       </p:sp>
-      <p:sp>
-        <p:nvSpPr>
-          <p:cNvPr id="2" name="文本框 1"/>
-          <p:cNvSpPr txBox="1"/>
+      <p:pic>
+        <p:nvPicPr>
+          <p:cNvPr id="6" name="图片 5"/>
+          <p:cNvPicPr>
+            <a:picLocks noChangeAspect="1"/>
+          </p:cNvPicPr>
           <p:nvPr/>
-        </p:nvSpPr>
+        </p:nvPicPr>
+        <p:blipFill>
+          <a:blip r:embed="rId2"/>
+          <a:stretch>
+            <a:fillRect/>
+          </a:stretch>
+        </p:blipFill>
         <p:spPr>
           <a:xfrm>
-            <a:off x="1104900" y="952500"/>
-            <a:ext cx="9801225" cy="4081117"/>
+            <a:off x="646176" y="1172395"/>
+            <a:ext cx="10010775" cy="2905125"/>
           </a:xfrm>
           <a:prstGeom prst="rect">
             <a:avLst/>
           </a:prstGeom>
-          <a:noFill/>
         </p:spPr>
-        <p:txBody>
-          <a:bodyPr wrap="square" rtlCol="0">
-            <a:spAutoFit/>
-          </a:bodyPr>
-          <a:lstStyle/>
-          <a:p>
-            <a:pPr>
-              <a:lnSpc>
-                <a:spcPct val="90000"/>
-              </a:lnSpc>
-            </a:pPr>
-            <a:r>
-              <a:rPr lang="zh-CN" altLang="en-US" dirty="0" smtClean="0">
-                <a:latin typeface="微软雅黑" panose="020B0503020204020204" pitchFamily="34" charset="-122"/>
-                <a:ea typeface="微软雅黑" panose="020B0503020204020204" pitchFamily="34" charset="-122"/>
-              </a:rPr>
-              <a:t>事件驱动灵感</a:t>
-            </a:r>
-            <a:r>
-              <a:rPr lang="zh-CN" altLang="en-US" dirty="0">
-                <a:latin typeface="微软雅黑" panose="020B0503020204020204" pitchFamily="34" charset="-122"/>
-                <a:ea typeface="微软雅黑" panose="020B0503020204020204" pitchFamily="34" charset="-122"/>
-              </a:rPr>
-              <a:t>来源与处理器的处理流程，旨为只提供流水线式的处理逻辑模块，而本身不保存和涉留对象的</a:t>
-            </a:r>
-            <a:r>
-              <a:rPr lang="zh-CN" altLang="en-US" dirty="0" smtClean="0">
-                <a:latin typeface="微软雅黑" panose="020B0503020204020204" pitchFamily="34" charset="-122"/>
-                <a:ea typeface="微软雅黑" panose="020B0503020204020204" pitchFamily="34" charset="-122"/>
-              </a:rPr>
-              <a:t>数据</a:t>
-            </a:r>
-            <a:endParaRPr lang="en-US" altLang="zh-CN" dirty="0" smtClean="0">
-              <a:latin typeface="微软雅黑" panose="020B0503020204020204" pitchFamily="34" charset="-122"/>
-              <a:ea typeface="微软雅黑" panose="020B0503020204020204" pitchFamily="34" charset="-122"/>
-            </a:endParaRPr>
-          </a:p>
-          <a:p>
-            <a:pPr>
-              <a:lnSpc>
-                <a:spcPct val="90000"/>
-              </a:lnSpc>
-            </a:pPr>
-            <a:endParaRPr lang="en-AU" altLang="en-US" dirty="0" smtClean="0">
-              <a:latin typeface="微软雅黑" panose="020B0503020204020204" pitchFamily="34" charset="-122"/>
-              <a:ea typeface="微软雅黑" panose="020B0503020204020204" pitchFamily="34" charset="-122"/>
-            </a:endParaRPr>
-          </a:p>
-          <a:p>
-            <a:pPr>
-              <a:lnSpc>
-                <a:spcPct val="90000"/>
-              </a:lnSpc>
-            </a:pPr>
-            <a:r>
-              <a:rPr lang="zh-CN" altLang="en-US" dirty="0" smtClean="0">
-                <a:latin typeface="微软雅黑" panose="020B0503020204020204" pitchFamily="34" charset="-122"/>
-                <a:ea typeface="微软雅黑" panose="020B0503020204020204" pitchFamily="34" charset="-122"/>
-              </a:rPr>
-              <a:t>事件驱动包含：</a:t>
-            </a:r>
-            <a:r>
-              <a:rPr lang="en-US" altLang="zh-CN" dirty="0" smtClean="0">
-                <a:latin typeface="微软雅黑" panose="020B0503020204020204" pitchFamily="34" charset="-122"/>
-                <a:ea typeface="微软雅黑" panose="020B0503020204020204" pitchFamily="34" charset="-122"/>
-              </a:rPr>
-              <a:t>Property</a:t>
-            </a:r>
-            <a:r>
-              <a:rPr lang="zh-CN" altLang="en-US" dirty="0" smtClean="0">
-                <a:latin typeface="微软雅黑" panose="020B0503020204020204" pitchFamily="34" charset="-122"/>
-                <a:ea typeface="微软雅黑" panose="020B0503020204020204" pitchFamily="34" charset="-122"/>
-              </a:rPr>
-              <a:t>驱动，</a:t>
-            </a:r>
-            <a:r>
-              <a:rPr lang="en-US" altLang="zh-CN" dirty="0" smtClean="0">
-                <a:latin typeface="微软雅黑" panose="020B0503020204020204" pitchFamily="34" charset="-122"/>
-                <a:ea typeface="微软雅黑" panose="020B0503020204020204" pitchFamily="34" charset="-122"/>
-              </a:rPr>
-              <a:t>Record</a:t>
-            </a:r>
-            <a:r>
-              <a:rPr lang="zh-CN" altLang="en-US" dirty="0" smtClean="0">
-                <a:latin typeface="微软雅黑" panose="020B0503020204020204" pitchFamily="34" charset="-122"/>
-                <a:ea typeface="微软雅黑" panose="020B0503020204020204" pitchFamily="34" charset="-122"/>
-              </a:rPr>
-              <a:t>驱动，</a:t>
-            </a:r>
-            <a:r>
-              <a:rPr lang="en-US" altLang="zh-CN" dirty="0" smtClean="0">
-                <a:latin typeface="微软雅黑" panose="020B0503020204020204" pitchFamily="34" charset="-122"/>
-                <a:ea typeface="微软雅黑" panose="020B0503020204020204" pitchFamily="34" charset="-122"/>
-              </a:rPr>
-              <a:t>Event</a:t>
-            </a:r>
-            <a:r>
-              <a:rPr lang="zh-CN" altLang="en-US" dirty="0" smtClean="0">
-                <a:latin typeface="微软雅黑" panose="020B0503020204020204" pitchFamily="34" charset="-122"/>
-                <a:ea typeface="微软雅黑" panose="020B0503020204020204" pitchFamily="34" charset="-122"/>
-              </a:rPr>
-              <a:t>驱动，</a:t>
-            </a:r>
-            <a:r>
-              <a:rPr lang="en-US" altLang="zh-CN" dirty="0" smtClean="0">
-                <a:latin typeface="微软雅黑" panose="020B0503020204020204" pitchFamily="34" charset="-122"/>
-                <a:ea typeface="微软雅黑" panose="020B0503020204020204" pitchFamily="34" charset="-122"/>
-              </a:rPr>
-              <a:t>Heartbeat</a:t>
-            </a:r>
-            <a:r>
-              <a:rPr lang="zh-CN" altLang="en-US" dirty="0" smtClean="0">
-                <a:latin typeface="微软雅黑" panose="020B0503020204020204" pitchFamily="34" charset="-122"/>
-                <a:ea typeface="微软雅黑" panose="020B0503020204020204" pitchFamily="34" charset="-122"/>
-              </a:rPr>
-              <a:t>驱动</a:t>
-            </a:r>
-            <a:endParaRPr lang="en-AU" altLang="en-US" dirty="0" smtClean="0">
-              <a:latin typeface="微软雅黑" panose="020B0503020204020204" pitchFamily="34" charset="-122"/>
-              <a:ea typeface="微软雅黑" panose="020B0503020204020204" pitchFamily="34" charset="-122"/>
-            </a:endParaRPr>
-          </a:p>
-          <a:p>
-            <a:pPr>
-              <a:lnSpc>
-                <a:spcPct val="90000"/>
-              </a:lnSpc>
-            </a:pPr>
-            <a:endParaRPr lang="en-AU" altLang="en-US" dirty="0">
-              <a:latin typeface="微软雅黑" panose="020B0503020204020204" pitchFamily="34" charset="-122"/>
-              <a:ea typeface="微软雅黑" panose="020B0503020204020204" pitchFamily="34" charset="-122"/>
-            </a:endParaRPr>
-          </a:p>
-          <a:p>
-            <a:pPr>
-              <a:lnSpc>
-                <a:spcPct val="90000"/>
-              </a:lnSpc>
-            </a:pPr>
-            <a:r>
-              <a:rPr lang="zh-CN" altLang="en-US" dirty="0">
-                <a:latin typeface="微软雅黑" panose="020B0503020204020204" pitchFamily="34" charset="-122"/>
-                <a:ea typeface="微软雅黑" panose="020B0503020204020204" pitchFamily="34" charset="-122"/>
-              </a:rPr>
-              <a:t>通过Property Driver，所有只要注册过属性观测者</a:t>
-            </a:r>
-            <a:r>
-              <a:rPr lang="zh-CN" altLang="en-US" dirty="0" smtClean="0">
-                <a:latin typeface="微软雅黑" panose="020B0503020204020204" pitchFamily="34" charset="-122"/>
-                <a:ea typeface="微软雅黑" panose="020B0503020204020204" pitchFamily="34" charset="-122"/>
-              </a:rPr>
-              <a:t>的</a:t>
-            </a:r>
-            <a:r>
-              <a:rPr lang="en-US" altLang="zh-CN" dirty="0">
-                <a:latin typeface="微软雅黑" panose="020B0503020204020204" pitchFamily="34" charset="-122"/>
-                <a:ea typeface="微软雅黑" panose="020B0503020204020204" pitchFamily="34" charset="-122"/>
-              </a:rPr>
-              <a:t>P</a:t>
-            </a:r>
-            <a:r>
-              <a:rPr lang="zh-CN" altLang="en-US" dirty="0">
-                <a:latin typeface="微软雅黑" panose="020B0503020204020204" pitchFamily="34" charset="-122"/>
-                <a:ea typeface="微软雅黑" panose="020B0503020204020204" pitchFamily="34" charset="-122"/>
-              </a:rPr>
-              <a:t>rocesser </a:t>
-            </a:r>
-            <a:r>
-              <a:rPr lang="en-US" altLang="zh-CN" dirty="0">
-                <a:latin typeface="微软雅黑" panose="020B0503020204020204" pitchFamily="34" charset="-122"/>
-                <a:ea typeface="微软雅黑" panose="020B0503020204020204" pitchFamily="34" charset="-122"/>
-              </a:rPr>
-              <a:t>F</a:t>
-            </a:r>
-            <a:r>
-              <a:rPr lang="zh-CN" altLang="en-US" dirty="0">
-                <a:latin typeface="微软雅黑" panose="020B0503020204020204" pitchFamily="34" charset="-122"/>
-                <a:ea typeface="微软雅黑" panose="020B0503020204020204" pitchFamily="34" charset="-122"/>
-              </a:rPr>
-              <a:t>unction</a:t>
-            </a:r>
-            <a:r>
-              <a:rPr lang="zh-CN" altLang="en-US" dirty="0" smtClean="0">
-                <a:latin typeface="微软雅黑" panose="020B0503020204020204" pitchFamily="34" charset="-122"/>
-                <a:ea typeface="微软雅黑" panose="020B0503020204020204" pitchFamily="34" charset="-122"/>
-              </a:rPr>
-              <a:t>均</a:t>
-            </a:r>
-            <a:r>
-              <a:rPr lang="zh-CN" altLang="en-US" dirty="0">
-                <a:latin typeface="微软雅黑" panose="020B0503020204020204" pitchFamily="34" charset="-122"/>
-                <a:ea typeface="微软雅黑" panose="020B0503020204020204" pitchFamily="34" charset="-122"/>
-              </a:rPr>
-              <a:t>会得到所</a:t>
-            </a:r>
-            <a:r>
-              <a:rPr lang="zh-CN" altLang="en-US" dirty="0" smtClean="0">
-                <a:latin typeface="微软雅黑" panose="020B0503020204020204" pitchFamily="34" charset="-122"/>
-                <a:ea typeface="微软雅黑" panose="020B0503020204020204" pitchFamily="34" charset="-122"/>
-              </a:rPr>
-              <a:t>关注Property</a:t>
-            </a:r>
-            <a:r>
-              <a:rPr lang="zh-CN" altLang="en-US" dirty="0">
-                <a:latin typeface="微软雅黑" panose="020B0503020204020204" pitchFamily="34" charset="-122"/>
-                <a:ea typeface="微软雅黑" panose="020B0503020204020204" pitchFamily="34" charset="-122"/>
-              </a:rPr>
-              <a:t>的</a:t>
-            </a:r>
-            <a:r>
-              <a:rPr lang="zh-CN" altLang="en-US" dirty="0" smtClean="0">
-                <a:latin typeface="微软雅黑" panose="020B0503020204020204" pitchFamily="34" charset="-122"/>
-                <a:ea typeface="微软雅黑" panose="020B0503020204020204" pitchFamily="34" charset="-122"/>
-              </a:rPr>
-              <a:t>变化通知，以便做出对应的逻辑处理。</a:t>
-            </a:r>
-            <a:endParaRPr lang="en-US" altLang="zh-CN" dirty="0" smtClean="0">
-              <a:latin typeface="微软雅黑" panose="020B0503020204020204" pitchFamily="34" charset="-122"/>
-              <a:ea typeface="微软雅黑" panose="020B0503020204020204" pitchFamily="34" charset="-122"/>
-            </a:endParaRPr>
-          </a:p>
-          <a:p>
-            <a:pPr>
-              <a:lnSpc>
-                <a:spcPct val="90000"/>
-              </a:lnSpc>
-            </a:pPr>
-            <a:endParaRPr lang="en-US" altLang="zh-CN" dirty="0" smtClean="0">
-              <a:latin typeface="微软雅黑" panose="020B0503020204020204" pitchFamily="34" charset="-122"/>
-              <a:ea typeface="微软雅黑" panose="020B0503020204020204" pitchFamily="34" charset="-122"/>
-            </a:endParaRPr>
-          </a:p>
-          <a:p>
-            <a:pPr>
-              <a:lnSpc>
-                <a:spcPct val="90000"/>
-              </a:lnSpc>
-            </a:pPr>
-            <a:r>
-              <a:rPr lang="zh-CN" altLang="en-US" dirty="0" smtClean="0">
-                <a:latin typeface="微软雅黑" panose="020B0503020204020204" pitchFamily="34" charset="-122"/>
-                <a:ea typeface="微软雅黑" panose="020B0503020204020204" pitchFamily="34" charset="-122"/>
-              </a:rPr>
-              <a:t>通过</a:t>
-            </a:r>
-            <a:r>
-              <a:rPr lang="en-US" altLang="zh-CN" dirty="0" smtClean="0">
-                <a:latin typeface="微软雅黑" panose="020B0503020204020204" pitchFamily="34" charset="-122"/>
-                <a:ea typeface="微软雅黑" panose="020B0503020204020204" pitchFamily="34" charset="-122"/>
-              </a:rPr>
-              <a:t>Record</a:t>
-            </a:r>
-            <a:r>
-              <a:rPr lang="zh-CN" altLang="en-US" dirty="0" smtClean="0">
-                <a:latin typeface="微软雅黑" panose="020B0503020204020204" pitchFamily="34" charset="-122"/>
-                <a:ea typeface="微软雅黑" panose="020B0503020204020204" pitchFamily="34" charset="-122"/>
-              </a:rPr>
-              <a:t> </a:t>
-            </a:r>
-            <a:r>
-              <a:rPr lang="zh-CN" altLang="en-US" dirty="0">
-                <a:latin typeface="微软雅黑" panose="020B0503020204020204" pitchFamily="34" charset="-122"/>
-                <a:ea typeface="微软雅黑" panose="020B0503020204020204" pitchFamily="34" charset="-122"/>
-              </a:rPr>
-              <a:t>Driver，所有只要注册</a:t>
-            </a:r>
-            <a:r>
-              <a:rPr lang="zh-CN" altLang="en-US" dirty="0" smtClean="0">
-                <a:latin typeface="微软雅黑" panose="020B0503020204020204" pitchFamily="34" charset="-122"/>
-                <a:ea typeface="微软雅黑" panose="020B0503020204020204" pitchFamily="34" charset="-122"/>
-              </a:rPr>
-              <a:t>过</a:t>
-            </a:r>
-            <a:r>
-              <a:rPr lang="en-US" altLang="zh-CN" dirty="0" smtClean="0">
-                <a:latin typeface="微软雅黑" panose="020B0503020204020204" pitchFamily="34" charset="-122"/>
-                <a:ea typeface="微软雅黑" panose="020B0503020204020204" pitchFamily="34" charset="-122"/>
-              </a:rPr>
-              <a:t>Record</a:t>
-            </a:r>
-            <a:r>
-              <a:rPr lang="zh-CN" altLang="en-US" dirty="0" smtClean="0">
-                <a:latin typeface="微软雅黑" panose="020B0503020204020204" pitchFamily="34" charset="-122"/>
-                <a:ea typeface="微软雅黑" panose="020B0503020204020204" pitchFamily="34" charset="-122"/>
-              </a:rPr>
-              <a:t>的观测</a:t>
-            </a:r>
-            <a:r>
-              <a:rPr lang="zh-CN" altLang="en-US" dirty="0">
-                <a:latin typeface="微软雅黑" panose="020B0503020204020204" pitchFamily="34" charset="-122"/>
-                <a:ea typeface="微软雅黑" panose="020B0503020204020204" pitchFamily="34" charset="-122"/>
-              </a:rPr>
-              <a:t>者</a:t>
-            </a:r>
-            <a:r>
-              <a:rPr lang="zh-CN" altLang="en-US" dirty="0" smtClean="0">
-                <a:latin typeface="微软雅黑" panose="020B0503020204020204" pitchFamily="34" charset="-122"/>
-                <a:ea typeface="微软雅黑" panose="020B0503020204020204" pitchFamily="34" charset="-122"/>
-              </a:rPr>
-              <a:t>的</a:t>
-            </a:r>
-            <a:r>
-              <a:rPr lang="en-US" altLang="zh-CN" dirty="0" smtClean="0">
-                <a:latin typeface="微软雅黑" panose="020B0503020204020204" pitchFamily="34" charset="-122"/>
-                <a:ea typeface="微软雅黑" panose="020B0503020204020204" pitchFamily="34" charset="-122"/>
-              </a:rPr>
-              <a:t>P</a:t>
-            </a:r>
-            <a:r>
-              <a:rPr lang="zh-CN" altLang="en-US" dirty="0" smtClean="0">
-                <a:latin typeface="微软雅黑" panose="020B0503020204020204" pitchFamily="34" charset="-122"/>
-                <a:ea typeface="微软雅黑" panose="020B0503020204020204" pitchFamily="34" charset="-122"/>
-              </a:rPr>
-              <a:t>rocesser </a:t>
-            </a:r>
-            <a:r>
-              <a:rPr lang="en-US" altLang="zh-CN" dirty="0" smtClean="0">
-                <a:latin typeface="微软雅黑" panose="020B0503020204020204" pitchFamily="34" charset="-122"/>
-                <a:ea typeface="微软雅黑" panose="020B0503020204020204" pitchFamily="34" charset="-122"/>
-              </a:rPr>
-              <a:t>F</a:t>
-            </a:r>
-            <a:r>
-              <a:rPr lang="zh-CN" altLang="en-US" dirty="0" smtClean="0">
-                <a:latin typeface="微软雅黑" panose="020B0503020204020204" pitchFamily="34" charset="-122"/>
-                <a:ea typeface="微软雅黑" panose="020B0503020204020204" pitchFamily="34" charset="-122"/>
-              </a:rPr>
-              <a:t>unction</a:t>
-            </a:r>
-            <a:r>
-              <a:rPr lang="zh-CN" altLang="en-US" dirty="0">
-                <a:latin typeface="微软雅黑" panose="020B0503020204020204" pitchFamily="34" charset="-122"/>
-                <a:ea typeface="微软雅黑" panose="020B0503020204020204" pitchFamily="34" charset="-122"/>
-              </a:rPr>
-              <a:t>均会得到所</a:t>
-            </a:r>
-            <a:r>
-              <a:rPr lang="zh-CN" altLang="en-US" dirty="0" smtClean="0">
-                <a:latin typeface="微软雅黑" panose="020B0503020204020204" pitchFamily="34" charset="-122"/>
-                <a:ea typeface="微软雅黑" panose="020B0503020204020204" pitchFamily="34" charset="-122"/>
-              </a:rPr>
-              <a:t>关注</a:t>
-            </a:r>
-            <a:r>
-              <a:rPr lang="en-US" altLang="zh-CN" dirty="0" smtClean="0">
-                <a:latin typeface="微软雅黑" panose="020B0503020204020204" pitchFamily="34" charset="-122"/>
-                <a:ea typeface="微软雅黑" panose="020B0503020204020204" pitchFamily="34" charset="-122"/>
-              </a:rPr>
-              <a:t>Record</a:t>
-            </a:r>
-            <a:r>
-              <a:rPr lang="zh-CN" altLang="en-US" dirty="0" smtClean="0">
-                <a:latin typeface="微软雅黑" panose="020B0503020204020204" pitchFamily="34" charset="-122"/>
-                <a:ea typeface="微软雅黑" panose="020B0503020204020204" pitchFamily="34" charset="-122"/>
-              </a:rPr>
-              <a:t>的</a:t>
-            </a:r>
-            <a:r>
-              <a:rPr lang="zh-CN" altLang="en-US" dirty="0">
-                <a:latin typeface="微软雅黑" panose="020B0503020204020204" pitchFamily="34" charset="-122"/>
-                <a:ea typeface="微软雅黑" panose="020B0503020204020204" pitchFamily="34" charset="-122"/>
-              </a:rPr>
-              <a:t>变化通知，以便做出对应的逻辑</a:t>
-            </a:r>
-            <a:r>
-              <a:rPr lang="zh-CN" altLang="en-US" dirty="0" smtClean="0">
-                <a:latin typeface="微软雅黑" panose="020B0503020204020204" pitchFamily="34" charset="-122"/>
-                <a:ea typeface="微软雅黑" panose="020B0503020204020204" pitchFamily="34" charset="-122"/>
-              </a:rPr>
-              <a:t>处理。</a:t>
-            </a:r>
-            <a:endParaRPr lang="en-US" altLang="zh-CN" dirty="0" smtClean="0">
-              <a:latin typeface="微软雅黑" panose="020B0503020204020204" pitchFamily="34" charset="-122"/>
-              <a:ea typeface="微软雅黑" panose="020B0503020204020204" pitchFamily="34" charset="-122"/>
-            </a:endParaRPr>
-          </a:p>
-          <a:p>
-            <a:pPr>
-              <a:lnSpc>
-                <a:spcPct val="90000"/>
-              </a:lnSpc>
-            </a:pPr>
-            <a:endParaRPr lang="zh-CN" altLang="en-US" dirty="0">
-              <a:latin typeface="微软雅黑" panose="020B0503020204020204" pitchFamily="34" charset="-122"/>
-              <a:ea typeface="微软雅黑" panose="020B0503020204020204" pitchFamily="34" charset="-122"/>
-            </a:endParaRPr>
-          </a:p>
-          <a:p>
-            <a:pPr>
-              <a:lnSpc>
-                <a:spcPct val="90000"/>
-              </a:lnSpc>
-            </a:pPr>
-            <a:r>
-              <a:rPr lang="zh-CN" altLang="en-US" dirty="0" smtClean="0">
-                <a:latin typeface="微软雅黑" panose="020B0503020204020204" pitchFamily="34" charset="-122"/>
-                <a:ea typeface="微软雅黑" panose="020B0503020204020204" pitchFamily="34" charset="-122"/>
-              </a:rPr>
-              <a:t>通过</a:t>
-            </a:r>
-            <a:r>
-              <a:rPr lang="en-US" altLang="zh-CN" dirty="0" smtClean="0">
-                <a:latin typeface="微软雅黑" panose="020B0503020204020204" pitchFamily="34" charset="-122"/>
-                <a:ea typeface="微软雅黑" panose="020B0503020204020204" pitchFamily="34" charset="-122"/>
-              </a:rPr>
-              <a:t>E</a:t>
-            </a:r>
-            <a:r>
-              <a:rPr lang="zh-CN" altLang="en-US" dirty="0" smtClean="0">
-                <a:latin typeface="微软雅黑" panose="020B0503020204020204" pitchFamily="34" charset="-122"/>
-                <a:ea typeface="微软雅黑" panose="020B0503020204020204" pitchFamily="34" charset="-122"/>
-              </a:rPr>
-              <a:t>vent </a:t>
-            </a:r>
-            <a:r>
-              <a:rPr lang="en-US" altLang="zh-CN" dirty="0" smtClean="0">
-                <a:latin typeface="微软雅黑" panose="020B0503020204020204" pitchFamily="34" charset="-122"/>
-                <a:ea typeface="微软雅黑" panose="020B0503020204020204" pitchFamily="34" charset="-122"/>
-              </a:rPr>
-              <a:t>S</a:t>
-            </a:r>
-            <a:r>
-              <a:rPr lang="zh-CN" altLang="en-US" dirty="0" smtClean="0">
-                <a:latin typeface="微软雅黑" panose="020B0503020204020204" pitchFamily="34" charset="-122"/>
-                <a:ea typeface="微软雅黑" panose="020B0503020204020204" pitchFamily="34" charset="-122"/>
-              </a:rPr>
-              <a:t>ystem</a:t>
-            </a:r>
-            <a:r>
-              <a:rPr lang="zh-CN" altLang="en-US" dirty="0">
-                <a:latin typeface="微软雅黑" panose="020B0503020204020204" pitchFamily="34" charset="-122"/>
-                <a:ea typeface="微软雅黑" panose="020B0503020204020204" pitchFamily="34" charset="-122"/>
-              </a:rPr>
-              <a:t>，所有只要注册</a:t>
-            </a:r>
-            <a:r>
-              <a:rPr lang="zh-CN" altLang="en-US" dirty="0" smtClean="0">
-                <a:latin typeface="微软雅黑" panose="020B0503020204020204" pitchFamily="34" charset="-122"/>
-                <a:ea typeface="微软雅黑" panose="020B0503020204020204" pitchFamily="34" charset="-122"/>
-              </a:rPr>
-              <a:t>过</a:t>
-            </a:r>
-            <a:r>
-              <a:rPr lang="en-US" altLang="zh-CN" dirty="0" smtClean="0">
-                <a:latin typeface="微软雅黑" panose="020B0503020204020204" pitchFamily="34" charset="-122"/>
-                <a:ea typeface="微软雅黑" panose="020B0503020204020204" pitchFamily="34" charset="-122"/>
-              </a:rPr>
-              <a:t>Event</a:t>
-            </a:r>
-            <a:r>
-              <a:rPr lang="zh-CN" altLang="en-US" dirty="0" smtClean="0">
-                <a:latin typeface="微软雅黑" panose="020B0503020204020204" pitchFamily="34" charset="-122"/>
-                <a:ea typeface="微软雅黑" panose="020B0503020204020204" pitchFamily="34" charset="-122"/>
-              </a:rPr>
-              <a:t>的观测</a:t>
-            </a:r>
-            <a:r>
-              <a:rPr lang="zh-CN" altLang="en-US" dirty="0">
-                <a:latin typeface="微软雅黑" panose="020B0503020204020204" pitchFamily="34" charset="-122"/>
-                <a:ea typeface="微软雅黑" panose="020B0503020204020204" pitchFamily="34" charset="-122"/>
-              </a:rPr>
-              <a:t>者</a:t>
-            </a:r>
-            <a:r>
-              <a:rPr lang="zh-CN" altLang="en-US" dirty="0" smtClean="0">
-                <a:latin typeface="微软雅黑" panose="020B0503020204020204" pitchFamily="34" charset="-122"/>
-                <a:ea typeface="微软雅黑" panose="020B0503020204020204" pitchFamily="34" charset="-122"/>
-              </a:rPr>
-              <a:t>的</a:t>
-            </a:r>
-            <a:r>
-              <a:rPr lang="en-US" altLang="zh-CN" dirty="0">
-                <a:latin typeface="微软雅黑" panose="020B0503020204020204" pitchFamily="34" charset="-122"/>
-                <a:ea typeface="微软雅黑" panose="020B0503020204020204" pitchFamily="34" charset="-122"/>
-              </a:rPr>
-              <a:t>P</a:t>
-            </a:r>
-            <a:r>
-              <a:rPr lang="zh-CN" altLang="en-US" dirty="0">
-                <a:latin typeface="微软雅黑" panose="020B0503020204020204" pitchFamily="34" charset="-122"/>
-                <a:ea typeface="微软雅黑" panose="020B0503020204020204" pitchFamily="34" charset="-122"/>
-              </a:rPr>
-              <a:t>rocesser </a:t>
-            </a:r>
-            <a:r>
-              <a:rPr lang="en-US" altLang="zh-CN" dirty="0">
-                <a:latin typeface="微软雅黑" panose="020B0503020204020204" pitchFamily="34" charset="-122"/>
-                <a:ea typeface="微软雅黑" panose="020B0503020204020204" pitchFamily="34" charset="-122"/>
-              </a:rPr>
-              <a:t>F</a:t>
-            </a:r>
-            <a:r>
-              <a:rPr lang="zh-CN" altLang="en-US" dirty="0">
-                <a:latin typeface="微软雅黑" panose="020B0503020204020204" pitchFamily="34" charset="-122"/>
-                <a:ea typeface="微软雅黑" panose="020B0503020204020204" pitchFamily="34" charset="-122"/>
-              </a:rPr>
-              <a:t>unction</a:t>
-            </a:r>
-            <a:r>
-              <a:rPr lang="zh-CN" altLang="en-US" dirty="0" smtClean="0">
-                <a:latin typeface="微软雅黑" panose="020B0503020204020204" pitchFamily="34" charset="-122"/>
-                <a:ea typeface="微软雅黑" panose="020B0503020204020204" pitchFamily="34" charset="-122"/>
-              </a:rPr>
-              <a:t>均</a:t>
-            </a:r>
-            <a:r>
-              <a:rPr lang="zh-CN" altLang="en-US" dirty="0">
-                <a:latin typeface="微软雅黑" panose="020B0503020204020204" pitchFamily="34" charset="-122"/>
-                <a:ea typeface="微软雅黑" panose="020B0503020204020204" pitchFamily="34" charset="-122"/>
-              </a:rPr>
-              <a:t>会得到所关注的事件</a:t>
-            </a:r>
-            <a:r>
-              <a:rPr lang="zh-CN" altLang="en-US" dirty="0" smtClean="0">
-                <a:latin typeface="微软雅黑" panose="020B0503020204020204" pitchFamily="34" charset="-122"/>
-                <a:ea typeface="微软雅黑" panose="020B0503020204020204" pitchFamily="34" charset="-122"/>
-              </a:rPr>
-              <a:t>通知Processer</a:t>
-            </a:r>
-            <a:r>
-              <a:rPr lang="zh-CN" altLang="en-US" dirty="0">
-                <a:latin typeface="微软雅黑" panose="020B0503020204020204" pitchFamily="34" charset="-122"/>
-                <a:ea typeface="微软雅黑" panose="020B0503020204020204" pitchFamily="34" charset="-122"/>
-              </a:rPr>
-              <a:t>可以产生新的事件或属性驱动，以便驱动其他逻辑</a:t>
-            </a:r>
-            <a:r>
-              <a:rPr lang="zh-CN" altLang="en-US" dirty="0" smtClean="0">
-                <a:latin typeface="微软雅黑" panose="020B0503020204020204" pitchFamily="34" charset="-122"/>
-                <a:ea typeface="微软雅黑" panose="020B0503020204020204" pitchFamily="34" charset="-122"/>
-              </a:rPr>
-              <a:t>模块处理逻辑。</a:t>
-            </a:r>
-            <a:endParaRPr lang="en-US" altLang="zh-CN" dirty="0" smtClean="0">
-              <a:latin typeface="微软雅黑" panose="020B0503020204020204" pitchFamily="34" charset="-122"/>
-              <a:ea typeface="微软雅黑" panose="020B0503020204020204" pitchFamily="34" charset="-122"/>
-            </a:endParaRPr>
-          </a:p>
-          <a:p>
-            <a:pPr>
-              <a:lnSpc>
-                <a:spcPct val="90000"/>
-              </a:lnSpc>
-            </a:pPr>
-            <a:endParaRPr lang="en-US" altLang="zh-CN" dirty="0">
-              <a:latin typeface="微软雅黑" panose="020B0503020204020204" pitchFamily="34" charset="-122"/>
-              <a:ea typeface="微软雅黑" panose="020B0503020204020204" pitchFamily="34" charset="-122"/>
-            </a:endParaRPr>
-          </a:p>
-          <a:p>
-            <a:pPr>
-              <a:lnSpc>
-                <a:spcPct val="90000"/>
-              </a:lnSpc>
-            </a:pPr>
-            <a:r>
-              <a:rPr lang="zh-CN" altLang="en-US" dirty="0" smtClean="0">
-                <a:latin typeface="微软雅黑" panose="020B0503020204020204" pitchFamily="34" charset="-122"/>
-                <a:ea typeface="微软雅黑" panose="020B0503020204020204" pitchFamily="34" charset="-122"/>
-              </a:rPr>
-              <a:t>通过</a:t>
-            </a:r>
-            <a:r>
-              <a:rPr lang="en-US" altLang="zh-CN" dirty="0" smtClean="0">
-                <a:latin typeface="微软雅黑" panose="020B0503020204020204" pitchFamily="34" charset="-122"/>
-                <a:ea typeface="微软雅黑" panose="020B0503020204020204" pitchFamily="34" charset="-122"/>
-              </a:rPr>
-              <a:t>Heartbeat System</a:t>
-            </a:r>
-            <a:r>
-              <a:rPr lang="zh-CN" altLang="en-US" dirty="0" smtClean="0">
-                <a:latin typeface="微软雅黑" panose="020B0503020204020204" pitchFamily="34" charset="-122"/>
-                <a:ea typeface="微软雅黑" panose="020B0503020204020204" pitchFamily="34" charset="-122"/>
-              </a:rPr>
-              <a:t>，</a:t>
-            </a:r>
-            <a:r>
-              <a:rPr lang="zh-CN" altLang="en-US" dirty="0">
-                <a:latin typeface="微软雅黑" panose="020B0503020204020204" pitchFamily="34" charset="-122"/>
-                <a:ea typeface="微软雅黑" panose="020B0503020204020204" pitchFamily="34" charset="-122"/>
-              </a:rPr>
-              <a:t>所有只要注册</a:t>
-            </a:r>
-            <a:r>
-              <a:rPr lang="zh-CN" altLang="en-US" dirty="0" smtClean="0">
-                <a:latin typeface="微软雅黑" panose="020B0503020204020204" pitchFamily="34" charset="-122"/>
-                <a:ea typeface="微软雅黑" panose="020B0503020204020204" pitchFamily="34" charset="-122"/>
-              </a:rPr>
-              <a:t>过同名心跳的观测</a:t>
-            </a:r>
-            <a:r>
-              <a:rPr lang="zh-CN" altLang="en-US" dirty="0">
-                <a:latin typeface="微软雅黑" panose="020B0503020204020204" pitchFamily="34" charset="-122"/>
-                <a:ea typeface="微软雅黑" panose="020B0503020204020204" pitchFamily="34" charset="-122"/>
-              </a:rPr>
-              <a:t>者的</a:t>
-            </a:r>
-            <a:r>
-              <a:rPr lang="en-US" altLang="zh-CN" dirty="0">
-                <a:latin typeface="微软雅黑" panose="020B0503020204020204" pitchFamily="34" charset="-122"/>
-                <a:ea typeface="微软雅黑" panose="020B0503020204020204" pitchFamily="34" charset="-122"/>
-              </a:rPr>
-              <a:t>P</a:t>
-            </a:r>
-            <a:r>
-              <a:rPr lang="zh-CN" altLang="en-US" dirty="0">
-                <a:latin typeface="微软雅黑" panose="020B0503020204020204" pitchFamily="34" charset="-122"/>
-                <a:ea typeface="微软雅黑" panose="020B0503020204020204" pitchFamily="34" charset="-122"/>
-              </a:rPr>
-              <a:t>rocesser </a:t>
-            </a:r>
-            <a:r>
-              <a:rPr lang="en-US" altLang="zh-CN" dirty="0">
-                <a:latin typeface="微软雅黑" panose="020B0503020204020204" pitchFamily="34" charset="-122"/>
-                <a:ea typeface="微软雅黑" panose="020B0503020204020204" pitchFamily="34" charset="-122"/>
-              </a:rPr>
-              <a:t>F</a:t>
-            </a:r>
-            <a:r>
-              <a:rPr lang="zh-CN" altLang="en-US" dirty="0">
-                <a:latin typeface="微软雅黑" panose="020B0503020204020204" pitchFamily="34" charset="-122"/>
-                <a:ea typeface="微软雅黑" panose="020B0503020204020204" pitchFamily="34" charset="-122"/>
-              </a:rPr>
-              <a:t>unction均</a:t>
-            </a:r>
-            <a:r>
-              <a:rPr lang="zh-CN" altLang="en-US" dirty="0" smtClean="0">
-                <a:latin typeface="微软雅黑" panose="020B0503020204020204" pitchFamily="34" charset="-122"/>
-                <a:ea typeface="微软雅黑" panose="020B0503020204020204" pitchFamily="34" charset="-122"/>
-              </a:rPr>
-              <a:t>会定时处理逻辑，以便延时</a:t>
-            </a:r>
-            <a:r>
-              <a:rPr lang="en-US" altLang="zh-CN" dirty="0" smtClean="0">
-                <a:latin typeface="微软雅黑" panose="020B0503020204020204" pitchFamily="34" charset="-122"/>
-                <a:ea typeface="微软雅黑" panose="020B0503020204020204" pitchFamily="34" charset="-122"/>
-              </a:rPr>
-              <a:t>/</a:t>
-            </a:r>
-            <a:r>
-              <a:rPr lang="zh-CN" altLang="en-US" dirty="0" smtClean="0">
-                <a:latin typeface="微软雅黑" panose="020B0503020204020204" pitchFamily="34" charset="-122"/>
-                <a:ea typeface="微软雅黑" panose="020B0503020204020204" pitchFamily="34" charset="-122"/>
-              </a:rPr>
-              <a:t>定时处理</a:t>
-            </a:r>
-            <a:r>
-              <a:rPr lang="zh-CN" altLang="en-US" dirty="0">
-                <a:latin typeface="微软雅黑" panose="020B0503020204020204" pitchFamily="34" charset="-122"/>
-                <a:ea typeface="微软雅黑" panose="020B0503020204020204" pitchFamily="34" charset="-122"/>
-              </a:rPr>
-              <a:t>逻辑。</a:t>
-            </a:r>
-          </a:p>
-        </p:txBody>
-      </p:sp>
+      </p:pic>
     </p:spTree>
     <p:extLst>
       <p:ext uri="{BB962C8B-B14F-4D97-AF65-F5344CB8AC3E}">
-        <p14:creationId xmlns:p14="http://schemas.microsoft.com/office/powerpoint/2010/main" val="1964459251"/>
+        <p14:creationId xmlns:p14="http://schemas.microsoft.com/office/powerpoint/2010/main" val="1094905001"/>
       </p:ext>
     </p:extLst>
   </p:cSld>
